--- a/template.pptx
+++ b/template.pptx
@@ -3,17 +3,18 @@
 <p:presentation xmlns:a="http://schemas.openxmlformats.org/drawingml/2006/main" xmlns:r="http://schemas.openxmlformats.org/officeDocument/2006/relationships" xmlns:p="http://schemas.openxmlformats.org/presentationml/2006/main">
   <p:sldMasterIdLst>
     <p:sldMasterId id="2147483648" r:id="rId1"/>
+    <p:sldMasterId id="2147483660" r:id="rId2"/>
   </p:sldMasterIdLst>
   <p:notesMasterIdLst>
-    <p:notesMasterId r:id="rId3"/>
+    <p:notesMasterId r:id="rId4"/>
   </p:notesMasterIdLst>
   <p:sldIdLst>
-    <p:sldId id="259" r:id="rId2"/>
+    <p:sldId id="259" r:id="rId3"/>
   </p:sldIdLst>
   <p:sldSz cx="12192000" cy="6858000"/>
   <p:notesSz cx="6858000" cy="9144000"/>
   <p:custDataLst>
-    <p:tags r:id="rId4"/>
+    <p:tags r:id="rId5"/>
   </p:custDataLst>
   <p:defaultTextStyle>
     <a:defPPr>
@@ -547,8 +548,8 @@
 </file>
 
 <file path=ppt/slideLayouts/slideLayout1.xml><?xml version="1.0" encoding="utf-8"?>
-<p:sldLayout xmlns:a="http://schemas.openxmlformats.org/drawingml/2006/main" xmlns:r="http://schemas.openxmlformats.org/officeDocument/2006/relationships" xmlns:p="http://schemas.openxmlformats.org/presentationml/2006/main" type="title" preserve="1">
-  <p:cSld name="标题幻灯片">
+<p:sldLayout xmlns:a="http://schemas.openxmlformats.org/drawingml/2006/main" xmlns:r="http://schemas.openxmlformats.org/officeDocument/2006/relationships" xmlns:p="http://schemas.openxmlformats.org/presentationml/2006/main" preserve="1" userDrawn="1">
+  <p:cSld name="空白">
     <p:spTree>
       <p:nvGrpSpPr>
         <p:cNvPr id="1" name=""/>
@@ -565,111 +566,7 @@
       </p:grpSpPr>
       <p:sp>
         <p:nvSpPr>
-          <p:cNvPr id="2" name="标题 1"/>
-          <p:cNvSpPr>
-            <a:spLocks noGrp="1"/>
-          </p:cNvSpPr>
-          <p:nvPr>
-            <p:ph type="ctrTitle" hasCustomPrompt="1"/>
-          </p:nvPr>
-        </p:nvSpPr>
-        <p:spPr>
-          <a:xfrm>
-            <a:off x="1198800" y="914400"/>
-            <a:ext cx="9799200" cy="2570400"/>
-          </a:xfrm>
-        </p:spPr>
-        <p:txBody>
-          <a:bodyPr lIns="90000" tIns="46800" rIns="90000" bIns="46800" anchor="b" anchorCtr="0">
-            <a:normAutofit/>
-          </a:bodyPr>
-          <a:lstStyle>
-            <a:lvl1pPr algn="ctr">
-              <a:defRPr sz="6000"/>
-            </a:lvl1pPr>
-          </a:lstStyle>
-          <a:p>
-            <a:r>
-              <a:rPr lang="zh-CN" altLang="en-US" dirty="0"/>
-              <a:t>单击此处编辑标题</a:t>
-            </a:r>
-          </a:p>
-        </p:txBody>
-      </p:sp>
-      <p:sp>
-        <p:nvSpPr>
-          <p:cNvPr id="3" name="副标题 2"/>
-          <p:cNvSpPr>
-            <a:spLocks noGrp="1"/>
-          </p:cNvSpPr>
-          <p:nvPr>
-            <p:ph type="subTitle" idx="1" hasCustomPrompt="1"/>
-          </p:nvPr>
-        </p:nvSpPr>
-        <p:spPr>
-          <a:xfrm>
-            <a:off x="1198800" y="3560400"/>
-            <a:ext cx="9799200" cy="1472400"/>
-          </a:xfrm>
-        </p:spPr>
-        <p:txBody>
-          <a:bodyPr lIns="90000" tIns="46800" rIns="90000" bIns="46800">
-            <a:normAutofit/>
-          </a:bodyPr>
-          <a:lstStyle>
-            <a:lvl1pPr marL="0" indent="0" algn="ctr">
-              <a:lnSpc>
-                <a:spcPct val="110000"/>
-              </a:lnSpc>
-              <a:buNone/>
-              <a:defRPr sz="2400" spc="200">
-                <a:uFillTx/>
-              </a:defRPr>
-            </a:lvl1pPr>
-            <a:lvl2pPr marL="457200" indent="0" algn="ctr">
-              <a:buNone/>
-              <a:defRPr sz="2000"/>
-            </a:lvl2pPr>
-            <a:lvl3pPr marL="914400" indent="0" algn="ctr">
-              <a:buNone/>
-              <a:defRPr sz="1800"/>
-            </a:lvl3pPr>
-            <a:lvl4pPr marL="1371600" indent="0" algn="ctr">
-              <a:buNone/>
-              <a:defRPr sz="1600"/>
-            </a:lvl4pPr>
-            <a:lvl5pPr marL="1828800" indent="0" algn="ctr">
-              <a:buNone/>
-              <a:defRPr sz="1600"/>
-            </a:lvl5pPr>
-            <a:lvl6pPr marL="2286000" indent="0" algn="ctr">
-              <a:buNone/>
-              <a:defRPr sz="1600"/>
-            </a:lvl6pPr>
-            <a:lvl7pPr marL="2743200" indent="0" algn="ctr">
-              <a:buNone/>
-              <a:defRPr sz="1600"/>
-            </a:lvl7pPr>
-            <a:lvl8pPr marL="3200400" indent="0" algn="ctr">
-              <a:buNone/>
-              <a:defRPr sz="1600"/>
-            </a:lvl8pPr>
-            <a:lvl9pPr marL="3657600" indent="0" algn="ctr">
-              <a:buNone/>
-              <a:defRPr sz="1600"/>
-            </a:lvl9pPr>
-          </a:lstStyle>
-          <a:p>
-            <a:r>
-              <a:rPr lang="zh-CN" altLang="en-US" dirty="0"/>
-              <a:t>单击此处编辑副标题</a:t>
-            </a:r>
-          </a:p>
-        </p:txBody>
-      </p:sp>
-      <p:sp>
-        <p:nvSpPr>
-          <p:cNvPr id="16" name="日期占位符 15"/>
+          <p:cNvPr id="2" name="日期占位符 1"/>
           <p:cNvSpPr>
             <a:spLocks noGrp="1"/>
           </p:cNvSpPr>
@@ -686,32 +583,32 @@
               <a:rPr lang="zh-CN" altLang="en-US" smtClean="0"/>
               <a:t>2025/12/13</a:t>
             </a:fld>
+            <a:endParaRPr lang="zh-CN" altLang="en-US" dirty="0"/>
+          </a:p>
+        </p:txBody>
+      </p:sp>
+      <p:sp>
+        <p:nvSpPr>
+          <p:cNvPr id="3" name="页脚占位符 2"/>
+          <p:cNvSpPr>
+            <a:spLocks noGrp="1"/>
+          </p:cNvSpPr>
+          <p:nvPr>
+            <p:ph type="ftr" sz="quarter" idx="11"/>
+          </p:nvPr>
+        </p:nvSpPr>
+        <p:spPr/>
+        <p:txBody>
+          <a:bodyPr/>
+          <a:lstStyle/>
+          <a:p>
             <a:endParaRPr lang="zh-CN" altLang="en-US"/>
           </a:p>
         </p:txBody>
       </p:sp>
       <p:sp>
         <p:nvSpPr>
-          <p:cNvPr id="17" name="页脚占位符 16"/>
-          <p:cNvSpPr>
-            <a:spLocks noGrp="1"/>
-          </p:cNvSpPr>
-          <p:nvPr>
-            <p:ph type="ftr" sz="quarter" idx="11"/>
-          </p:nvPr>
-        </p:nvSpPr>
-        <p:spPr/>
-        <p:txBody>
-          <a:bodyPr/>
-          <a:lstStyle/>
-          <a:p>
-            <a:endParaRPr lang="zh-CN" altLang="en-US" dirty="0"/>
-          </a:p>
-        </p:txBody>
-      </p:sp>
-      <p:sp>
-        <p:nvSpPr>
-          <p:cNvPr id="18" name="灯片编号占位符 17"/>
+          <p:cNvPr id="4" name="灯片编号占位符 3"/>
           <p:cNvSpPr>
             <a:spLocks noGrp="1"/>
           </p:cNvSpPr>
@@ -728,7 +625,1070 @@
               <a:rPr lang="zh-CN" altLang="en-US" smtClean="0"/>
               <a:t>‹#›</a:t>
             </a:fld>
-            <a:endParaRPr lang="zh-CN" altLang="en-US" dirty="0"/>
+            <a:endParaRPr lang="zh-CN" altLang="en-US"/>
+          </a:p>
+        </p:txBody>
+      </p:sp>
+      <p:sp>
+        <p:nvSpPr>
+          <p:cNvPr id="5" name="圆角矩形 4">
+            <a:extLst>
+              <a:ext uri="{FF2B5EF4-FFF2-40B4-BE49-F238E27FC236}">
+                <a16:creationId xmlns:a16="http://schemas.microsoft.com/office/drawing/2014/main" id="{D0599DE6-A3F3-A787-5773-1BC31067FDE1}"/>
+              </a:ext>
+            </a:extLst>
+          </p:cNvPr>
+          <p:cNvSpPr/>
+          <p:nvPr userDrawn="1"/>
+        </p:nvSpPr>
+        <p:spPr bwMode="auto">
+          <a:xfrm>
+            <a:off x="563245" y="2821940"/>
+            <a:ext cx="3771900" cy="3888105"/>
+          </a:xfrm>
+          <a:prstGeom prst="roundRect">
+            <a:avLst>
+              <a:gd name="adj" fmla="val 3492"/>
+            </a:avLst>
+          </a:prstGeom>
+          <a:noFill/>
+          <a:ln>
+            <a:solidFill>
+              <a:srgbClr val="C00000"/>
+            </a:solidFill>
+          </a:ln>
+        </p:spPr>
+        <p:style>
+          <a:lnRef idx="2">
+            <a:schemeClr val="accent1">
+              <a:shade val="50000"/>
+            </a:schemeClr>
+          </a:lnRef>
+          <a:fillRef idx="1">
+            <a:schemeClr val="accent1"/>
+          </a:fillRef>
+          <a:effectRef idx="0">
+            <a:schemeClr val="accent1"/>
+          </a:effectRef>
+          <a:fontRef idx="minor">
+            <a:schemeClr val="lt1"/>
+          </a:fontRef>
+        </p:style>
+        <p:txBody>
+          <a:bodyPr rtlCol="0" anchor="ctr"/>
+          <a:lstStyle/>
+          <a:p>
+            <a:pPr algn="ctr"/>
+            <a:endParaRPr lang="zh-CN" altLang="en-US">
+              <a:latin typeface="JingDongLangZhengTi Semilight" panose="02000500000000000000" pitchFamily="2" charset="-122"/>
+              <a:ea typeface="JingDongLangZhengTi Semilight" panose="02000500000000000000" pitchFamily="2" charset="-122"/>
+            </a:endParaRPr>
+          </a:p>
+        </p:txBody>
+      </p:sp>
+      <p:sp>
+        <p:nvSpPr>
+          <p:cNvPr id="6" name="圆角矩形 5">
+            <a:extLst>
+              <a:ext uri="{FF2B5EF4-FFF2-40B4-BE49-F238E27FC236}">
+                <a16:creationId xmlns:a16="http://schemas.microsoft.com/office/drawing/2014/main" id="{8334D6E2-7FFE-56FA-1EF5-23F629A8119E}"/>
+              </a:ext>
+            </a:extLst>
+          </p:cNvPr>
+          <p:cNvSpPr/>
+          <p:nvPr userDrawn="1"/>
+        </p:nvSpPr>
+        <p:spPr bwMode="auto">
+          <a:xfrm>
+            <a:off x="163830" y="2796540"/>
+            <a:ext cx="348615" cy="3913505"/>
+          </a:xfrm>
+          <a:prstGeom prst="roundRect">
+            <a:avLst>
+              <a:gd name="adj" fmla="val 16667"/>
+            </a:avLst>
+          </a:prstGeom>
+          <a:solidFill>
+            <a:srgbClr val="C00000"/>
+          </a:solidFill>
+          <a:ln>
+            <a:noFill/>
+          </a:ln>
+        </p:spPr>
+        <p:style>
+          <a:lnRef idx="2">
+            <a:schemeClr val="accent1">
+              <a:shade val="50000"/>
+            </a:schemeClr>
+          </a:lnRef>
+          <a:fillRef idx="1">
+            <a:schemeClr val="accent1"/>
+          </a:fillRef>
+          <a:effectRef idx="0">
+            <a:schemeClr val="accent1"/>
+          </a:effectRef>
+          <a:fontRef idx="minor">
+            <a:schemeClr val="lt1"/>
+          </a:fontRef>
+        </p:style>
+        <p:txBody>
+          <a:bodyPr rtlCol="0" anchor="ctr"/>
+          <a:lstStyle/>
+          <a:p>
+            <a:pPr algn="ctr"/>
+            <a:r>
+              <a:rPr lang="zh-CN" dirty="0">
+                <a:latin typeface="JingDongLangZhengTi Semilight" panose="02000500000000000000" pitchFamily="2" charset="-122"/>
+                <a:ea typeface="JingDongLangZhengTi Semilight" panose="02000500000000000000" pitchFamily="2" charset="-122"/>
+              </a:rPr>
+              <a:t>核心卖点</a:t>
+            </a:r>
+          </a:p>
+        </p:txBody>
+      </p:sp>
+      <p:sp>
+        <p:nvSpPr>
+          <p:cNvPr id="7" name="圆角矩形 2">
+            <a:extLst>
+              <a:ext uri="{FF2B5EF4-FFF2-40B4-BE49-F238E27FC236}">
+                <a16:creationId xmlns:a16="http://schemas.microsoft.com/office/drawing/2014/main" id="{ED5BCA4D-A8D6-C406-F6E9-836F16DD1678}"/>
+              </a:ext>
+            </a:extLst>
+          </p:cNvPr>
+          <p:cNvSpPr/>
+          <p:nvPr userDrawn="1"/>
+        </p:nvSpPr>
+        <p:spPr bwMode="auto">
+          <a:xfrm>
+            <a:off x="202563" y="115888"/>
+            <a:ext cx="5890302" cy="2462212"/>
+          </a:xfrm>
+          <a:prstGeom prst="roundRect">
+            <a:avLst>
+              <a:gd name="adj" fmla="val 3492"/>
+            </a:avLst>
+          </a:prstGeom>
+          <a:noFill/>
+          <a:ln w="12700" cap="flat" cmpd="sng" algn="ctr">
+            <a:solidFill>
+              <a:srgbClr val="C00000"/>
+            </a:solidFill>
+            <a:prstDash val="solid"/>
+            <a:miter lim="800000"/>
+          </a:ln>
+        </p:spPr>
+        <p:style>
+          <a:lnRef idx="2">
+            <a:schemeClr val="accent1">
+              <a:shade val="50000"/>
+            </a:schemeClr>
+          </a:lnRef>
+          <a:fillRef idx="1">
+            <a:schemeClr val="accent1"/>
+          </a:fillRef>
+          <a:effectRef idx="0">
+            <a:schemeClr val="accent1"/>
+          </a:effectRef>
+          <a:fontRef idx="minor">
+            <a:schemeClr val="lt1"/>
+          </a:fontRef>
+        </p:style>
+        <p:txBody>
+          <a:bodyPr rtlCol="0" anchor="ctr"/>
+          <a:lstStyle/>
+          <a:p>
+            <a:pPr marL="0" marR="0" indent="0" algn="ctr" defTabSz="914400" rtl="0">
+              <a:lnSpc>
+                <a:spcPct val="100000"/>
+              </a:lnSpc>
+              <a:spcBef>
+                <a:spcPts val="0"/>
+              </a:spcBef>
+              <a:spcAft>
+                <a:spcPts val="0"/>
+              </a:spcAft>
+              <a:defRPr lang="zh-CN" sz="1800" b="0" i="0" u="none" strike="noStrike" cap="none" spc="0">
+                <a:solidFill>
+                  <a:srgbClr val="FFFFFF"/>
+                </a:solidFill>
+                <a:latin typeface="Arial" panose="020B0604020202020204"/>
+                <a:ea typeface="微软雅黑" panose="020B0503020204020204" charset="-122"/>
+                <a:cs typeface="Arial" panose="020B0604020202020204"/>
+              </a:defRPr>
+            </a:pPr>
+            <a:endParaRPr lang="zh-CN">
+              <a:latin typeface="JingDongLangZhengTi Semilight" panose="02000500000000000000" pitchFamily="2" charset="-122"/>
+              <a:ea typeface="JingDongLangZhengTi Semilight" panose="02000500000000000000" pitchFamily="2" charset="-122"/>
+            </a:endParaRPr>
+          </a:p>
+        </p:txBody>
+      </p:sp>
+      <p:sp>
+        <p:nvSpPr>
+          <p:cNvPr id="8" name="圆角矩形 1">
+            <a:extLst>
+              <a:ext uri="{FF2B5EF4-FFF2-40B4-BE49-F238E27FC236}">
+                <a16:creationId xmlns:a16="http://schemas.microsoft.com/office/drawing/2014/main" id="{C5DFE945-951E-03CC-621B-29D7E9E609C5}"/>
+              </a:ext>
+            </a:extLst>
+          </p:cNvPr>
+          <p:cNvSpPr/>
+          <p:nvPr userDrawn="1"/>
+        </p:nvSpPr>
+        <p:spPr bwMode="auto">
+          <a:xfrm>
+            <a:off x="169544" y="111758"/>
+            <a:ext cx="348615" cy="2456817"/>
+          </a:xfrm>
+          <a:prstGeom prst="roundRect">
+            <a:avLst>
+              <a:gd name="adj" fmla="val 16667"/>
+            </a:avLst>
+          </a:prstGeom>
+          <a:solidFill>
+            <a:srgbClr val="C00000"/>
+          </a:solidFill>
+          <a:ln w="12700" cap="flat" cmpd="sng" algn="ctr">
+            <a:noFill/>
+            <a:prstDash val="solid"/>
+            <a:miter lim="800000"/>
+          </a:ln>
+        </p:spPr>
+        <p:style>
+          <a:lnRef idx="2">
+            <a:schemeClr val="accent1">
+              <a:shade val="50000"/>
+            </a:schemeClr>
+          </a:lnRef>
+          <a:fillRef idx="1">
+            <a:schemeClr val="accent1"/>
+          </a:fillRef>
+          <a:effectRef idx="0">
+            <a:schemeClr val="accent1"/>
+          </a:effectRef>
+          <a:fontRef idx="minor">
+            <a:schemeClr val="lt1"/>
+          </a:fontRef>
+        </p:style>
+        <p:txBody>
+          <a:bodyPr rtlCol="0" anchor="ctr"/>
+          <a:lstStyle/>
+          <a:p>
+            <a:pPr marL="0" marR="0" indent="0" algn="ctr" defTabSz="914400" rtl="0">
+              <a:lnSpc>
+                <a:spcPct val="100000"/>
+              </a:lnSpc>
+              <a:spcBef>
+                <a:spcPts val="0"/>
+              </a:spcBef>
+              <a:spcAft>
+                <a:spcPts val="0"/>
+              </a:spcAft>
+              <a:defRPr lang="zh-CN" sz="1800" b="0" i="0" u="none" strike="noStrike" cap="none" spc="0">
+                <a:solidFill>
+                  <a:srgbClr val="FFFFFF"/>
+                </a:solidFill>
+                <a:latin typeface="Arial" panose="020B0604020202020204"/>
+                <a:ea typeface="微软雅黑" panose="020B0503020204020204" charset="-122"/>
+                <a:cs typeface="Arial" panose="020B0604020202020204"/>
+              </a:defRPr>
+            </a:pPr>
+            <a:r>
+              <a:rPr lang="zh-CN" dirty="0">
+                <a:latin typeface="JingDongLangZhengTi Semilight" panose="02000500000000000000" pitchFamily="2" charset="-122"/>
+                <a:ea typeface="JingDongLangZhengTi Semilight" panose="02000500000000000000" pitchFamily="2" charset="-122"/>
+              </a:rPr>
+              <a:t>基础信息</a:t>
+            </a:r>
+          </a:p>
+        </p:txBody>
+      </p:sp>
+      <p:cxnSp>
+        <p:nvCxnSpPr>
+          <p:cNvPr id="9" name="直接连接符 8">
+            <a:extLst>
+              <a:ext uri="{FF2B5EF4-FFF2-40B4-BE49-F238E27FC236}">
+                <a16:creationId xmlns:a16="http://schemas.microsoft.com/office/drawing/2014/main" id="{AF7EA4A2-1F2B-DE35-DA66-188E2DB2568C}"/>
+              </a:ext>
+            </a:extLst>
+          </p:cNvPr>
+          <p:cNvCxnSpPr/>
+          <p:nvPr userDrawn="1"/>
+        </p:nvCxnSpPr>
+        <p:spPr bwMode="auto">
+          <a:xfrm>
+            <a:off x="2516323" y="128904"/>
+            <a:ext cx="0" cy="2436496"/>
+          </a:xfrm>
+          <a:prstGeom prst="line">
+            <a:avLst/>
+          </a:prstGeom>
+          <a:noFill/>
+          <a:ln w="6350" cap="flat" cmpd="sng" algn="ctr">
+            <a:solidFill>
+              <a:srgbClr val="C00000"/>
+            </a:solidFill>
+            <a:prstDash val="solid"/>
+            <a:miter lim="800000"/>
+          </a:ln>
+        </p:spPr>
+        <p:style>
+          <a:lnRef idx="1">
+            <a:schemeClr val="accent1"/>
+          </a:lnRef>
+          <a:fillRef idx="0">
+            <a:schemeClr val="accent1"/>
+          </a:fillRef>
+          <a:effectRef idx="0">
+            <a:schemeClr val="accent1"/>
+          </a:effectRef>
+          <a:fontRef idx="minor">
+            <a:schemeClr val="tx1"/>
+          </a:fontRef>
+        </p:style>
+      </p:cxnSp>
+      <p:sp>
+        <p:nvSpPr>
+          <p:cNvPr id="10" name="矩形 9">
+            <a:extLst>
+              <a:ext uri="{FF2B5EF4-FFF2-40B4-BE49-F238E27FC236}">
+                <a16:creationId xmlns:a16="http://schemas.microsoft.com/office/drawing/2014/main" id="{9665E7CC-5C6D-4E44-2BAE-962D0A03A26A}"/>
+              </a:ext>
+            </a:extLst>
+          </p:cNvPr>
+          <p:cNvSpPr/>
+          <p:nvPr userDrawn="1"/>
+        </p:nvSpPr>
+        <p:spPr bwMode="auto">
+          <a:xfrm>
+            <a:off x="601344" y="525144"/>
+            <a:ext cx="1815358" cy="1900509"/>
+          </a:xfrm>
+          <a:prstGeom prst="rect">
+            <a:avLst/>
+          </a:prstGeom>
+          <a:noFill/>
+          <a:ln w="12700" cap="flat" cmpd="sng" algn="ctr">
+            <a:solidFill>
+              <a:srgbClr val="C00000"/>
+            </a:solidFill>
+            <a:prstDash val="solid"/>
+            <a:miter lim="800000"/>
+          </a:ln>
+        </p:spPr>
+        <p:style>
+          <a:lnRef idx="2">
+            <a:schemeClr val="accent1">
+              <a:shade val="50000"/>
+            </a:schemeClr>
+          </a:lnRef>
+          <a:fillRef idx="1">
+            <a:schemeClr val="accent1"/>
+          </a:fillRef>
+          <a:effectRef idx="0">
+            <a:schemeClr val="accent1"/>
+          </a:effectRef>
+          <a:fontRef idx="minor">
+            <a:schemeClr val="lt1"/>
+          </a:fontRef>
+        </p:style>
+        <p:txBody>
+          <a:bodyPr rtlCol="0" anchor="ctr"/>
+          <a:lstStyle/>
+          <a:p>
+            <a:pPr marL="0" marR="0" indent="0" algn="ctr" defTabSz="914400" rtl="0">
+              <a:lnSpc>
+                <a:spcPct val="100000"/>
+              </a:lnSpc>
+              <a:spcBef>
+                <a:spcPts val="0"/>
+              </a:spcBef>
+              <a:spcAft>
+                <a:spcPts val="0"/>
+              </a:spcAft>
+              <a:defRPr lang="zh-CN" sz="1800" b="0" i="0" u="none" strike="noStrike" cap="none" spc="0">
+                <a:solidFill>
+                  <a:srgbClr val="FFFFFF"/>
+                </a:solidFill>
+                <a:latin typeface="Arial" panose="020B0604020202020204"/>
+                <a:ea typeface="微软雅黑" panose="020B0503020204020204" charset="-122"/>
+                <a:cs typeface="Arial" panose="020B0604020202020204"/>
+              </a:defRPr>
+            </a:pPr>
+            <a:endParaRPr lang="zh-CN">
+              <a:latin typeface="JingDongLangZhengTi Semilight" panose="02000500000000000000" pitchFamily="2" charset="-122"/>
+              <a:ea typeface="JingDongLangZhengTi Semilight" panose="02000500000000000000" pitchFamily="2" charset="-122"/>
+            </a:endParaRPr>
+          </a:p>
+        </p:txBody>
+      </p:sp>
+      <p:sp>
+        <p:nvSpPr>
+          <p:cNvPr id="11" name="圆角矩形 4">
+            <a:extLst>
+              <a:ext uri="{FF2B5EF4-FFF2-40B4-BE49-F238E27FC236}">
+                <a16:creationId xmlns:a16="http://schemas.microsoft.com/office/drawing/2014/main" id="{97E865A9-DD46-A534-6A2C-C3422E6EC622}"/>
+              </a:ext>
+            </a:extLst>
+          </p:cNvPr>
+          <p:cNvSpPr/>
+          <p:nvPr userDrawn="1"/>
+        </p:nvSpPr>
+        <p:spPr bwMode="auto">
+          <a:xfrm>
+            <a:off x="6304830" y="70102"/>
+            <a:ext cx="5735997" cy="2462212"/>
+          </a:xfrm>
+          <a:prstGeom prst="roundRect">
+            <a:avLst>
+              <a:gd name="adj" fmla="val 3492"/>
+            </a:avLst>
+          </a:prstGeom>
+          <a:noFill/>
+          <a:ln w="12700" cap="flat" cmpd="sng" algn="ctr">
+            <a:solidFill>
+              <a:srgbClr val="C00000"/>
+            </a:solidFill>
+            <a:prstDash val="solid"/>
+            <a:miter lim="800000"/>
+          </a:ln>
+        </p:spPr>
+        <p:style>
+          <a:lnRef idx="2">
+            <a:schemeClr val="accent1">
+              <a:shade val="50000"/>
+            </a:schemeClr>
+          </a:lnRef>
+          <a:fillRef idx="1">
+            <a:schemeClr val="accent1"/>
+          </a:fillRef>
+          <a:effectRef idx="0">
+            <a:schemeClr val="accent1"/>
+          </a:effectRef>
+          <a:fontRef idx="minor">
+            <a:schemeClr val="lt1"/>
+          </a:fontRef>
+        </p:style>
+        <p:txBody>
+          <a:bodyPr rtlCol="0" anchor="ctr"/>
+          <a:lstStyle/>
+          <a:p>
+            <a:pPr marL="0" marR="0" indent="0" algn="ctr" defTabSz="914400" rtl="0">
+              <a:lnSpc>
+                <a:spcPct val="100000"/>
+              </a:lnSpc>
+              <a:spcBef>
+                <a:spcPts val="0"/>
+              </a:spcBef>
+              <a:spcAft>
+                <a:spcPts val="0"/>
+              </a:spcAft>
+              <a:defRPr lang="zh-CN" sz="1800" b="0" i="0" u="none" strike="noStrike" cap="none" spc="0">
+                <a:solidFill>
+                  <a:srgbClr val="FFFFFF"/>
+                </a:solidFill>
+                <a:latin typeface="Arial" panose="020B0604020202020204"/>
+                <a:ea typeface="微软雅黑" panose="020B0503020204020204" charset="-122"/>
+                <a:cs typeface="Arial" panose="020B0604020202020204"/>
+              </a:defRPr>
+            </a:pPr>
+            <a:endParaRPr lang="zh-CN">
+              <a:latin typeface="JingDongLangZhengTi Semilight"/>
+              <a:ea typeface="JingDongLangZhengTi Semilight"/>
+            </a:endParaRPr>
+          </a:p>
+        </p:txBody>
+      </p:sp>
+      <p:sp>
+        <p:nvSpPr>
+          <p:cNvPr id="12" name="圆角矩形 5">
+            <a:extLst>
+              <a:ext uri="{FF2B5EF4-FFF2-40B4-BE49-F238E27FC236}">
+                <a16:creationId xmlns:a16="http://schemas.microsoft.com/office/drawing/2014/main" id="{B41F4E01-3C88-96AF-AA9F-A53C2C43E8A7}"/>
+              </a:ext>
+            </a:extLst>
+          </p:cNvPr>
+          <p:cNvSpPr/>
+          <p:nvPr userDrawn="1"/>
+        </p:nvSpPr>
+        <p:spPr bwMode="auto">
+          <a:xfrm>
+            <a:off x="6295983" y="115888"/>
+            <a:ext cx="348615" cy="2462212"/>
+          </a:xfrm>
+          <a:prstGeom prst="roundRect">
+            <a:avLst>
+              <a:gd name="adj" fmla="val 16667"/>
+            </a:avLst>
+          </a:prstGeom>
+          <a:solidFill>
+            <a:srgbClr val="C00000"/>
+          </a:solidFill>
+          <a:ln w="12700" cap="flat" cmpd="sng" algn="ctr">
+            <a:noFill/>
+            <a:prstDash val="solid"/>
+            <a:miter lim="800000"/>
+          </a:ln>
+        </p:spPr>
+        <p:style>
+          <a:lnRef idx="2">
+            <a:schemeClr val="accent1">
+              <a:shade val="50000"/>
+            </a:schemeClr>
+          </a:lnRef>
+          <a:fillRef idx="1">
+            <a:schemeClr val="accent1"/>
+          </a:fillRef>
+          <a:effectRef idx="0">
+            <a:schemeClr val="accent1"/>
+          </a:effectRef>
+          <a:fontRef idx="minor">
+            <a:schemeClr val="lt1"/>
+          </a:fontRef>
+        </p:style>
+        <p:txBody>
+          <a:bodyPr rtlCol="0" anchor="ctr"/>
+          <a:lstStyle/>
+          <a:p>
+            <a:pPr marL="0" marR="0" indent="0" algn="ctr" defTabSz="914400" rtl="0">
+              <a:lnSpc>
+                <a:spcPct val="100000"/>
+              </a:lnSpc>
+              <a:spcBef>
+                <a:spcPts val="0"/>
+              </a:spcBef>
+              <a:spcAft>
+                <a:spcPts val="0"/>
+              </a:spcAft>
+              <a:defRPr lang="zh-CN" sz="1800" b="0" i="0" u="none" strike="noStrike" cap="none" spc="0">
+                <a:solidFill>
+                  <a:srgbClr val="FFFFFF"/>
+                </a:solidFill>
+                <a:latin typeface="Arial" panose="020B0604020202020204"/>
+                <a:ea typeface="微软雅黑" panose="020B0503020204020204" charset="-122"/>
+                <a:cs typeface="Arial" panose="020B0604020202020204"/>
+              </a:defRPr>
+            </a:pPr>
+            <a:r>
+              <a:rPr lang="zh-CN">
+                <a:latin typeface="JingDongLangZhengTi Semilight"/>
+                <a:ea typeface="JingDongLangZhengTi Semilight"/>
+              </a:rPr>
+              <a:t>到手价</a:t>
+            </a:r>
+          </a:p>
+        </p:txBody>
+      </p:sp>
+      <p:sp>
+        <p:nvSpPr>
+          <p:cNvPr id="13" name="圆角矩形 5">
+            <a:extLst>
+              <a:ext uri="{FF2B5EF4-FFF2-40B4-BE49-F238E27FC236}">
+                <a16:creationId xmlns:a16="http://schemas.microsoft.com/office/drawing/2014/main" id="{BE330FA9-21EE-E7C4-FE75-AACE36224D7E}"/>
+              </a:ext>
+            </a:extLst>
+          </p:cNvPr>
+          <p:cNvSpPr/>
+          <p:nvPr userDrawn="1"/>
+        </p:nvSpPr>
+        <p:spPr bwMode="auto">
+          <a:xfrm>
+            <a:off x="8246702" y="2823434"/>
+            <a:ext cx="1194987" cy="293595"/>
+          </a:xfrm>
+          <a:prstGeom prst="roundRect">
+            <a:avLst>
+              <a:gd name="adj" fmla="val 16667"/>
+            </a:avLst>
+          </a:prstGeom>
+          <a:solidFill>
+            <a:srgbClr val="C00000"/>
+          </a:solidFill>
+          <a:ln w="12700" cap="flat" cmpd="sng" algn="ctr">
+            <a:noFill/>
+            <a:prstDash val="solid"/>
+            <a:miter lim="800000"/>
+          </a:ln>
+        </p:spPr>
+        <p:style>
+          <a:lnRef idx="2">
+            <a:schemeClr val="accent1">
+              <a:shade val="50000"/>
+            </a:schemeClr>
+          </a:lnRef>
+          <a:fillRef idx="1">
+            <a:schemeClr val="accent1"/>
+          </a:fillRef>
+          <a:effectRef idx="0">
+            <a:schemeClr val="accent1"/>
+          </a:effectRef>
+          <a:fontRef idx="minor">
+            <a:schemeClr val="lt1"/>
+          </a:fontRef>
+        </p:style>
+        <p:txBody>
+          <a:bodyPr rtlCol="0" anchor="ctr"/>
+          <a:lstStyle/>
+          <a:p>
+            <a:pPr marL="0" marR="0" indent="0" algn="ctr" defTabSz="914400" rtl="0">
+              <a:lnSpc>
+                <a:spcPct val="100000"/>
+              </a:lnSpc>
+              <a:spcBef>
+                <a:spcPts val="0"/>
+              </a:spcBef>
+              <a:spcAft>
+                <a:spcPts val="0"/>
+              </a:spcAft>
+              <a:defRPr lang="zh-CN" sz="1800" b="0" i="0" u="none" strike="noStrike" cap="none" spc="0">
+                <a:solidFill>
+                  <a:srgbClr val="FFFFFF"/>
+                </a:solidFill>
+                <a:latin typeface="Arial" panose="020B0604020202020204"/>
+                <a:ea typeface="微软雅黑" panose="020B0503020204020204" charset="-122"/>
+                <a:cs typeface="Arial" panose="020B0604020202020204"/>
+              </a:defRPr>
+            </a:pPr>
+            <a:r>
+              <a:rPr lang="zh-CN" altLang="en-US" sz="1600" dirty="0">
+                <a:latin typeface="JingDongLangZhengTi Semilight" panose="02000500000000000000" pitchFamily="2" charset="-122"/>
+                <a:ea typeface="JingDongLangZhengTi Semilight" panose="02000500000000000000" pitchFamily="2" charset="-122"/>
+              </a:rPr>
+              <a:t>服务卖点</a:t>
+            </a:r>
+            <a:endParaRPr lang="zh-CN" sz="1600" dirty="0">
+              <a:latin typeface="JingDongLangZhengTi Semilight" panose="02000500000000000000" pitchFamily="2" charset="-122"/>
+              <a:ea typeface="JingDongLangZhengTi Semilight" panose="02000500000000000000" pitchFamily="2" charset="-122"/>
+            </a:endParaRPr>
+          </a:p>
+        </p:txBody>
+      </p:sp>
+      <p:sp>
+        <p:nvSpPr>
+          <p:cNvPr id="14" name="圆角矩形 22">
+            <a:extLst>
+              <a:ext uri="{FF2B5EF4-FFF2-40B4-BE49-F238E27FC236}">
+                <a16:creationId xmlns:a16="http://schemas.microsoft.com/office/drawing/2014/main" id="{8781918C-9BA4-5D71-7558-6858E106033A}"/>
+              </a:ext>
+            </a:extLst>
+          </p:cNvPr>
+          <p:cNvSpPr/>
+          <p:nvPr userDrawn="1"/>
+        </p:nvSpPr>
+        <p:spPr bwMode="auto">
+          <a:xfrm>
+            <a:off x="4411345" y="2834640"/>
+            <a:ext cx="3759200" cy="3875405"/>
+          </a:xfrm>
+          <a:prstGeom prst="roundRect">
+            <a:avLst>
+              <a:gd name="adj" fmla="val 3492"/>
+            </a:avLst>
+          </a:prstGeom>
+          <a:noFill/>
+          <a:ln>
+            <a:solidFill>
+              <a:srgbClr val="C00000"/>
+            </a:solidFill>
+          </a:ln>
+        </p:spPr>
+        <p:style>
+          <a:lnRef idx="2">
+            <a:schemeClr val="accent1">
+              <a:shade val="50000"/>
+            </a:schemeClr>
+          </a:lnRef>
+          <a:fillRef idx="1">
+            <a:schemeClr val="accent1"/>
+          </a:fillRef>
+          <a:effectRef idx="0">
+            <a:schemeClr val="accent1"/>
+          </a:effectRef>
+          <a:fontRef idx="minor">
+            <a:schemeClr val="lt1"/>
+          </a:fontRef>
+        </p:style>
+        <p:txBody>
+          <a:bodyPr rtlCol="0" anchor="ctr"/>
+          <a:lstStyle/>
+          <a:p>
+            <a:pPr algn="ctr"/>
+            <a:endParaRPr lang="zh-CN" altLang="en-US">
+              <a:latin typeface="JingDongLangZhengTi Semilight" panose="02000500000000000000" pitchFamily="2" charset="-122"/>
+              <a:ea typeface="JingDongLangZhengTi Semilight" panose="02000500000000000000" pitchFamily="2" charset="-122"/>
+            </a:endParaRPr>
+          </a:p>
+        </p:txBody>
+      </p:sp>
+      <p:sp>
+        <p:nvSpPr>
+          <p:cNvPr id="15" name="圆角矩形 23">
+            <a:extLst>
+              <a:ext uri="{FF2B5EF4-FFF2-40B4-BE49-F238E27FC236}">
+                <a16:creationId xmlns:a16="http://schemas.microsoft.com/office/drawing/2014/main" id="{E77F4CB9-198D-6EB8-AA69-88AAB22B2143}"/>
+              </a:ext>
+            </a:extLst>
+          </p:cNvPr>
+          <p:cNvSpPr/>
+          <p:nvPr userDrawn="1"/>
+        </p:nvSpPr>
+        <p:spPr bwMode="auto">
+          <a:xfrm>
+            <a:off x="8246702" y="2820713"/>
+            <a:ext cx="3794125" cy="3889332"/>
+          </a:xfrm>
+          <a:prstGeom prst="roundRect">
+            <a:avLst>
+              <a:gd name="adj" fmla="val 3492"/>
+            </a:avLst>
+          </a:prstGeom>
+          <a:noFill/>
+          <a:ln>
+            <a:solidFill>
+              <a:srgbClr val="C00000"/>
+            </a:solidFill>
+          </a:ln>
+        </p:spPr>
+        <p:style>
+          <a:lnRef idx="2">
+            <a:schemeClr val="accent1">
+              <a:shade val="50000"/>
+            </a:schemeClr>
+          </a:lnRef>
+          <a:fillRef idx="1">
+            <a:schemeClr val="accent1"/>
+          </a:fillRef>
+          <a:effectRef idx="0">
+            <a:schemeClr val="accent1"/>
+          </a:effectRef>
+          <a:fontRef idx="minor">
+            <a:schemeClr val="lt1"/>
+          </a:fontRef>
+        </p:style>
+        <p:txBody>
+          <a:bodyPr rtlCol="0" anchor="ctr"/>
+          <a:lstStyle/>
+          <a:p>
+            <a:pPr algn="ctr"/>
+            <a:endParaRPr lang="zh-CN">
+              <a:latin typeface="JingDongLangZhengTi Semilight"/>
+              <a:ea typeface="JingDongLangZhengTi Semilight"/>
+            </a:endParaRPr>
+          </a:p>
+        </p:txBody>
+      </p:sp>
+      <p:pic>
+        <p:nvPicPr>
+          <p:cNvPr id="19" name="图片 18">
+            <a:extLst>
+              <a:ext uri="{FF2B5EF4-FFF2-40B4-BE49-F238E27FC236}">
+                <a16:creationId xmlns:a16="http://schemas.microsoft.com/office/drawing/2014/main" id="{EE501497-550E-EB5C-2493-1C200C76D179}"/>
+              </a:ext>
+            </a:extLst>
+          </p:cNvPr>
+          <p:cNvPicPr>
+            <a:picLocks noChangeAspect="1"/>
+          </p:cNvPicPr>
+          <p:nvPr userDrawn="1"/>
+        </p:nvPicPr>
+        <p:blipFill>
+          <a:blip r:embed="rId2"/>
+          <a:stretch>
+            <a:fillRect/>
+          </a:stretch>
+        </p:blipFill>
+        <p:spPr>
+          <a:xfrm>
+            <a:off x="2376336" y="186310"/>
+            <a:ext cx="3450635" cy="518205"/>
+          </a:xfrm>
+          <a:prstGeom prst="rect">
+            <a:avLst/>
+          </a:prstGeom>
+        </p:spPr>
+      </p:pic>
+      <p:pic>
+        <p:nvPicPr>
+          <p:cNvPr id="20" name="图片 19">
+            <a:extLst>
+              <a:ext uri="{FF2B5EF4-FFF2-40B4-BE49-F238E27FC236}">
+                <a16:creationId xmlns:a16="http://schemas.microsoft.com/office/drawing/2014/main" id="{9D2587C7-DB21-7CD0-8318-4DAAD24007BE}"/>
+              </a:ext>
+            </a:extLst>
+          </p:cNvPr>
+          <p:cNvPicPr>
+            <a:picLocks noChangeAspect="1"/>
+          </p:cNvPicPr>
+          <p:nvPr userDrawn="1"/>
+        </p:nvPicPr>
+        <p:blipFill>
+          <a:blip r:embed="rId3"/>
+          <a:stretch>
+            <a:fillRect/>
+          </a:stretch>
+        </p:blipFill>
+        <p:spPr>
+          <a:xfrm>
+            <a:off x="6518336" y="140546"/>
+            <a:ext cx="3456732" cy="518205"/>
+          </a:xfrm>
+          <a:prstGeom prst="rect">
+            <a:avLst/>
+          </a:prstGeom>
+        </p:spPr>
+      </p:pic>
+      <p:pic>
+        <p:nvPicPr>
+          <p:cNvPr id="21" name="图片 20">
+            <a:extLst>
+              <a:ext uri="{FF2B5EF4-FFF2-40B4-BE49-F238E27FC236}">
+                <a16:creationId xmlns:a16="http://schemas.microsoft.com/office/drawing/2014/main" id="{D6EAA462-DEF9-0A36-998F-B4C1C893D87C}"/>
+              </a:ext>
+            </a:extLst>
+          </p:cNvPr>
+          <p:cNvPicPr>
+            <a:picLocks noChangeAspect="1"/>
+          </p:cNvPicPr>
+          <p:nvPr userDrawn="1"/>
+        </p:nvPicPr>
+        <p:blipFill>
+          <a:blip r:embed="rId4"/>
+          <a:stretch>
+            <a:fillRect/>
+          </a:stretch>
+        </p:blipFill>
+        <p:spPr>
+          <a:xfrm>
+            <a:off x="508350" y="2546455"/>
+            <a:ext cx="3682303" cy="493819"/>
+          </a:xfrm>
+          <a:prstGeom prst="rect">
+            <a:avLst/>
+          </a:prstGeom>
+        </p:spPr>
+      </p:pic>
+      <p:pic>
+        <p:nvPicPr>
+          <p:cNvPr id="22" name="图片 21">
+            <a:extLst>
+              <a:ext uri="{FF2B5EF4-FFF2-40B4-BE49-F238E27FC236}">
+                <a16:creationId xmlns:a16="http://schemas.microsoft.com/office/drawing/2014/main" id="{DD1AF70B-7FF3-3901-19D5-37EDCF5B66E3}"/>
+              </a:ext>
+            </a:extLst>
+          </p:cNvPr>
+          <p:cNvPicPr>
+            <a:picLocks noChangeAspect="1"/>
+          </p:cNvPicPr>
+          <p:nvPr userDrawn="1"/>
+        </p:nvPicPr>
+        <p:blipFill>
+          <a:blip r:embed="rId5"/>
+          <a:stretch>
+            <a:fillRect/>
+          </a:stretch>
+        </p:blipFill>
+        <p:spPr>
+          <a:xfrm>
+            <a:off x="457510" y="4727742"/>
+            <a:ext cx="3664014" cy="493819"/>
+          </a:xfrm>
+          <a:prstGeom prst="rect">
+            <a:avLst/>
+          </a:prstGeom>
+        </p:spPr>
+      </p:pic>
+      <p:pic>
+        <p:nvPicPr>
+          <p:cNvPr id="23" name="图片 22">
+            <a:extLst>
+              <a:ext uri="{FF2B5EF4-FFF2-40B4-BE49-F238E27FC236}">
+                <a16:creationId xmlns:a16="http://schemas.microsoft.com/office/drawing/2014/main" id="{1AC90469-B092-C1E8-054E-C91408A12557}"/>
+              </a:ext>
+            </a:extLst>
+          </p:cNvPr>
+          <p:cNvPicPr>
+            <a:picLocks noChangeAspect="1"/>
+          </p:cNvPicPr>
+          <p:nvPr userDrawn="1"/>
+        </p:nvPicPr>
+        <p:blipFill>
+          <a:blip r:embed="rId6"/>
+          <a:stretch>
+            <a:fillRect/>
+          </a:stretch>
+        </p:blipFill>
+        <p:spPr>
+          <a:xfrm>
+            <a:off x="4279148" y="2425653"/>
+            <a:ext cx="3627434" cy="821882"/>
+          </a:xfrm>
+          <a:prstGeom prst="rect">
+            <a:avLst/>
+          </a:prstGeom>
+        </p:spPr>
+      </p:pic>
+      <p:pic>
+        <p:nvPicPr>
+          <p:cNvPr id="24" name="图片 23">
+            <a:extLst>
+              <a:ext uri="{FF2B5EF4-FFF2-40B4-BE49-F238E27FC236}">
+                <a16:creationId xmlns:a16="http://schemas.microsoft.com/office/drawing/2014/main" id="{FBBB7B4A-F9A5-2DED-0DE0-A9FA7FA3E8F5}"/>
+              </a:ext>
+            </a:extLst>
+          </p:cNvPr>
+          <p:cNvPicPr>
+            <a:picLocks noChangeAspect="1"/>
+          </p:cNvPicPr>
+          <p:nvPr userDrawn="1"/>
+        </p:nvPicPr>
+        <p:blipFill>
+          <a:blip r:embed="rId7"/>
+          <a:stretch>
+            <a:fillRect/>
+          </a:stretch>
+        </p:blipFill>
+        <p:spPr>
+          <a:xfrm>
+            <a:off x="4304495" y="4612120"/>
+            <a:ext cx="3633531" cy="573074"/>
+          </a:xfrm>
+          <a:prstGeom prst="rect">
+            <a:avLst/>
+          </a:prstGeom>
+        </p:spPr>
+      </p:pic>
+      <p:sp>
+        <p:nvSpPr>
+          <p:cNvPr id="25" name="文本框 24">
+            <a:extLst>
+              <a:ext uri="{FF2B5EF4-FFF2-40B4-BE49-F238E27FC236}">
+                <a16:creationId xmlns:a16="http://schemas.microsoft.com/office/drawing/2014/main" id="{9C2027B5-7CF5-7FD8-202F-B5110521886A}"/>
+              </a:ext>
+            </a:extLst>
+          </p:cNvPr>
+          <p:cNvSpPr txBox="1"/>
+          <p:nvPr userDrawn="1"/>
+        </p:nvSpPr>
+        <p:spPr>
+          <a:xfrm>
+            <a:off x="6713843" y="1143963"/>
+            <a:ext cx="3327084" cy="369332"/>
+          </a:xfrm>
+          <a:prstGeom prst="rect">
+            <a:avLst/>
+          </a:prstGeom>
+          <a:noFill/>
+        </p:spPr>
+        <p:txBody>
+          <a:bodyPr wrap="square" rtlCol="0">
+            <a:spAutoFit/>
+          </a:bodyPr>
+          <a:lstStyle/>
+          <a:p>
+            <a:r>
+              <a:rPr lang="en-US" altLang="zh-CN" dirty="0"/>
+              <a:t>【</a:t>
+            </a:r>
+            <a:r>
+              <a:rPr lang="zh-CN" altLang="en-US" dirty="0"/>
+              <a:t>是否包邮</a:t>
+            </a:r>
+            <a:r>
+              <a:rPr lang="en-US" altLang="zh-CN" dirty="0"/>
+              <a:t>】</a:t>
+            </a:r>
+            <a:r>
+              <a:rPr lang="zh-CN" altLang="en-US" dirty="0"/>
+              <a:t>是</a:t>
+            </a:r>
+          </a:p>
+        </p:txBody>
+      </p:sp>
+      <p:sp>
+        <p:nvSpPr>
+          <p:cNvPr id="26" name="price_live">
+            <a:extLst>
+              <a:ext uri="{FF2B5EF4-FFF2-40B4-BE49-F238E27FC236}">
+                <a16:creationId xmlns:a16="http://schemas.microsoft.com/office/drawing/2014/main" id="{A285013D-456F-649E-AB4C-B9C63BF0BB41}"/>
+              </a:ext>
+            </a:extLst>
+          </p:cNvPr>
+          <p:cNvSpPr/>
+          <p:nvPr userDrawn="1"/>
+        </p:nvSpPr>
+        <p:spPr bwMode="auto">
+          <a:xfrm>
+            <a:off x="6710002" y="1493022"/>
+            <a:ext cx="5460999" cy="446982"/>
+          </a:xfrm>
+          <a:prstGeom prst="rect">
+            <a:avLst/>
+          </a:prstGeom>
+          <a:noFill/>
+        </p:spPr>
+        <p:txBody>
+          <a:bodyPr wrap="square" rtlCol="0" anchor="t">
+            <a:spAutoFit/>
+          </a:bodyPr>
+          <a:lstStyle/>
+          <a:p>
+            <a:pPr>
+              <a:lnSpc>
+                <a:spcPct val="150000"/>
+              </a:lnSpc>
+              <a:defRPr lang="zh-CN" sz="1800" b="0" i="0" u="none" strike="noStrike" cap="none" spc="0">
+                <a:solidFill>
+                  <a:srgbClr val="000000"/>
+                </a:solidFill>
+                <a:latin typeface="Arial" panose="020B0604020202020204"/>
+                <a:ea typeface="微软雅黑" panose="020B0503020204020204" charset="-122"/>
+                <a:cs typeface="Arial" panose="020B0604020202020204"/>
+              </a:defRPr>
+            </a:pPr>
+            <a:r>
+              <a:rPr lang="zh-CN" u="none" strike="noStrike" cap="none" spc="0" dirty="0">
+                <a:solidFill>
+                  <a:srgbClr val="000000"/>
+                </a:solidFill>
+                <a:latin typeface="JingDongLangZhengTi Semilight"/>
+                <a:ea typeface="JingDongLangZhengTi Semilight"/>
+                <a:cs typeface="Arial" panose="020B0604020202020204"/>
+              </a:rPr>
+              <a:t>【</a:t>
+            </a:r>
+            <a:r>
+              <a:rPr lang="zh-CN" altLang="en-US" dirty="0">
+                <a:solidFill>
+                  <a:srgbClr val="000000"/>
+                </a:solidFill>
+                <a:latin typeface="JingDongLangZhengTi Semilight"/>
+                <a:ea typeface="JingDongLangZhengTi Semilight"/>
+                <a:cs typeface="Arial" panose="020B0604020202020204"/>
+              </a:rPr>
+              <a:t>直播价</a:t>
+            </a:r>
+            <a:r>
+              <a:rPr lang="zh-CN" u="none" strike="noStrike" cap="none" spc="0" dirty="0">
+                <a:solidFill>
+                  <a:srgbClr val="000000"/>
+                </a:solidFill>
+                <a:latin typeface="JingDongLangZhengTi Semilight"/>
+                <a:ea typeface="JingDongLangZhengTi Semilight"/>
+                <a:cs typeface="Arial" panose="020B0604020202020204"/>
+              </a:rPr>
+              <a:t>】</a:t>
+            </a:r>
+            <a:endParaRPr lang="en-US" altLang="zh-CN" b="1" u="none" strike="noStrike" cap="none" spc="0" dirty="0">
+              <a:solidFill>
+                <a:srgbClr val="000000"/>
+              </a:solidFill>
+              <a:highlight>
+                <a:srgbClr val="FFFF00"/>
+              </a:highlight>
+              <a:latin typeface="JingDongLangZhengTi Semilight"/>
+              <a:ea typeface="JingDongLangZhengTi Semilight"/>
+              <a:cs typeface="Arial" panose="020B0604020202020204"/>
+            </a:endParaRPr>
           </a:p>
         </p:txBody>
       </p:sp>
@@ -1048,7 +2008,227 @@
 </p:sldLayout>
 </file>
 
-<file path=ppt/slideLayouts/slideLayout2.xml><?xml version="1.0" encoding="utf-8"?>
+<file path=ppt/slideLayouts/slideLayout12.xml><?xml version="1.0" encoding="utf-8"?>
+<p:sldLayout xmlns:a="http://schemas.openxmlformats.org/drawingml/2006/main" xmlns:r="http://schemas.openxmlformats.org/officeDocument/2006/relationships" xmlns:p="http://schemas.openxmlformats.org/presentationml/2006/main" type="title" preserve="1">
+  <p:cSld name="标题幻灯片">
+    <p:spTree>
+      <p:nvGrpSpPr>
+        <p:cNvPr id="1" name=""/>
+        <p:cNvGrpSpPr/>
+        <p:nvPr/>
+      </p:nvGrpSpPr>
+      <p:grpSpPr>
+        <a:xfrm>
+          <a:off x="0" y="0"/>
+          <a:ext cx="0" cy="0"/>
+          <a:chOff x="0" y="0"/>
+          <a:chExt cx="0" cy="0"/>
+        </a:xfrm>
+      </p:grpSpPr>
+      <p:sp>
+        <p:nvSpPr>
+          <p:cNvPr id="2" name="标题 1">
+            <a:extLst>
+              <a:ext uri="{FF2B5EF4-FFF2-40B4-BE49-F238E27FC236}">
+                <a16:creationId xmlns:a16="http://schemas.microsoft.com/office/drawing/2014/main" id="{5C29224E-84C7-77E0-C883-F7B93D46AC64}"/>
+              </a:ext>
+            </a:extLst>
+          </p:cNvPr>
+          <p:cNvSpPr>
+            <a:spLocks noGrp="1"/>
+          </p:cNvSpPr>
+          <p:nvPr>
+            <p:ph type="ctrTitle"/>
+          </p:nvPr>
+        </p:nvSpPr>
+        <p:spPr>
+          <a:xfrm>
+            <a:off x="1524000" y="1122363"/>
+            <a:ext cx="9144000" cy="2387600"/>
+          </a:xfrm>
+        </p:spPr>
+        <p:txBody>
+          <a:bodyPr anchor="b"/>
+          <a:lstStyle>
+            <a:lvl1pPr algn="ctr">
+              <a:defRPr sz="6000"/>
+            </a:lvl1pPr>
+          </a:lstStyle>
+          <a:p>
+            <a:r>
+              <a:rPr lang="zh-CN" altLang="en-US"/>
+              <a:t>单击此处编辑母版标题样式</a:t>
+            </a:r>
+          </a:p>
+        </p:txBody>
+      </p:sp>
+      <p:sp>
+        <p:nvSpPr>
+          <p:cNvPr id="3" name="副标题 2">
+            <a:extLst>
+              <a:ext uri="{FF2B5EF4-FFF2-40B4-BE49-F238E27FC236}">
+                <a16:creationId xmlns:a16="http://schemas.microsoft.com/office/drawing/2014/main" id="{33589896-4C9C-B24D-75A3-EAE138F222E8}"/>
+              </a:ext>
+            </a:extLst>
+          </p:cNvPr>
+          <p:cNvSpPr>
+            <a:spLocks noGrp="1"/>
+          </p:cNvSpPr>
+          <p:nvPr>
+            <p:ph type="subTitle" idx="1"/>
+          </p:nvPr>
+        </p:nvSpPr>
+        <p:spPr>
+          <a:xfrm>
+            <a:off x="1524000" y="3602038"/>
+            <a:ext cx="9144000" cy="1655762"/>
+          </a:xfrm>
+        </p:spPr>
+        <p:txBody>
+          <a:bodyPr/>
+          <a:lstStyle>
+            <a:lvl1pPr marL="0" indent="0" algn="ctr">
+              <a:buNone/>
+              <a:defRPr sz="2400"/>
+            </a:lvl1pPr>
+            <a:lvl2pPr marL="457200" indent="0" algn="ctr">
+              <a:buNone/>
+              <a:defRPr sz="2000"/>
+            </a:lvl2pPr>
+            <a:lvl3pPr marL="914400" indent="0" algn="ctr">
+              <a:buNone/>
+              <a:defRPr sz="1800"/>
+            </a:lvl3pPr>
+            <a:lvl4pPr marL="1371600" indent="0" algn="ctr">
+              <a:buNone/>
+              <a:defRPr sz="1600"/>
+            </a:lvl4pPr>
+            <a:lvl5pPr marL="1828800" indent="0" algn="ctr">
+              <a:buNone/>
+              <a:defRPr sz="1600"/>
+            </a:lvl5pPr>
+            <a:lvl6pPr marL="2286000" indent="0" algn="ctr">
+              <a:buNone/>
+              <a:defRPr sz="1600"/>
+            </a:lvl6pPr>
+            <a:lvl7pPr marL="2743200" indent="0" algn="ctr">
+              <a:buNone/>
+              <a:defRPr sz="1600"/>
+            </a:lvl7pPr>
+            <a:lvl8pPr marL="3200400" indent="0" algn="ctr">
+              <a:buNone/>
+              <a:defRPr sz="1600"/>
+            </a:lvl8pPr>
+            <a:lvl9pPr marL="3657600" indent="0" algn="ctr">
+              <a:buNone/>
+              <a:defRPr sz="1600"/>
+            </a:lvl9pPr>
+          </a:lstStyle>
+          <a:p>
+            <a:r>
+              <a:rPr lang="zh-CN" altLang="en-US"/>
+              <a:t>单击此处编辑母版副标题样式</a:t>
+            </a:r>
+          </a:p>
+        </p:txBody>
+      </p:sp>
+      <p:sp>
+        <p:nvSpPr>
+          <p:cNvPr id="4" name="日期占位符 3">
+            <a:extLst>
+              <a:ext uri="{FF2B5EF4-FFF2-40B4-BE49-F238E27FC236}">
+                <a16:creationId xmlns:a16="http://schemas.microsoft.com/office/drawing/2014/main" id="{A65AF15C-0B88-A953-7554-DA333C2CC02C}"/>
+              </a:ext>
+            </a:extLst>
+          </p:cNvPr>
+          <p:cNvSpPr>
+            <a:spLocks noGrp="1"/>
+          </p:cNvSpPr>
+          <p:nvPr>
+            <p:ph type="dt" sz="half" idx="10"/>
+          </p:nvPr>
+        </p:nvSpPr>
+        <p:spPr/>
+        <p:txBody>
+          <a:bodyPr/>
+          <a:lstStyle/>
+          <a:p>
+            <a:fld id="{B1D5188F-F67D-41D8-B379-0AD3040A58D0}" type="datetimeFigureOut">
+              <a:rPr lang="zh-CN" altLang="en-US" smtClean="0"/>
+              <a:t>2025/12/13</a:t>
+            </a:fld>
+            <a:endParaRPr lang="zh-CN" altLang="en-US"/>
+          </a:p>
+        </p:txBody>
+      </p:sp>
+      <p:sp>
+        <p:nvSpPr>
+          <p:cNvPr id="5" name="页脚占位符 4">
+            <a:extLst>
+              <a:ext uri="{FF2B5EF4-FFF2-40B4-BE49-F238E27FC236}">
+                <a16:creationId xmlns:a16="http://schemas.microsoft.com/office/drawing/2014/main" id="{0A5082CC-348A-7119-22A7-89F056694195}"/>
+              </a:ext>
+            </a:extLst>
+          </p:cNvPr>
+          <p:cNvSpPr>
+            <a:spLocks noGrp="1"/>
+          </p:cNvSpPr>
+          <p:nvPr>
+            <p:ph type="ftr" sz="quarter" idx="11"/>
+          </p:nvPr>
+        </p:nvSpPr>
+        <p:spPr/>
+        <p:txBody>
+          <a:bodyPr/>
+          <a:lstStyle/>
+          <a:p>
+            <a:endParaRPr lang="zh-CN" altLang="en-US"/>
+          </a:p>
+        </p:txBody>
+      </p:sp>
+      <p:sp>
+        <p:nvSpPr>
+          <p:cNvPr id="6" name="灯片编号占位符 5">
+            <a:extLst>
+              <a:ext uri="{FF2B5EF4-FFF2-40B4-BE49-F238E27FC236}">
+                <a16:creationId xmlns:a16="http://schemas.microsoft.com/office/drawing/2014/main" id="{12100586-B10F-058B-0A17-FCBB731B16D6}"/>
+              </a:ext>
+            </a:extLst>
+          </p:cNvPr>
+          <p:cNvSpPr>
+            <a:spLocks noGrp="1"/>
+          </p:cNvSpPr>
+          <p:nvPr>
+            <p:ph type="sldNum" sz="quarter" idx="12"/>
+          </p:nvPr>
+        </p:nvSpPr>
+        <p:spPr/>
+        <p:txBody>
+          <a:bodyPr/>
+          <a:lstStyle/>
+          <a:p>
+            <a:fld id="{1CEBDFF5-580F-46DD-91EF-5F95D7B67F18}" type="slidenum">
+              <a:rPr lang="zh-CN" altLang="en-US" smtClean="0"/>
+              <a:t>‹#›</a:t>
+            </a:fld>
+            <a:endParaRPr lang="zh-CN" altLang="en-US"/>
+          </a:p>
+        </p:txBody>
+      </p:sp>
+    </p:spTree>
+    <p:extLst>
+      <p:ext uri="{BB962C8B-B14F-4D97-AF65-F5344CB8AC3E}">
+        <p14:creationId xmlns:p14="http://schemas.microsoft.com/office/powerpoint/2010/main" val="2771929636"/>
+      </p:ext>
+    </p:extLst>
+  </p:cSld>
+  <p:clrMapOvr>
+    <a:masterClrMapping/>
+  </p:clrMapOvr>
+</p:sldLayout>
+</file>
+
+<file path=ppt/slideLayouts/slideLayout13.xml><?xml version="1.0" encoding="utf-8"?>
 <p:sldLayout xmlns:a="http://schemas.openxmlformats.org/drawingml/2006/main" xmlns:r="http://schemas.openxmlformats.org/officeDocument/2006/relationships" xmlns:p="http://schemas.openxmlformats.org/presentationml/2006/main" type="obj" preserve="1">
   <p:cSld name="标题和内容">
     <p:spTree>
@@ -1067,7 +2247,13 @@
       </p:grpSpPr>
       <p:sp>
         <p:nvSpPr>
-          <p:cNvPr id="2" name="标题 1"/>
+          <p:cNvPr id="2" name="标题 1">
+            <a:extLst>
+              <a:ext uri="{FF2B5EF4-FFF2-40B4-BE49-F238E27FC236}">
+                <a16:creationId xmlns:a16="http://schemas.microsoft.com/office/drawing/2014/main" id="{2AF93059-3B7C-321C-8693-EE9D645EE9EF}"/>
+              </a:ext>
+            </a:extLst>
+          </p:cNvPr>
           <p:cNvSpPr>
             <a:spLocks noGrp="1"/>
           </p:cNvSpPr>
@@ -1075,51 +2261,42 @@
             <p:ph type="title"/>
           </p:nvPr>
         </p:nvSpPr>
-        <p:spPr>
-          <a:xfrm>
-            <a:off x="608400" y="608400"/>
-            <a:ext cx="10969200" cy="705600"/>
-          </a:xfrm>
-        </p:spPr>
-        <p:txBody>
-          <a:bodyPr vert="horz" lIns="90000" tIns="46800" rIns="90000" bIns="46800" rtlCol="0" anchor="ctr" anchorCtr="0">
-            <a:normAutofit/>
-          </a:bodyPr>
+        <p:spPr/>
+        <p:txBody>
+          <a:bodyPr/>
+          <a:lstStyle/>
+          <a:p>
+            <a:r>
+              <a:rPr lang="zh-CN" altLang="en-US"/>
+              <a:t>单击此处编辑母版标题样式</a:t>
+            </a:r>
+          </a:p>
+        </p:txBody>
+      </p:sp>
+      <p:sp>
+        <p:nvSpPr>
+          <p:cNvPr id="3" name="内容占位符 2">
+            <a:extLst>
+              <a:ext uri="{FF2B5EF4-FFF2-40B4-BE49-F238E27FC236}">
+                <a16:creationId xmlns:a16="http://schemas.microsoft.com/office/drawing/2014/main" id="{71BBDD61-11D4-A9B8-D644-916E0A12346A}"/>
+              </a:ext>
+            </a:extLst>
+          </p:cNvPr>
+          <p:cNvSpPr>
+            <a:spLocks noGrp="1"/>
+          </p:cNvSpPr>
+          <p:nvPr>
+            <p:ph idx="1"/>
+          </p:nvPr>
+        </p:nvSpPr>
+        <p:spPr/>
+        <p:txBody>
+          <a:bodyPr/>
           <a:lstStyle/>
           <a:p>
             <a:pPr lvl="0"/>
             <a:r>
               <a:rPr lang="zh-CN" altLang="en-US"/>
-              <a:t>单击此处编辑母版标题样式</a:t>
-            </a:r>
-          </a:p>
-        </p:txBody>
-      </p:sp>
-      <p:sp>
-        <p:nvSpPr>
-          <p:cNvPr id="3" name="内容占位符 2"/>
-          <p:cNvSpPr>
-            <a:spLocks noGrp="1"/>
-          </p:cNvSpPr>
-          <p:nvPr>
-            <p:ph idx="1"/>
-          </p:nvPr>
-        </p:nvSpPr>
-        <p:spPr>
-          <a:xfrm>
-            <a:off x="608400" y="1490400"/>
-            <a:ext cx="10969200" cy="4759200"/>
-          </a:xfrm>
-        </p:spPr>
-        <p:txBody>
-          <a:bodyPr vert="horz" lIns="90000" tIns="46800" rIns="90000" bIns="46800" rtlCol="0">
-            <a:normAutofit/>
-          </a:bodyPr>
-          <a:lstStyle/>
-          <a:p>
-            <a:pPr lvl="0"/>
-            <a:r>
-              <a:rPr lang="zh-CN" altLang="en-US"/>
               <a:t>单击此处编辑母版文本样式</a:t>
             </a:r>
           </a:p>
@@ -1127,35 +2304,41 @@
             <a:pPr lvl="1"/>
             <a:r>
               <a:rPr lang="zh-CN" altLang="en-US"/>
-              <a:t>第二级</a:t>
+              <a:t>二级</a:t>
             </a:r>
           </a:p>
           <a:p>
             <a:pPr lvl="2"/>
             <a:r>
               <a:rPr lang="zh-CN" altLang="en-US"/>
-              <a:t>第三级</a:t>
+              <a:t>三级</a:t>
             </a:r>
           </a:p>
           <a:p>
             <a:pPr lvl="3"/>
             <a:r>
               <a:rPr lang="zh-CN" altLang="en-US"/>
-              <a:t>第四级</a:t>
+              <a:t>四级</a:t>
             </a:r>
           </a:p>
           <a:p>
             <a:pPr lvl="4"/>
             <a:r>
               <a:rPr lang="zh-CN" altLang="en-US"/>
-              <a:t>第五级</a:t>
-            </a:r>
-          </a:p>
-        </p:txBody>
-      </p:sp>
-      <p:sp>
-        <p:nvSpPr>
-          <p:cNvPr id="4" name="日期占位符 3"/>
+              <a:t>五级</a:t>
+            </a:r>
+          </a:p>
+        </p:txBody>
+      </p:sp>
+      <p:sp>
+        <p:nvSpPr>
+          <p:cNvPr id="4" name="日期占位符 3">
+            <a:extLst>
+              <a:ext uri="{FF2B5EF4-FFF2-40B4-BE49-F238E27FC236}">
+                <a16:creationId xmlns:a16="http://schemas.microsoft.com/office/drawing/2014/main" id="{9550E796-0C5F-F9EF-0580-F35884A779ED}"/>
+              </a:ext>
+            </a:extLst>
+          </p:cNvPr>
           <p:cNvSpPr>
             <a:spLocks noGrp="1"/>
           </p:cNvSpPr>
@@ -1168,7 +2351,7 @@
           <a:bodyPr/>
           <a:lstStyle/>
           <a:p>
-            <a:fld id="{760FBDFE-C587-4B4C-A407-44438C67B59E}" type="datetimeFigureOut">
+            <a:fld id="{B1D5188F-F67D-41D8-B379-0AD3040A58D0}" type="datetimeFigureOut">
               <a:rPr lang="zh-CN" altLang="en-US" smtClean="0"/>
               <a:t>2025/12/13</a:t>
             </a:fld>
@@ -1178,7 +2361,13 @@
       </p:sp>
       <p:sp>
         <p:nvSpPr>
-          <p:cNvPr id="5" name="页脚占位符 4"/>
+          <p:cNvPr id="5" name="页脚占位符 4">
+            <a:extLst>
+              <a:ext uri="{FF2B5EF4-FFF2-40B4-BE49-F238E27FC236}">
+                <a16:creationId xmlns:a16="http://schemas.microsoft.com/office/drawing/2014/main" id="{15B73A4F-9A59-4D3E-4361-32AFFB327DFC}"/>
+              </a:ext>
+            </a:extLst>
+          </p:cNvPr>
           <p:cNvSpPr>
             <a:spLocks noGrp="1"/>
           </p:cNvSpPr>
@@ -1197,7 +2386,13 @@
       </p:sp>
       <p:sp>
         <p:nvSpPr>
-          <p:cNvPr id="6" name="灯片编号占位符 5"/>
+          <p:cNvPr id="6" name="灯片编号占位符 5">
+            <a:extLst>
+              <a:ext uri="{FF2B5EF4-FFF2-40B4-BE49-F238E27FC236}">
+                <a16:creationId xmlns:a16="http://schemas.microsoft.com/office/drawing/2014/main" id="{C58B5DE8-A207-AF39-8BFE-34F61EBB52F1}"/>
+              </a:ext>
+            </a:extLst>
+          </p:cNvPr>
           <p:cNvSpPr>
             <a:spLocks noGrp="1"/>
           </p:cNvSpPr>
@@ -1210,7 +2405,7 @@
           <a:bodyPr/>
           <a:lstStyle/>
           <a:p>
-            <a:fld id="{49AE70B2-8BF9-45C0-BB95-33D1B9D3A854}" type="slidenum">
+            <a:fld id="{1CEBDFF5-580F-46DD-91EF-5F95D7B67F18}" type="slidenum">
               <a:rPr lang="zh-CN" altLang="en-US" smtClean="0"/>
               <a:t>‹#›</a:t>
             </a:fld>
@@ -1219,6 +2414,11 @@
         </p:txBody>
       </p:sp>
     </p:spTree>
+    <p:extLst>
+      <p:ext uri="{BB962C8B-B14F-4D97-AF65-F5344CB8AC3E}">
+        <p14:creationId xmlns:p14="http://schemas.microsoft.com/office/powerpoint/2010/main" val="318511732"/>
+      </p:ext>
+    </p:extLst>
   </p:cSld>
   <p:clrMapOvr>
     <a:masterClrMapping/>
@@ -1226,7 +2426,7 @@
 </p:sldLayout>
 </file>
 
-<file path=ppt/slideLayouts/slideLayout3.xml><?xml version="1.0" encoding="utf-8"?>
+<file path=ppt/slideLayouts/slideLayout14.xml><?xml version="1.0" encoding="utf-8"?>
 <p:sldLayout xmlns:a="http://schemas.openxmlformats.org/drawingml/2006/main" xmlns:r="http://schemas.openxmlformats.org/officeDocument/2006/relationships" xmlns:p="http://schemas.openxmlformats.org/presentationml/2006/main" type="secHead" preserve="1">
   <p:cSld name="节标题">
     <p:spTree>
@@ -1245,85 +2445,92 @@
       </p:grpSpPr>
       <p:sp>
         <p:nvSpPr>
-          <p:cNvPr id="2" name="标题 1"/>
-          <p:cNvSpPr>
-            <a:spLocks noGrp="1"/>
-          </p:cNvSpPr>
-          <p:nvPr>
-            <p:ph type="title" hasCustomPrompt="1"/>
+          <p:cNvPr id="2" name="标题 1">
+            <a:extLst>
+              <a:ext uri="{FF2B5EF4-FFF2-40B4-BE49-F238E27FC236}">
+                <a16:creationId xmlns:a16="http://schemas.microsoft.com/office/drawing/2014/main" id="{3290DB55-A6AD-86CB-323F-969F6A591740}"/>
+              </a:ext>
+            </a:extLst>
+          </p:cNvPr>
+          <p:cNvSpPr>
+            <a:spLocks noGrp="1"/>
+          </p:cNvSpPr>
+          <p:nvPr>
+            <p:ph type="title"/>
           </p:nvPr>
         </p:nvSpPr>
         <p:spPr>
           <a:xfrm>
-            <a:off x="1990800" y="3848400"/>
-            <a:ext cx="7768800" cy="766800"/>
+            <a:off x="831850" y="1709738"/>
+            <a:ext cx="10515600" cy="2852737"/>
           </a:xfrm>
         </p:spPr>
         <p:txBody>
-          <a:bodyPr lIns="90000" tIns="46800" rIns="90000" bIns="46800" anchor="b" anchorCtr="0">
-            <a:normAutofit/>
-          </a:bodyPr>
+          <a:bodyPr anchor="b"/>
           <a:lstStyle>
             <a:lvl1pPr>
-              <a:defRPr sz="4400"/>
+              <a:defRPr sz="6000"/>
             </a:lvl1pPr>
           </a:lstStyle>
           <a:p>
             <a:r>
-              <a:rPr lang="zh-CN" altLang="en-US" dirty="0"/>
-              <a:t>单击此处编辑标题</a:t>
-            </a:r>
-          </a:p>
-        </p:txBody>
-      </p:sp>
-      <p:sp>
-        <p:nvSpPr>
-          <p:cNvPr id="3" name="文本占位符 2"/>
-          <p:cNvSpPr>
-            <a:spLocks noGrp="1"/>
-          </p:cNvSpPr>
-          <p:nvPr>
-            <p:ph type="body" idx="1" hasCustomPrompt="1"/>
+              <a:rPr lang="zh-CN" altLang="en-US"/>
+              <a:t>单击此处编辑母版标题样式</a:t>
+            </a:r>
+          </a:p>
+        </p:txBody>
+      </p:sp>
+      <p:sp>
+        <p:nvSpPr>
+          <p:cNvPr id="3" name="文本占位符 2">
+            <a:extLst>
+              <a:ext uri="{FF2B5EF4-FFF2-40B4-BE49-F238E27FC236}">
+                <a16:creationId xmlns:a16="http://schemas.microsoft.com/office/drawing/2014/main" id="{855AB939-0904-075A-3A75-4D7E411E9CFE}"/>
+              </a:ext>
+            </a:extLst>
+          </p:cNvPr>
+          <p:cNvSpPr>
+            <a:spLocks noGrp="1"/>
+          </p:cNvSpPr>
+          <p:nvPr>
+            <p:ph type="body" idx="1"/>
           </p:nvPr>
         </p:nvSpPr>
         <p:spPr>
           <a:xfrm>
-            <a:off x="1990800" y="4615200"/>
-            <a:ext cx="7768800" cy="867600"/>
+            <a:off x="831850" y="4589463"/>
+            <a:ext cx="10515600" cy="1500187"/>
           </a:xfrm>
         </p:spPr>
         <p:txBody>
-          <a:bodyPr lIns="90000" tIns="46800" rIns="90000" bIns="46800">
-            <a:normAutofit/>
-          </a:bodyPr>
+          <a:bodyPr/>
           <a:lstStyle>
             <a:lvl1pPr marL="0" indent="0">
               <a:buNone/>
-              <a:defRPr sz="1800">
+              <a:defRPr sz="2400">
                 <a:solidFill>
                   <a:schemeClr val="tx1">
-                    <a:lumMod val="65000"/>
-                    <a:lumOff val="35000"/>
+                    <a:tint val="82000"/>
                   </a:schemeClr>
                 </a:solidFill>
               </a:defRPr>
             </a:lvl1pPr>
             <a:lvl2pPr marL="457200" indent="0">
               <a:buNone/>
-              <a:defRPr sz="1600">
+              <a:defRPr sz="2000">
                 <a:solidFill>
                   <a:schemeClr val="tx1">
-                    <a:tint val="75000"/>
+                    <a:tint val="82000"/>
                   </a:schemeClr>
                 </a:solidFill>
               </a:defRPr>
             </a:lvl2pPr>
             <a:lvl3pPr marL="914400" indent="0">
               <a:buNone/>
-              <a:defRPr sz="1600">
+              <a:defRPr sz="1800">
                 <a:solidFill>
                   <a:schemeClr val="tx1">
-                    <a:tint val="75000"/>
+                    <a:tint val="82000"/>
                   </a:schemeClr>
                 </a:solidFill>
               </a:defRPr>
@@ -1333,7 +2540,7 @@
               <a:defRPr sz="1600">
                 <a:solidFill>
                   <a:schemeClr val="tx1">
-                    <a:tint val="75000"/>
+                    <a:tint val="82000"/>
                   </a:schemeClr>
                 </a:solidFill>
               </a:defRPr>
@@ -1343,7 +2550,7 @@
               <a:defRPr sz="1600">
                 <a:solidFill>
                   <a:schemeClr val="tx1">
-                    <a:tint val="75000"/>
+                    <a:tint val="82000"/>
                   </a:schemeClr>
                 </a:solidFill>
               </a:defRPr>
@@ -1353,7 +2560,7 @@
               <a:defRPr sz="1600">
                 <a:solidFill>
                   <a:schemeClr val="tx1">
-                    <a:tint val="75000"/>
+                    <a:tint val="82000"/>
                   </a:schemeClr>
                 </a:solidFill>
               </a:defRPr>
@@ -1363,7 +2570,7 @@
               <a:defRPr sz="1600">
                 <a:solidFill>
                   <a:schemeClr val="tx1">
-                    <a:tint val="75000"/>
+                    <a:tint val="82000"/>
                   </a:schemeClr>
                 </a:solidFill>
               </a:defRPr>
@@ -1373,7 +2580,7 @@
               <a:defRPr sz="1600">
                 <a:solidFill>
                   <a:schemeClr val="tx1">
-                    <a:tint val="75000"/>
+                    <a:tint val="82000"/>
                   </a:schemeClr>
                 </a:solidFill>
               </a:defRPr>
@@ -1383,7 +2590,7 @@
               <a:defRPr sz="1600">
                 <a:solidFill>
                   <a:schemeClr val="tx1">
-                    <a:tint val="75000"/>
+                    <a:tint val="82000"/>
                   </a:schemeClr>
                 </a:solidFill>
               </a:defRPr>
@@ -1392,15 +2599,21 @@
           <a:p>
             <a:pPr lvl="0"/>
             <a:r>
-              <a:rPr lang="zh-CN" altLang="en-US" dirty="0"/>
-              <a:t>单击此处编辑文本</a:t>
-            </a:r>
-          </a:p>
-        </p:txBody>
-      </p:sp>
-      <p:sp>
-        <p:nvSpPr>
-          <p:cNvPr id="4" name="日期占位符 3"/>
+              <a:rPr lang="zh-CN" altLang="en-US"/>
+              <a:t>单击此处编辑母版文本样式</a:t>
+            </a:r>
+          </a:p>
+        </p:txBody>
+      </p:sp>
+      <p:sp>
+        <p:nvSpPr>
+          <p:cNvPr id="4" name="日期占位符 3">
+            <a:extLst>
+              <a:ext uri="{FF2B5EF4-FFF2-40B4-BE49-F238E27FC236}">
+                <a16:creationId xmlns:a16="http://schemas.microsoft.com/office/drawing/2014/main" id="{D1A56926-85E2-FB0F-DF3E-F7B04179AA5C}"/>
+              </a:ext>
+            </a:extLst>
+          </p:cNvPr>
           <p:cNvSpPr>
             <a:spLocks noGrp="1"/>
           </p:cNvSpPr>
@@ -1413,7 +2626,7 @@
           <a:bodyPr/>
           <a:lstStyle/>
           <a:p>
-            <a:fld id="{760FBDFE-C587-4B4C-A407-44438C67B59E}" type="datetimeFigureOut">
+            <a:fld id="{B1D5188F-F67D-41D8-B379-0AD3040A58D0}" type="datetimeFigureOut">
               <a:rPr lang="zh-CN" altLang="en-US" smtClean="0"/>
               <a:t>2025/12/13</a:t>
             </a:fld>
@@ -1423,7 +2636,13 @@
       </p:sp>
       <p:sp>
         <p:nvSpPr>
-          <p:cNvPr id="5" name="页脚占位符 4"/>
+          <p:cNvPr id="5" name="页脚占位符 4">
+            <a:extLst>
+              <a:ext uri="{FF2B5EF4-FFF2-40B4-BE49-F238E27FC236}">
+                <a16:creationId xmlns:a16="http://schemas.microsoft.com/office/drawing/2014/main" id="{AB069FF0-B76A-EF6E-9894-CD3897A3A6E3}"/>
+              </a:ext>
+            </a:extLst>
+          </p:cNvPr>
           <p:cNvSpPr>
             <a:spLocks noGrp="1"/>
           </p:cNvSpPr>
@@ -1442,7 +2661,13 @@
       </p:sp>
       <p:sp>
         <p:nvSpPr>
-          <p:cNvPr id="6" name="灯片编号占位符 5"/>
+          <p:cNvPr id="6" name="灯片编号占位符 5">
+            <a:extLst>
+              <a:ext uri="{FF2B5EF4-FFF2-40B4-BE49-F238E27FC236}">
+                <a16:creationId xmlns:a16="http://schemas.microsoft.com/office/drawing/2014/main" id="{37EF8618-5C46-C137-9324-D604FCE69CC8}"/>
+              </a:ext>
+            </a:extLst>
+          </p:cNvPr>
           <p:cNvSpPr>
             <a:spLocks noGrp="1"/>
           </p:cNvSpPr>
@@ -1455,7 +2680,7 @@
           <a:bodyPr/>
           <a:lstStyle/>
           <a:p>
-            <a:fld id="{49AE70B2-8BF9-45C0-BB95-33D1B9D3A854}" type="slidenum">
+            <a:fld id="{1CEBDFF5-580F-46DD-91EF-5F95D7B67F18}" type="slidenum">
               <a:rPr lang="zh-CN" altLang="en-US" smtClean="0"/>
               <a:t>‹#›</a:t>
             </a:fld>
@@ -1464,6 +2689,11 @@
         </p:txBody>
       </p:sp>
     </p:spTree>
+    <p:extLst>
+      <p:ext uri="{BB962C8B-B14F-4D97-AF65-F5344CB8AC3E}">
+        <p14:creationId xmlns:p14="http://schemas.microsoft.com/office/powerpoint/2010/main" val="3392457145"/>
+      </p:ext>
+    </p:extLst>
   </p:cSld>
   <p:clrMapOvr>
     <a:masterClrMapping/>
@@ -1471,7 +2701,7 @@
 </p:sldLayout>
 </file>
 
-<file path=ppt/slideLayouts/slideLayout4.xml><?xml version="1.0" encoding="utf-8"?>
+<file path=ppt/slideLayouts/slideLayout15.xml><?xml version="1.0" encoding="utf-8"?>
 <p:sldLayout xmlns:a="http://schemas.openxmlformats.org/drawingml/2006/main" xmlns:r="http://schemas.openxmlformats.org/officeDocument/2006/relationships" xmlns:p="http://schemas.openxmlformats.org/presentationml/2006/main" type="twoObj" preserve="1">
   <p:cSld name="两栏内容">
     <p:spTree>
@@ -1490,54 +2720,118 @@
       </p:grpSpPr>
       <p:sp>
         <p:nvSpPr>
-          <p:cNvPr id="2" name="标题 1"/>
+          <p:cNvPr id="2" name="标题 1">
+            <a:extLst>
+              <a:ext uri="{FF2B5EF4-FFF2-40B4-BE49-F238E27FC236}">
+                <a16:creationId xmlns:a16="http://schemas.microsoft.com/office/drawing/2014/main" id="{382D2923-CD44-5457-5E5C-7B907989A18C}"/>
+              </a:ext>
+            </a:extLst>
+          </p:cNvPr>
           <p:cNvSpPr>
             <a:spLocks noGrp="1"/>
           </p:cNvSpPr>
           <p:nvPr>
             <p:ph type="title"/>
+          </p:nvPr>
+        </p:nvSpPr>
+        <p:spPr/>
+        <p:txBody>
+          <a:bodyPr/>
+          <a:lstStyle/>
+          <a:p>
+            <a:r>
+              <a:rPr lang="zh-CN" altLang="en-US"/>
+              <a:t>单击此处编辑母版标题样式</a:t>
+            </a:r>
+          </a:p>
+        </p:txBody>
+      </p:sp>
+      <p:sp>
+        <p:nvSpPr>
+          <p:cNvPr id="3" name="内容占位符 2">
+            <a:extLst>
+              <a:ext uri="{FF2B5EF4-FFF2-40B4-BE49-F238E27FC236}">
+                <a16:creationId xmlns:a16="http://schemas.microsoft.com/office/drawing/2014/main" id="{9B2378E2-8CDC-F27C-82CA-119B7D979B3A}"/>
+              </a:ext>
+            </a:extLst>
+          </p:cNvPr>
+          <p:cNvSpPr>
+            <a:spLocks noGrp="1"/>
+          </p:cNvSpPr>
+          <p:nvPr>
+            <p:ph sz="half" idx="1"/>
           </p:nvPr>
         </p:nvSpPr>
         <p:spPr>
           <a:xfrm>
-            <a:off x="608400" y="608400"/>
-            <a:ext cx="10969200" cy="705600"/>
+            <a:off x="838200" y="1825625"/>
+            <a:ext cx="5181600" cy="4351338"/>
           </a:xfrm>
         </p:spPr>
         <p:txBody>
-          <a:bodyPr vert="horz" lIns="90000" tIns="46800" rIns="90000" bIns="46800" rtlCol="0" anchor="ctr" anchorCtr="0">
-            <a:normAutofit/>
-          </a:bodyPr>
+          <a:bodyPr/>
           <a:lstStyle/>
           <a:p>
             <a:pPr lvl="0"/>
             <a:r>
               <a:rPr lang="zh-CN" altLang="en-US"/>
-              <a:t>单击此处编辑母版标题样式</a:t>
-            </a:r>
-          </a:p>
-        </p:txBody>
-      </p:sp>
-      <p:sp>
-        <p:nvSpPr>
-          <p:cNvPr id="3" name="内容占位符 2"/>
-          <p:cNvSpPr>
-            <a:spLocks noGrp="1"/>
-          </p:cNvSpPr>
-          <p:nvPr>
-            <p:ph sz="half" idx="1"/>
+              <a:t>单击此处编辑母版文本样式</a:t>
+            </a:r>
+          </a:p>
+          <a:p>
+            <a:pPr lvl="1"/>
+            <a:r>
+              <a:rPr lang="zh-CN" altLang="en-US"/>
+              <a:t>二级</a:t>
+            </a:r>
+          </a:p>
+          <a:p>
+            <a:pPr lvl="2"/>
+            <a:r>
+              <a:rPr lang="zh-CN" altLang="en-US"/>
+              <a:t>三级</a:t>
+            </a:r>
+          </a:p>
+          <a:p>
+            <a:pPr lvl="3"/>
+            <a:r>
+              <a:rPr lang="zh-CN" altLang="en-US"/>
+              <a:t>四级</a:t>
+            </a:r>
+          </a:p>
+          <a:p>
+            <a:pPr lvl="4"/>
+            <a:r>
+              <a:rPr lang="zh-CN" altLang="en-US"/>
+              <a:t>五级</a:t>
+            </a:r>
+          </a:p>
+        </p:txBody>
+      </p:sp>
+      <p:sp>
+        <p:nvSpPr>
+          <p:cNvPr id="4" name="内容占位符 3">
+            <a:extLst>
+              <a:ext uri="{FF2B5EF4-FFF2-40B4-BE49-F238E27FC236}">
+                <a16:creationId xmlns:a16="http://schemas.microsoft.com/office/drawing/2014/main" id="{33EEB3F6-8A5B-0BE1-1378-3A0C20F9B346}"/>
+              </a:ext>
+            </a:extLst>
+          </p:cNvPr>
+          <p:cNvSpPr>
+            <a:spLocks noGrp="1"/>
+          </p:cNvSpPr>
+          <p:nvPr>
+            <p:ph sz="half" idx="2"/>
           </p:nvPr>
         </p:nvSpPr>
         <p:spPr>
           <a:xfrm>
-            <a:off x="608400" y="1501200"/>
-            <a:ext cx="5176800" cy="4748400"/>
+            <a:off x="6172200" y="1825625"/>
+            <a:ext cx="5181600" cy="4351338"/>
           </a:xfrm>
         </p:spPr>
         <p:txBody>
-          <a:bodyPr vert="horz" lIns="90000" tIns="46800" rIns="90000" bIns="46800" rtlCol="0">
-            <a:normAutofit/>
-          </a:bodyPr>
+          <a:bodyPr/>
           <a:lstStyle/>
           <a:p>
             <a:pPr lvl="0"/>
@@ -1550,93 +2844,41 @@
             <a:pPr lvl="1"/>
             <a:r>
               <a:rPr lang="zh-CN" altLang="en-US"/>
-              <a:t>第二级</a:t>
+              <a:t>二级</a:t>
             </a:r>
           </a:p>
           <a:p>
             <a:pPr lvl="2"/>
             <a:r>
               <a:rPr lang="zh-CN" altLang="en-US"/>
-              <a:t>第三级</a:t>
+              <a:t>三级</a:t>
             </a:r>
           </a:p>
           <a:p>
             <a:pPr lvl="3"/>
             <a:r>
               <a:rPr lang="zh-CN" altLang="en-US"/>
-              <a:t>第四级</a:t>
+              <a:t>四级</a:t>
             </a:r>
           </a:p>
           <a:p>
             <a:pPr lvl="4"/>
             <a:r>
               <a:rPr lang="zh-CN" altLang="en-US"/>
-              <a:t>第五级</a:t>
-            </a:r>
-          </a:p>
-        </p:txBody>
-      </p:sp>
-      <p:sp>
-        <p:nvSpPr>
-          <p:cNvPr id="4" name="内容占位符 3"/>
-          <p:cNvSpPr>
-            <a:spLocks noGrp="1"/>
-          </p:cNvSpPr>
-          <p:nvPr>
-            <p:ph sz="half" idx="2"/>
-          </p:nvPr>
-        </p:nvSpPr>
-        <p:spPr>
-          <a:xfrm>
-            <a:off x="6411600" y="1501200"/>
-            <a:ext cx="5176800" cy="4748400"/>
-          </a:xfrm>
-        </p:spPr>
-        <p:txBody>
-          <a:bodyPr lIns="90000" tIns="46800" rIns="90000" bIns="46800">
-            <a:normAutofit/>
-          </a:bodyPr>
-          <a:lstStyle/>
-          <a:p>
-            <a:pPr lvl="0"/>
-            <a:r>
-              <a:rPr lang="zh-CN" altLang="en-US" dirty="0"/>
-              <a:t>单击此处编辑母版文本样式</a:t>
-            </a:r>
-          </a:p>
-          <a:p>
-            <a:pPr lvl="1"/>
-            <a:r>
-              <a:rPr lang="zh-CN" altLang="en-US" dirty="0"/>
-              <a:t>第二级</a:t>
-            </a:r>
-          </a:p>
-          <a:p>
-            <a:pPr lvl="2"/>
-            <a:r>
-              <a:rPr lang="zh-CN" altLang="en-US" dirty="0"/>
-              <a:t>第三级</a:t>
-            </a:r>
-          </a:p>
-          <a:p>
-            <a:pPr lvl="3"/>
-            <a:r>
-              <a:rPr lang="zh-CN" altLang="en-US" dirty="0"/>
-              <a:t>第四级</a:t>
-            </a:r>
-          </a:p>
-          <a:p>
-            <a:pPr lvl="4"/>
-            <a:r>
-              <a:rPr lang="zh-CN" altLang="en-US" dirty="0"/>
-              <a:t>第五级</a:t>
-            </a:r>
-          </a:p>
-        </p:txBody>
-      </p:sp>
-      <p:sp>
-        <p:nvSpPr>
-          <p:cNvPr id="5" name="日期占位符 4"/>
+              <a:t>五级</a:t>
+            </a:r>
+          </a:p>
+        </p:txBody>
+      </p:sp>
+      <p:sp>
+        <p:nvSpPr>
+          <p:cNvPr id="5" name="日期占位符 4">
+            <a:extLst>
+              <a:ext uri="{FF2B5EF4-FFF2-40B4-BE49-F238E27FC236}">
+                <a16:creationId xmlns:a16="http://schemas.microsoft.com/office/drawing/2014/main" id="{B87BB1CF-5A61-1B90-95F9-EC1754A96205}"/>
+              </a:ext>
+            </a:extLst>
+          </p:cNvPr>
           <p:cNvSpPr>
             <a:spLocks noGrp="1"/>
           </p:cNvSpPr>
@@ -1649,7 +2891,7 @@
           <a:bodyPr/>
           <a:lstStyle/>
           <a:p>
-            <a:fld id="{760FBDFE-C587-4B4C-A407-44438C67B59E}" type="datetimeFigureOut">
+            <a:fld id="{B1D5188F-F67D-41D8-B379-0AD3040A58D0}" type="datetimeFigureOut">
               <a:rPr lang="zh-CN" altLang="en-US" smtClean="0"/>
               <a:t>2025/12/13</a:t>
             </a:fld>
@@ -1659,7 +2901,13 @@
       </p:sp>
       <p:sp>
         <p:nvSpPr>
-          <p:cNvPr id="6" name="页脚占位符 5"/>
+          <p:cNvPr id="6" name="页脚占位符 5">
+            <a:extLst>
+              <a:ext uri="{FF2B5EF4-FFF2-40B4-BE49-F238E27FC236}">
+                <a16:creationId xmlns:a16="http://schemas.microsoft.com/office/drawing/2014/main" id="{C82D11CC-2706-919F-5366-C99F3CDB27F2}"/>
+              </a:ext>
+            </a:extLst>
+          </p:cNvPr>
           <p:cNvSpPr>
             <a:spLocks noGrp="1"/>
           </p:cNvSpPr>
@@ -1678,7 +2926,13 @@
       </p:sp>
       <p:sp>
         <p:nvSpPr>
-          <p:cNvPr id="7" name="灯片编号占位符 6"/>
+          <p:cNvPr id="7" name="灯片编号占位符 6">
+            <a:extLst>
+              <a:ext uri="{FF2B5EF4-FFF2-40B4-BE49-F238E27FC236}">
+                <a16:creationId xmlns:a16="http://schemas.microsoft.com/office/drawing/2014/main" id="{59FF9D3D-6A26-2B22-2780-045E9A5F45D9}"/>
+              </a:ext>
+            </a:extLst>
+          </p:cNvPr>
           <p:cNvSpPr>
             <a:spLocks noGrp="1"/>
           </p:cNvSpPr>
@@ -1691,7 +2945,7 @@
           <a:bodyPr/>
           <a:lstStyle/>
           <a:p>
-            <a:fld id="{49AE70B2-8BF9-45C0-BB95-33D1B9D3A854}" type="slidenum">
+            <a:fld id="{1CEBDFF5-580F-46DD-91EF-5F95D7B67F18}" type="slidenum">
               <a:rPr lang="zh-CN" altLang="en-US" smtClean="0"/>
               <a:t>‹#›</a:t>
             </a:fld>
@@ -1700,6 +2954,11 @@
         </p:txBody>
       </p:sp>
     </p:spTree>
+    <p:extLst>
+      <p:ext uri="{BB962C8B-B14F-4D97-AF65-F5344CB8AC3E}">
+        <p14:creationId xmlns:p14="http://schemas.microsoft.com/office/powerpoint/2010/main" val="3789877593"/>
+      </p:ext>
+    </p:extLst>
   </p:cSld>
   <p:clrMapOvr>
     <a:masterClrMapping/>
@@ -1707,7 +2966,7 @@
 </p:sldLayout>
 </file>
 
-<file path=ppt/slideLayouts/slideLayout5.xml><?xml version="1.0" encoding="utf-8"?>
+<file path=ppt/slideLayouts/slideLayout16.xml><?xml version="1.0" encoding="utf-8"?>
 <p:sldLayout xmlns:a="http://schemas.openxmlformats.org/drawingml/2006/main" xmlns:r="http://schemas.openxmlformats.org/officeDocument/2006/relationships" xmlns:p="http://schemas.openxmlformats.org/presentationml/2006/main" type="twoTxTwoObj" preserve="1">
   <p:cSld name="比较">
     <p:spTree>
@@ -1726,7 +2985,13 @@
       </p:grpSpPr>
       <p:sp>
         <p:nvSpPr>
-          <p:cNvPr id="2" name="标题 1"/>
+          <p:cNvPr id="2" name="标题 1">
+            <a:extLst>
+              <a:ext uri="{FF2B5EF4-FFF2-40B4-BE49-F238E27FC236}">
+                <a16:creationId xmlns:a16="http://schemas.microsoft.com/office/drawing/2014/main" id="{2DD19211-2EF9-CC82-21A1-E6DA5515D495}"/>
+              </a:ext>
+            </a:extLst>
+          </p:cNvPr>
           <p:cNvSpPr>
             <a:spLocks noGrp="1"/>
           </p:cNvSpPr>
@@ -1736,17 +3001,14 @@
         </p:nvSpPr>
         <p:spPr>
           <a:xfrm>
-            <a:off x="608400" y="608400"/>
-            <a:ext cx="10969200" cy="705600"/>
+            <a:off x="839788" y="365125"/>
+            <a:ext cx="10515600" cy="1325563"/>
           </a:xfrm>
         </p:spPr>
         <p:txBody>
-          <a:bodyPr vert="horz" lIns="90000" tIns="46800" rIns="90000" bIns="46800" rtlCol="0" anchor="ctr" anchorCtr="0">
-            <a:normAutofit/>
-          </a:bodyPr>
-          <a:lstStyle/>
-          <a:p>
-            <a:pPr lvl="0"/>
+          <a:bodyPr/>
+          <a:lstStyle/>
+          <a:p>
             <a:r>
               <a:rPr lang="zh-CN" altLang="en-US"/>
               <a:t>单击此处编辑母版标题样式</a:t>
@@ -1756,38 +3018,32 @@
       </p:sp>
       <p:sp>
         <p:nvSpPr>
-          <p:cNvPr id="3" name="文本占位符 2"/>
-          <p:cNvSpPr>
-            <a:spLocks noGrp="1"/>
-          </p:cNvSpPr>
-          <p:nvPr>
-            <p:ph type="body" idx="1" hasCustomPrompt="1"/>
+          <p:cNvPr id="3" name="文本占位符 2">
+            <a:extLst>
+              <a:ext uri="{FF2B5EF4-FFF2-40B4-BE49-F238E27FC236}">
+                <a16:creationId xmlns:a16="http://schemas.microsoft.com/office/drawing/2014/main" id="{06474DF0-B553-67CB-FC3B-6493091A2C88}"/>
+              </a:ext>
+            </a:extLst>
+          </p:cNvPr>
+          <p:cNvSpPr>
+            <a:spLocks noGrp="1"/>
+          </p:cNvSpPr>
+          <p:nvPr>
+            <p:ph type="body" idx="1"/>
           </p:nvPr>
         </p:nvSpPr>
         <p:spPr>
           <a:xfrm>
-            <a:off x="608400" y="1429200"/>
-            <a:ext cx="5342400" cy="381600"/>
+            <a:off x="839788" y="1681163"/>
+            <a:ext cx="5157787" cy="823912"/>
           </a:xfrm>
         </p:spPr>
         <p:txBody>
-          <a:bodyPr lIns="101600" tIns="38100" rIns="76200" bIns="38100" anchor="t" anchorCtr="0">
-            <a:normAutofit/>
-          </a:bodyPr>
+          <a:bodyPr anchor="b"/>
           <a:lstStyle>
             <a:lvl1pPr marL="0" indent="0">
-              <a:lnSpc>
-                <a:spcPct val="100000"/>
-              </a:lnSpc>
-              <a:buNone/>
-              <a:defRPr sz="2000" b="1" spc="200">
-                <a:solidFill>
-                  <a:schemeClr val="tx1">
-                    <a:lumMod val="75000"/>
-                    <a:lumOff val="25000"/>
-                  </a:schemeClr>
-                </a:solidFill>
-              </a:defRPr>
+              <a:buNone/>
+              <a:defRPr sz="2400" b="1"/>
             </a:lvl1pPr>
             <a:lvl2pPr marL="457200" indent="0">
               <a:buNone/>
@@ -1825,15 +3081,21 @@
           <a:p>
             <a:pPr lvl="0"/>
             <a:r>
-              <a:rPr lang="zh-CN" altLang="en-US" dirty="0"/>
-              <a:t>单击此处编辑文本</a:t>
-            </a:r>
-          </a:p>
-        </p:txBody>
-      </p:sp>
-      <p:sp>
-        <p:nvSpPr>
-          <p:cNvPr id="4" name="内容占位符 3"/>
+              <a:rPr lang="zh-CN" altLang="en-US"/>
+              <a:t>单击此处编辑母版文本样式</a:t>
+            </a:r>
+          </a:p>
+        </p:txBody>
+      </p:sp>
+      <p:sp>
+        <p:nvSpPr>
+          <p:cNvPr id="4" name="内容占位符 3">
+            <a:extLst>
+              <a:ext uri="{FF2B5EF4-FFF2-40B4-BE49-F238E27FC236}">
+                <a16:creationId xmlns:a16="http://schemas.microsoft.com/office/drawing/2014/main" id="{FA1E1349-D207-CD30-920E-19C201E1B101}"/>
+              </a:ext>
+            </a:extLst>
+          </p:cNvPr>
           <p:cNvSpPr>
             <a:spLocks noGrp="1"/>
           </p:cNvSpPr>
@@ -1843,14 +3105,12 @@
         </p:nvSpPr>
         <p:spPr>
           <a:xfrm>
-            <a:off x="608400" y="1854000"/>
-            <a:ext cx="5342400" cy="4395600"/>
+            <a:off x="839788" y="2505075"/>
+            <a:ext cx="5157787" cy="3684588"/>
           </a:xfrm>
         </p:spPr>
         <p:txBody>
-          <a:bodyPr vert="horz" lIns="101600" tIns="0" rIns="82550" bIns="0" rtlCol="0">
-            <a:normAutofit/>
-          </a:bodyPr>
+          <a:bodyPr/>
           <a:lstStyle/>
           <a:p>
             <a:pPr lvl="0"/>
@@ -1863,66 +3123,60 @@
             <a:pPr lvl="1"/>
             <a:r>
               <a:rPr lang="zh-CN" altLang="en-US"/>
-              <a:t>第二级</a:t>
+              <a:t>二级</a:t>
             </a:r>
           </a:p>
           <a:p>
             <a:pPr lvl="2"/>
             <a:r>
               <a:rPr lang="zh-CN" altLang="en-US"/>
-              <a:t>第三级</a:t>
+              <a:t>三级</a:t>
             </a:r>
           </a:p>
           <a:p>
             <a:pPr lvl="3"/>
             <a:r>
               <a:rPr lang="zh-CN" altLang="en-US"/>
-              <a:t>第四级</a:t>
+              <a:t>四级</a:t>
             </a:r>
           </a:p>
           <a:p>
             <a:pPr lvl="4"/>
             <a:r>
               <a:rPr lang="zh-CN" altLang="en-US"/>
-              <a:t>第五级</a:t>
-            </a:r>
-          </a:p>
-        </p:txBody>
-      </p:sp>
-      <p:sp>
-        <p:nvSpPr>
-          <p:cNvPr id="5" name="文本占位符 4"/>
-          <p:cNvSpPr>
-            <a:spLocks noGrp="1"/>
-          </p:cNvSpPr>
-          <p:nvPr>
-            <p:ph type="body" sz="quarter" idx="3" hasCustomPrompt="1"/>
+              <a:t>五级</a:t>
+            </a:r>
+          </a:p>
+        </p:txBody>
+      </p:sp>
+      <p:sp>
+        <p:nvSpPr>
+          <p:cNvPr id="5" name="文本占位符 4">
+            <a:extLst>
+              <a:ext uri="{FF2B5EF4-FFF2-40B4-BE49-F238E27FC236}">
+                <a16:creationId xmlns:a16="http://schemas.microsoft.com/office/drawing/2014/main" id="{08EA9D83-2A50-3D0A-E9D7-5356D9CC06B2}"/>
+              </a:ext>
+            </a:extLst>
+          </p:cNvPr>
+          <p:cNvSpPr>
+            <a:spLocks noGrp="1"/>
+          </p:cNvSpPr>
+          <p:nvPr>
+            <p:ph type="body" sz="quarter" idx="3"/>
           </p:nvPr>
         </p:nvSpPr>
         <p:spPr>
           <a:xfrm>
-            <a:off x="6235750" y="1421729"/>
-            <a:ext cx="5342400" cy="381600"/>
+            <a:off x="6172200" y="1681163"/>
+            <a:ext cx="5183188" cy="823912"/>
           </a:xfrm>
         </p:spPr>
         <p:txBody>
-          <a:bodyPr vert="horz" lIns="101600" tIns="38100" rIns="76200" bIns="38100" rtlCol="0" anchor="t" anchorCtr="0">
-            <a:normAutofit/>
-          </a:bodyPr>
+          <a:bodyPr anchor="b"/>
           <a:lstStyle>
             <a:lvl1pPr marL="0" indent="0">
-              <a:lnSpc>
-                <a:spcPct val="100000"/>
-              </a:lnSpc>
-              <a:buNone/>
-              <a:defRPr sz="2000" b="1" spc="200">
-                <a:solidFill>
-                  <a:schemeClr val="tx1">
-                    <a:lumMod val="75000"/>
-                    <a:lumOff val="25000"/>
-                  </a:schemeClr>
-                </a:solidFill>
-              </a:defRPr>
+              <a:buNone/>
+              <a:defRPr sz="2400" b="1"/>
             </a:lvl1pPr>
             <a:lvl2pPr marL="457200" indent="0">
               <a:buNone/>
@@ -1961,14 +3215,20 @@
             <a:pPr lvl="0"/>
             <a:r>
               <a:rPr lang="zh-CN" altLang="en-US"/>
-              <a:t>单击此处编辑文本</a:t>
-            </a:r>
-          </a:p>
-        </p:txBody>
-      </p:sp>
-      <p:sp>
-        <p:nvSpPr>
-          <p:cNvPr id="6" name="内容占位符 5"/>
+              <a:t>单击此处编辑母版文本样式</a:t>
+            </a:r>
+          </a:p>
+        </p:txBody>
+      </p:sp>
+      <p:sp>
+        <p:nvSpPr>
+          <p:cNvPr id="6" name="内容占位符 5">
+            <a:extLst>
+              <a:ext uri="{FF2B5EF4-FFF2-40B4-BE49-F238E27FC236}">
+                <a16:creationId xmlns:a16="http://schemas.microsoft.com/office/drawing/2014/main" id="{7C46DB11-BAE1-A70A-F5B1-47E698B315F2}"/>
+              </a:ext>
+            </a:extLst>
+          </p:cNvPr>
           <p:cNvSpPr>
             <a:spLocks noGrp="1"/>
           </p:cNvSpPr>
@@ -1978,14 +3238,12 @@
         </p:nvSpPr>
         <p:spPr>
           <a:xfrm>
-            <a:off x="6235750" y="1854000"/>
-            <a:ext cx="5342400" cy="4395600"/>
+            <a:off x="6172200" y="2505075"/>
+            <a:ext cx="5183188" cy="3684588"/>
           </a:xfrm>
         </p:spPr>
         <p:txBody>
-          <a:bodyPr vert="horz" lIns="101600" tIns="0" rIns="82550" bIns="0" rtlCol="0">
-            <a:normAutofit/>
-          </a:bodyPr>
+          <a:bodyPr/>
           <a:lstStyle/>
           <a:p>
             <a:pPr lvl="0"/>
@@ -1998,35 +3256,41 @@
             <a:pPr lvl="1"/>
             <a:r>
               <a:rPr lang="zh-CN" altLang="en-US"/>
-              <a:t>第二级</a:t>
+              <a:t>二级</a:t>
             </a:r>
           </a:p>
           <a:p>
             <a:pPr lvl="2"/>
             <a:r>
               <a:rPr lang="zh-CN" altLang="en-US"/>
-              <a:t>第三级</a:t>
+              <a:t>三级</a:t>
             </a:r>
           </a:p>
           <a:p>
             <a:pPr lvl="3"/>
             <a:r>
               <a:rPr lang="zh-CN" altLang="en-US"/>
-              <a:t>第四级</a:t>
+              <a:t>四级</a:t>
             </a:r>
           </a:p>
           <a:p>
             <a:pPr lvl="4"/>
             <a:r>
               <a:rPr lang="zh-CN" altLang="en-US"/>
-              <a:t>第五级</a:t>
-            </a:r>
-          </a:p>
-        </p:txBody>
-      </p:sp>
-      <p:sp>
-        <p:nvSpPr>
-          <p:cNvPr id="7" name="日期占位符 6"/>
+              <a:t>五级</a:t>
+            </a:r>
+          </a:p>
+        </p:txBody>
+      </p:sp>
+      <p:sp>
+        <p:nvSpPr>
+          <p:cNvPr id="7" name="日期占位符 6">
+            <a:extLst>
+              <a:ext uri="{FF2B5EF4-FFF2-40B4-BE49-F238E27FC236}">
+                <a16:creationId xmlns:a16="http://schemas.microsoft.com/office/drawing/2014/main" id="{BD08B883-C07B-72A0-BB80-4B224DFC1C76}"/>
+              </a:ext>
+            </a:extLst>
+          </p:cNvPr>
           <p:cNvSpPr>
             <a:spLocks noGrp="1"/>
           </p:cNvSpPr>
@@ -2039,7 +3303,7 @@
           <a:bodyPr/>
           <a:lstStyle/>
           <a:p>
-            <a:fld id="{760FBDFE-C587-4B4C-A407-44438C67B59E}" type="datetimeFigureOut">
+            <a:fld id="{B1D5188F-F67D-41D8-B379-0AD3040A58D0}" type="datetimeFigureOut">
               <a:rPr lang="zh-CN" altLang="en-US" smtClean="0"/>
               <a:t>2025/12/13</a:t>
             </a:fld>
@@ -2049,7 +3313,13 @@
       </p:sp>
       <p:sp>
         <p:nvSpPr>
-          <p:cNvPr id="8" name="页脚占位符 7"/>
+          <p:cNvPr id="8" name="页脚占位符 7">
+            <a:extLst>
+              <a:ext uri="{FF2B5EF4-FFF2-40B4-BE49-F238E27FC236}">
+                <a16:creationId xmlns:a16="http://schemas.microsoft.com/office/drawing/2014/main" id="{9DD67B5D-59E3-A883-96ED-4B0D515723DD}"/>
+              </a:ext>
+            </a:extLst>
+          </p:cNvPr>
           <p:cNvSpPr>
             <a:spLocks noGrp="1"/>
           </p:cNvSpPr>
@@ -2068,7 +3338,13 @@
       </p:sp>
       <p:sp>
         <p:nvSpPr>
-          <p:cNvPr id="9" name="灯片编号占位符 8"/>
+          <p:cNvPr id="9" name="灯片编号占位符 8">
+            <a:extLst>
+              <a:ext uri="{FF2B5EF4-FFF2-40B4-BE49-F238E27FC236}">
+                <a16:creationId xmlns:a16="http://schemas.microsoft.com/office/drawing/2014/main" id="{C9210313-A658-316F-0F90-0149FDF52448}"/>
+              </a:ext>
+            </a:extLst>
+          </p:cNvPr>
           <p:cNvSpPr>
             <a:spLocks noGrp="1"/>
           </p:cNvSpPr>
@@ -2081,7 +3357,7 @@
           <a:bodyPr/>
           <a:lstStyle/>
           <a:p>
-            <a:fld id="{49AE70B2-8BF9-45C0-BB95-33D1B9D3A854}" type="slidenum">
+            <a:fld id="{1CEBDFF5-580F-46DD-91EF-5F95D7B67F18}" type="slidenum">
               <a:rPr lang="zh-CN" altLang="en-US" smtClean="0"/>
               <a:t>‹#›</a:t>
             </a:fld>
@@ -2090,6 +3366,11 @@
         </p:txBody>
       </p:sp>
     </p:spTree>
+    <p:extLst>
+      <p:ext uri="{BB962C8B-B14F-4D97-AF65-F5344CB8AC3E}">
+        <p14:creationId xmlns:p14="http://schemas.microsoft.com/office/powerpoint/2010/main" val="3250323735"/>
+      </p:ext>
+    </p:extLst>
   </p:cSld>
   <p:clrMapOvr>
     <a:masterClrMapping/>
@@ -2097,7 +3378,7 @@
 </p:sldLayout>
 </file>
 
-<file path=ppt/slideLayouts/slideLayout6.xml><?xml version="1.0" encoding="utf-8"?>
+<file path=ppt/slideLayouts/slideLayout17.xml><?xml version="1.0" encoding="utf-8"?>
 <p:sldLayout xmlns:a="http://schemas.openxmlformats.org/drawingml/2006/main" xmlns:r="http://schemas.openxmlformats.org/officeDocument/2006/relationships" xmlns:p="http://schemas.openxmlformats.org/presentationml/2006/main" type="titleOnly" preserve="1">
   <p:cSld name="仅标题">
     <p:spTree>
@@ -2116,7 +3397,13 @@
       </p:grpSpPr>
       <p:sp>
         <p:nvSpPr>
-          <p:cNvPr id="2" name="标题 1"/>
+          <p:cNvPr id="2" name="标题 1">
+            <a:extLst>
+              <a:ext uri="{FF2B5EF4-FFF2-40B4-BE49-F238E27FC236}">
+                <a16:creationId xmlns:a16="http://schemas.microsoft.com/office/drawing/2014/main" id="{3CAEFC20-5058-E565-537C-EF0E7F3730E2}"/>
+              </a:ext>
+            </a:extLst>
+          </p:cNvPr>
           <p:cNvSpPr>
             <a:spLocks noGrp="1"/>
           </p:cNvSpPr>
@@ -2124,19 +3411,11 @@
             <p:ph type="title"/>
           </p:nvPr>
         </p:nvSpPr>
-        <p:spPr>
-          <a:xfrm>
-            <a:off x="608400" y="608400"/>
-            <a:ext cx="10969200" cy="705600"/>
-          </a:xfrm>
-        </p:spPr>
-        <p:txBody>
-          <a:bodyPr vert="horz" lIns="90000" tIns="46800" rIns="90000" bIns="46800" rtlCol="0" anchor="ctr" anchorCtr="0">
-            <a:normAutofit/>
-          </a:bodyPr>
-          <a:lstStyle/>
-          <a:p>
-            <a:pPr lvl="0"/>
+        <p:spPr/>
+        <p:txBody>
+          <a:bodyPr/>
+          <a:lstStyle/>
+          <a:p>
             <a:r>
               <a:rPr lang="zh-CN" altLang="en-US"/>
               <a:t>单击此处编辑母版标题样式</a:t>
@@ -2146,7 +3425,13 @@
       </p:sp>
       <p:sp>
         <p:nvSpPr>
-          <p:cNvPr id="3" name="日期占位符 2"/>
+          <p:cNvPr id="3" name="日期占位符 2">
+            <a:extLst>
+              <a:ext uri="{FF2B5EF4-FFF2-40B4-BE49-F238E27FC236}">
+                <a16:creationId xmlns:a16="http://schemas.microsoft.com/office/drawing/2014/main" id="{EFFECC35-AE29-9AC0-24DA-EF1D431E8BD6}"/>
+              </a:ext>
+            </a:extLst>
+          </p:cNvPr>
           <p:cNvSpPr>
             <a:spLocks noGrp="1"/>
           </p:cNvSpPr>
@@ -2159,7 +3444,7 @@
           <a:bodyPr/>
           <a:lstStyle/>
           <a:p>
-            <a:fld id="{760FBDFE-C587-4B4C-A407-44438C67B59E}" type="datetimeFigureOut">
+            <a:fld id="{B1D5188F-F67D-41D8-B379-0AD3040A58D0}" type="datetimeFigureOut">
               <a:rPr lang="zh-CN" altLang="en-US" smtClean="0"/>
               <a:t>2025/12/13</a:t>
             </a:fld>
@@ -2169,7 +3454,13 @@
       </p:sp>
       <p:sp>
         <p:nvSpPr>
-          <p:cNvPr id="4" name="页脚占位符 3"/>
+          <p:cNvPr id="4" name="页脚占位符 3">
+            <a:extLst>
+              <a:ext uri="{FF2B5EF4-FFF2-40B4-BE49-F238E27FC236}">
+                <a16:creationId xmlns:a16="http://schemas.microsoft.com/office/drawing/2014/main" id="{09297A5E-06DA-F5F7-B579-823EDAB0BD25}"/>
+              </a:ext>
+            </a:extLst>
+          </p:cNvPr>
           <p:cNvSpPr>
             <a:spLocks noGrp="1"/>
           </p:cNvSpPr>
@@ -2188,7 +3479,13 @@
       </p:sp>
       <p:sp>
         <p:nvSpPr>
-          <p:cNvPr id="5" name="灯片编号占位符 4"/>
+          <p:cNvPr id="5" name="灯片编号占位符 4">
+            <a:extLst>
+              <a:ext uri="{FF2B5EF4-FFF2-40B4-BE49-F238E27FC236}">
+                <a16:creationId xmlns:a16="http://schemas.microsoft.com/office/drawing/2014/main" id="{6A0BC774-01A0-531D-575A-0A7A6FD27B10}"/>
+              </a:ext>
+            </a:extLst>
+          </p:cNvPr>
           <p:cNvSpPr>
             <a:spLocks noGrp="1"/>
           </p:cNvSpPr>
@@ -2201,7 +3498,7 @@
           <a:bodyPr/>
           <a:lstStyle/>
           <a:p>
-            <a:fld id="{49AE70B2-8BF9-45C0-BB95-33D1B9D3A854}" type="slidenum">
+            <a:fld id="{1CEBDFF5-580F-46DD-91EF-5F95D7B67F18}" type="slidenum">
               <a:rPr lang="zh-CN" altLang="en-US" smtClean="0"/>
               <a:t>‹#›</a:t>
             </a:fld>
@@ -2210,6 +3507,11 @@
         </p:txBody>
       </p:sp>
     </p:spTree>
+    <p:extLst>
+      <p:ext uri="{BB962C8B-B14F-4D97-AF65-F5344CB8AC3E}">
+        <p14:creationId xmlns:p14="http://schemas.microsoft.com/office/powerpoint/2010/main" val="2132849680"/>
+      </p:ext>
+    </p:extLst>
   </p:cSld>
   <p:clrMapOvr>
     <a:masterClrMapping/>
@@ -2217,7 +3519,7 @@
 </p:sldLayout>
 </file>
 
-<file path=ppt/slideLayouts/slideLayout7.xml><?xml version="1.0" encoding="utf-8"?>
+<file path=ppt/slideLayouts/slideLayout18.xml><?xml version="1.0" encoding="utf-8"?>
 <p:sldLayout xmlns:a="http://schemas.openxmlformats.org/drawingml/2006/main" xmlns:r="http://schemas.openxmlformats.org/officeDocument/2006/relationships" xmlns:p="http://schemas.openxmlformats.org/presentationml/2006/main" type="blank" preserve="1">
   <p:cSld name="空白">
     <p:spTree>
@@ -2236,7 +3538,535 @@
       </p:grpSpPr>
       <p:sp>
         <p:nvSpPr>
-          <p:cNvPr id="2" name="日期占位符 1"/>
+          <p:cNvPr id="2" name="日期占位符 1">
+            <a:extLst>
+              <a:ext uri="{FF2B5EF4-FFF2-40B4-BE49-F238E27FC236}">
+                <a16:creationId xmlns:a16="http://schemas.microsoft.com/office/drawing/2014/main" id="{2CDC6C6E-4C6E-F3A6-FE08-C1D9A9FDDE64}"/>
+              </a:ext>
+            </a:extLst>
+          </p:cNvPr>
+          <p:cNvSpPr>
+            <a:spLocks noGrp="1"/>
+          </p:cNvSpPr>
+          <p:nvPr>
+            <p:ph type="dt" sz="half" idx="10"/>
+          </p:nvPr>
+        </p:nvSpPr>
+        <p:spPr/>
+        <p:txBody>
+          <a:bodyPr/>
+          <a:lstStyle/>
+          <a:p>
+            <a:fld id="{B1D5188F-F67D-41D8-B379-0AD3040A58D0}" type="datetimeFigureOut">
+              <a:rPr lang="zh-CN" altLang="en-US" smtClean="0"/>
+              <a:t>2025/12/13</a:t>
+            </a:fld>
+            <a:endParaRPr lang="zh-CN" altLang="en-US"/>
+          </a:p>
+        </p:txBody>
+      </p:sp>
+      <p:sp>
+        <p:nvSpPr>
+          <p:cNvPr id="3" name="页脚占位符 2">
+            <a:extLst>
+              <a:ext uri="{FF2B5EF4-FFF2-40B4-BE49-F238E27FC236}">
+                <a16:creationId xmlns:a16="http://schemas.microsoft.com/office/drawing/2014/main" id="{7D4ADDBB-D7A1-5EF9-5566-27587D9F54E9}"/>
+              </a:ext>
+            </a:extLst>
+          </p:cNvPr>
+          <p:cNvSpPr>
+            <a:spLocks noGrp="1"/>
+          </p:cNvSpPr>
+          <p:nvPr>
+            <p:ph type="ftr" sz="quarter" idx="11"/>
+          </p:nvPr>
+        </p:nvSpPr>
+        <p:spPr/>
+        <p:txBody>
+          <a:bodyPr/>
+          <a:lstStyle/>
+          <a:p>
+            <a:endParaRPr lang="zh-CN" altLang="en-US"/>
+          </a:p>
+        </p:txBody>
+      </p:sp>
+      <p:sp>
+        <p:nvSpPr>
+          <p:cNvPr id="4" name="灯片编号占位符 3">
+            <a:extLst>
+              <a:ext uri="{FF2B5EF4-FFF2-40B4-BE49-F238E27FC236}">
+                <a16:creationId xmlns:a16="http://schemas.microsoft.com/office/drawing/2014/main" id="{D559790A-6EEA-B6CA-093B-BA1FF8A5E103}"/>
+              </a:ext>
+            </a:extLst>
+          </p:cNvPr>
+          <p:cNvSpPr>
+            <a:spLocks noGrp="1"/>
+          </p:cNvSpPr>
+          <p:nvPr>
+            <p:ph type="sldNum" sz="quarter" idx="12"/>
+          </p:nvPr>
+        </p:nvSpPr>
+        <p:spPr/>
+        <p:txBody>
+          <a:bodyPr/>
+          <a:lstStyle/>
+          <a:p>
+            <a:fld id="{1CEBDFF5-580F-46DD-91EF-5F95D7B67F18}" type="slidenum">
+              <a:rPr lang="zh-CN" altLang="en-US" smtClean="0"/>
+              <a:t>‹#›</a:t>
+            </a:fld>
+            <a:endParaRPr lang="zh-CN" altLang="en-US"/>
+          </a:p>
+        </p:txBody>
+      </p:sp>
+    </p:spTree>
+    <p:extLst>
+      <p:ext uri="{BB962C8B-B14F-4D97-AF65-F5344CB8AC3E}">
+        <p14:creationId xmlns:p14="http://schemas.microsoft.com/office/powerpoint/2010/main" val="2506864911"/>
+      </p:ext>
+    </p:extLst>
+  </p:cSld>
+  <p:clrMapOvr>
+    <a:masterClrMapping/>
+  </p:clrMapOvr>
+</p:sldLayout>
+</file>
+
+<file path=ppt/slideLayouts/slideLayout19.xml><?xml version="1.0" encoding="utf-8"?>
+<p:sldLayout xmlns:a="http://schemas.openxmlformats.org/drawingml/2006/main" xmlns:r="http://schemas.openxmlformats.org/officeDocument/2006/relationships" xmlns:p="http://schemas.openxmlformats.org/presentationml/2006/main" type="objTx" preserve="1">
+  <p:cSld name="内容与标题">
+    <p:spTree>
+      <p:nvGrpSpPr>
+        <p:cNvPr id="1" name=""/>
+        <p:cNvGrpSpPr/>
+        <p:nvPr/>
+      </p:nvGrpSpPr>
+      <p:grpSpPr>
+        <a:xfrm>
+          <a:off x="0" y="0"/>
+          <a:ext cx="0" cy="0"/>
+          <a:chOff x="0" y="0"/>
+          <a:chExt cx="0" cy="0"/>
+        </a:xfrm>
+      </p:grpSpPr>
+      <p:sp>
+        <p:nvSpPr>
+          <p:cNvPr id="2" name="标题 1">
+            <a:extLst>
+              <a:ext uri="{FF2B5EF4-FFF2-40B4-BE49-F238E27FC236}">
+                <a16:creationId xmlns:a16="http://schemas.microsoft.com/office/drawing/2014/main" id="{D2F0AFC6-5FA5-243F-D8DD-5FDF047DCE78}"/>
+              </a:ext>
+            </a:extLst>
+          </p:cNvPr>
+          <p:cNvSpPr>
+            <a:spLocks noGrp="1"/>
+          </p:cNvSpPr>
+          <p:nvPr>
+            <p:ph type="title"/>
+          </p:nvPr>
+        </p:nvSpPr>
+        <p:spPr>
+          <a:xfrm>
+            <a:off x="839788" y="457200"/>
+            <a:ext cx="3932237" cy="1600200"/>
+          </a:xfrm>
+        </p:spPr>
+        <p:txBody>
+          <a:bodyPr anchor="b"/>
+          <a:lstStyle>
+            <a:lvl1pPr>
+              <a:defRPr sz="3200"/>
+            </a:lvl1pPr>
+          </a:lstStyle>
+          <a:p>
+            <a:r>
+              <a:rPr lang="zh-CN" altLang="en-US"/>
+              <a:t>单击此处编辑母版标题样式</a:t>
+            </a:r>
+          </a:p>
+        </p:txBody>
+      </p:sp>
+      <p:sp>
+        <p:nvSpPr>
+          <p:cNvPr id="3" name="内容占位符 2">
+            <a:extLst>
+              <a:ext uri="{FF2B5EF4-FFF2-40B4-BE49-F238E27FC236}">
+                <a16:creationId xmlns:a16="http://schemas.microsoft.com/office/drawing/2014/main" id="{C9722F37-C8C3-050A-43F0-EE745B736064}"/>
+              </a:ext>
+            </a:extLst>
+          </p:cNvPr>
+          <p:cNvSpPr>
+            <a:spLocks noGrp="1"/>
+          </p:cNvSpPr>
+          <p:nvPr>
+            <p:ph idx="1"/>
+          </p:nvPr>
+        </p:nvSpPr>
+        <p:spPr>
+          <a:xfrm>
+            <a:off x="5183188" y="987425"/>
+            <a:ext cx="6172200" cy="4873625"/>
+          </a:xfrm>
+        </p:spPr>
+        <p:txBody>
+          <a:bodyPr/>
+          <a:lstStyle>
+            <a:lvl1pPr>
+              <a:defRPr sz="3200"/>
+            </a:lvl1pPr>
+            <a:lvl2pPr>
+              <a:defRPr sz="2800"/>
+            </a:lvl2pPr>
+            <a:lvl3pPr>
+              <a:defRPr sz="2400"/>
+            </a:lvl3pPr>
+            <a:lvl4pPr>
+              <a:defRPr sz="2000"/>
+            </a:lvl4pPr>
+            <a:lvl5pPr>
+              <a:defRPr sz="2000"/>
+            </a:lvl5pPr>
+            <a:lvl6pPr>
+              <a:defRPr sz="2000"/>
+            </a:lvl6pPr>
+            <a:lvl7pPr>
+              <a:defRPr sz="2000"/>
+            </a:lvl7pPr>
+            <a:lvl8pPr>
+              <a:defRPr sz="2000"/>
+            </a:lvl8pPr>
+            <a:lvl9pPr>
+              <a:defRPr sz="2000"/>
+            </a:lvl9pPr>
+          </a:lstStyle>
+          <a:p>
+            <a:pPr lvl="0"/>
+            <a:r>
+              <a:rPr lang="zh-CN" altLang="en-US"/>
+              <a:t>单击此处编辑母版文本样式</a:t>
+            </a:r>
+          </a:p>
+          <a:p>
+            <a:pPr lvl="1"/>
+            <a:r>
+              <a:rPr lang="zh-CN" altLang="en-US"/>
+              <a:t>二级</a:t>
+            </a:r>
+          </a:p>
+          <a:p>
+            <a:pPr lvl="2"/>
+            <a:r>
+              <a:rPr lang="zh-CN" altLang="en-US"/>
+              <a:t>三级</a:t>
+            </a:r>
+          </a:p>
+          <a:p>
+            <a:pPr lvl="3"/>
+            <a:r>
+              <a:rPr lang="zh-CN" altLang="en-US"/>
+              <a:t>四级</a:t>
+            </a:r>
+          </a:p>
+          <a:p>
+            <a:pPr lvl="4"/>
+            <a:r>
+              <a:rPr lang="zh-CN" altLang="en-US"/>
+              <a:t>五级</a:t>
+            </a:r>
+          </a:p>
+        </p:txBody>
+      </p:sp>
+      <p:sp>
+        <p:nvSpPr>
+          <p:cNvPr id="4" name="文本占位符 3">
+            <a:extLst>
+              <a:ext uri="{FF2B5EF4-FFF2-40B4-BE49-F238E27FC236}">
+                <a16:creationId xmlns:a16="http://schemas.microsoft.com/office/drawing/2014/main" id="{55AB8F82-8D97-7905-57F7-697873B50F35}"/>
+              </a:ext>
+            </a:extLst>
+          </p:cNvPr>
+          <p:cNvSpPr>
+            <a:spLocks noGrp="1"/>
+          </p:cNvSpPr>
+          <p:nvPr>
+            <p:ph type="body" sz="half" idx="2"/>
+          </p:nvPr>
+        </p:nvSpPr>
+        <p:spPr>
+          <a:xfrm>
+            <a:off x="839788" y="2057400"/>
+            <a:ext cx="3932237" cy="3811588"/>
+          </a:xfrm>
+        </p:spPr>
+        <p:txBody>
+          <a:bodyPr/>
+          <a:lstStyle>
+            <a:lvl1pPr marL="0" indent="0">
+              <a:buNone/>
+              <a:defRPr sz="1600"/>
+            </a:lvl1pPr>
+            <a:lvl2pPr marL="457200" indent="0">
+              <a:buNone/>
+              <a:defRPr sz="1400"/>
+            </a:lvl2pPr>
+            <a:lvl3pPr marL="914400" indent="0">
+              <a:buNone/>
+              <a:defRPr sz="1200"/>
+            </a:lvl3pPr>
+            <a:lvl4pPr marL="1371600" indent="0">
+              <a:buNone/>
+              <a:defRPr sz="1000"/>
+            </a:lvl4pPr>
+            <a:lvl5pPr marL="1828800" indent="0">
+              <a:buNone/>
+              <a:defRPr sz="1000"/>
+            </a:lvl5pPr>
+            <a:lvl6pPr marL="2286000" indent="0">
+              <a:buNone/>
+              <a:defRPr sz="1000"/>
+            </a:lvl6pPr>
+            <a:lvl7pPr marL="2743200" indent="0">
+              <a:buNone/>
+              <a:defRPr sz="1000"/>
+            </a:lvl7pPr>
+            <a:lvl8pPr marL="3200400" indent="0">
+              <a:buNone/>
+              <a:defRPr sz="1000"/>
+            </a:lvl8pPr>
+            <a:lvl9pPr marL="3657600" indent="0">
+              <a:buNone/>
+              <a:defRPr sz="1000"/>
+            </a:lvl9pPr>
+          </a:lstStyle>
+          <a:p>
+            <a:pPr lvl="0"/>
+            <a:r>
+              <a:rPr lang="zh-CN" altLang="en-US"/>
+              <a:t>单击此处编辑母版文本样式</a:t>
+            </a:r>
+          </a:p>
+        </p:txBody>
+      </p:sp>
+      <p:sp>
+        <p:nvSpPr>
+          <p:cNvPr id="5" name="日期占位符 4">
+            <a:extLst>
+              <a:ext uri="{FF2B5EF4-FFF2-40B4-BE49-F238E27FC236}">
+                <a16:creationId xmlns:a16="http://schemas.microsoft.com/office/drawing/2014/main" id="{A71EBEF4-E28A-F715-689B-67DD066AC054}"/>
+              </a:ext>
+            </a:extLst>
+          </p:cNvPr>
+          <p:cNvSpPr>
+            <a:spLocks noGrp="1"/>
+          </p:cNvSpPr>
+          <p:nvPr>
+            <p:ph type="dt" sz="half" idx="10"/>
+          </p:nvPr>
+        </p:nvSpPr>
+        <p:spPr/>
+        <p:txBody>
+          <a:bodyPr/>
+          <a:lstStyle/>
+          <a:p>
+            <a:fld id="{B1D5188F-F67D-41D8-B379-0AD3040A58D0}" type="datetimeFigureOut">
+              <a:rPr lang="zh-CN" altLang="en-US" smtClean="0"/>
+              <a:t>2025/12/13</a:t>
+            </a:fld>
+            <a:endParaRPr lang="zh-CN" altLang="en-US"/>
+          </a:p>
+        </p:txBody>
+      </p:sp>
+      <p:sp>
+        <p:nvSpPr>
+          <p:cNvPr id="6" name="页脚占位符 5">
+            <a:extLst>
+              <a:ext uri="{FF2B5EF4-FFF2-40B4-BE49-F238E27FC236}">
+                <a16:creationId xmlns:a16="http://schemas.microsoft.com/office/drawing/2014/main" id="{AD4842B3-27CF-0A72-8C76-7DF7E722E74A}"/>
+              </a:ext>
+            </a:extLst>
+          </p:cNvPr>
+          <p:cNvSpPr>
+            <a:spLocks noGrp="1"/>
+          </p:cNvSpPr>
+          <p:nvPr>
+            <p:ph type="ftr" sz="quarter" idx="11"/>
+          </p:nvPr>
+        </p:nvSpPr>
+        <p:spPr/>
+        <p:txBody>
+          <a:bodyPr/>
+          <a:lstStyle/>
+          <a:p>
+            <a:endParaRPr lang="zh-CN" altLang="en-US"/>
+          </a:p>
+        </p:txBody>
+      </p:sp>
+      <p:sp>
+        <p:nvSpPr>
+          <p:cNvPr id="7" name="灯片编号占位符 6">
+            <a:extLst>
+              <a:ext uri="{FF2B5EF4-FFF2-40B4-BE49-F238E27FC236}">
+                <a16:creationId xmlns:a16="http://schemas.microsoft.com/office/drawing/2014/main" id="{DEE70569-1780-5FE0-AE8F-371B72854D20}"/>
+              </a:ext>
+            </a:extLst>
+          </p:cNvPr>
+          <p:cNvSpPr>
+            <a:spLocks noGrp="1"/>
+          </p:cNvSpPr>
+          <p:nvPr>
+            <p:ph type="sldNum" sz="quarter" idx="12"/>
+          </p:nvPr>
+        </p:nvSpPr>
+        <p:spPr/>
+        <p:txBody>
+          <a:bodyPr/>
+          <a:lstStyle/>
+          <a:p>
+            <a:fld id="{1CEBDFF5-580F-46DD-91EF-5F95D7B67F18}" type="slidenum">
+              <a:rPr lang="zh-CN" altLang="en-US" smtClean="0"/>
+              <a:t>‹#›</a:t>
+            </a:fld>
+            <a:endParaRPr lang="zh-CN" altLang="en-US"/>
+          </a:p>
+        </p:txBody>
+      </p:sp>
+    </p:spTree>
+    <p:extLst>
+      <p:ext uri="{BB962C8B-B14F-4D97-AF65-F5344CB8AC3E}">
+        <p14:creationId xmlns:p14="http://schemas.microsoft.com/office/powerpoint/2010/main" val="881728567"/>
+      </p:ext>
+    </p:extLst>
+  </p:cSld>
+  <p:clrMapOvr>
+    <a:masterClrMapping/>
+  </p:clrMapOvr>
+</p:sldLayout>
+</file>
+
+<file path=ppt/slideLayouts/slideLayout2.xml><?xml version="1.0" encoding="utf-8"?>
+<p:sldLayout xmlns:a="http://schemas.openxmlformats.org/drawingml/2006/main" xmlns:r="http://schemas.openxmlformats.org/officeDocument/2006/relationships" xmlns:p="http://schemas.openxmlformats.org/presentationml/2006/main" type="title" preserve="1">
+  <p:cSld name="标题幻灯片">
+    <p:spTree>
+      <p:nvGrpSpPr>
+        <p:cNvPr id="1" name=""/>
+        <p:cNvGrpSpPr/>
+        <p:nvPr/>
+      </p:nvGrpSpPr>
+      <p:grpSpPr>
+        <a:xfrm>
+          <a:off x="0" y="0"/>
+          <a:ext cx="0" cy="0"/>
+          <a:chOff x="0" y="0"/>
+          <a:chExt cx="0" cy="0"/>
+        </a:xfrm>
+      </p:grpSpPr>
+      <p:sp>
+        <p:nvSpPr>
+          <p:cNvPr id="2" name="标题 1"/>
+          <p:cNvSpPr>
+            <a:spLocks noGrp="1"/>
+          </p:cNvSpPr>
+          <p:nvPr>
+            <p:ph type="ctrTitle" hasCustomPrompt="1"/>
+          </p:nvPr>
+        </p:nvSpPr>
+        <p:spPr>
+          <a:xfrm>
+            <a:off x="1198800" y="914400"/>
+            <a:ext cx="9799200" cy="2570400"/>
+          </a:xfrm>
+        </p:spPr>
+        <p:txBody>
+          <a:bodyPr lIns="90000" tIns="46800" rIns="90000" bIns="46800" anchor="b" anchorCtr="0">
+            <a:normAutofit/>
+          </a:bodyPr>
+          <a:lstStyle>
+            <a:lvl1pPr algn="ctr">
+              <a:defRPr sz="6000"/>
+            </a:lvl1pPr>
+          </a:lstStyle>
+          <a:p>
+            <a:r>
+              <a:rPr lang="zh-CN" altLang="en-US" dirty="0"/>
+              <a:t>单击此处编辑标题</a:t>
+            </a:r>
+          </a:p>
+        </p:txBody>
+      </p:sp>
+      <p:sp>
+        <p:nvSpPr>
+          <p:cNvPr id="3" name="副标题 2"/>
+          <p:cNvSpPr>
+            <a:spLocks noGrp="1"/>
+          </p:cNvSpPr>
+          <p:nvPr>
+            <p:ph type="subTitle" idx="1" hasCustomPrompt="1"/>
+          </p:nvPr>
+        </p:nvSpPr>
+        <p:spPr>
+          <a:xfrm>
+            <a:off x="1198800" y="3560400"/>
+            <a:ext cx="9799200" cy="1472400"/>
+          </a:xfrm>
+        </p:spPr>
+        <p:txBody>
+          <a:bodyPr lIns="90000" tIns="46800" rIns="90000" bIns="46800">
+            <a:normAutofit/>
+          </a:bodyPr>
+          <a:lstStyle>
+            <a:lvl1pPr marL="0" indent="0" algn="ctr">
+              <a:lnSpc>
+                <a:spcPct val="110000"/>
+              </a:lnSpc>
+              <a:buNone/>
+              <a:defRPr sz="2400" spc="200">
+                <a:uFillTx/>
+              </a:defRPr>
+            </a:lvl1pPr>
+            <a:lvl2pPr marL="457200" indent="0" algn="ctr">
+              <a:buNone/>
+              <a:defRPr sz="2000"/>
+            </a:lvl2pPr>
+            <a:lvl3pPr marL="914400" indent="0" algn="ctr">
+              <a:buNone/>
+              <a:defRPr sz="1800"/>
+            </a:lvl3pPr>
+            <a:lvl4pPr marL="1371600" indent="0" algn="ctr">
+              <a:buNone/>
+              <a:defRPr sz="1600"/>
+            </a:lvl4pPr>
+            <a:lvl5pPr marL="1828800" indent="0" algn="ctr">
+              <a:buNone/>
+              <a:defRPr sz="1600"/>
+            </a:lvl5pPr>
+            <a:lvl6pPr marL="2286000" indent="0" algn="ctr">
+              <a:buNone/>
+              <a:defRPr sz="1600"/>
+            </a:lvl6pPr>
+            <a:lvl7pPr marL="2743200" indent="0" algn="ctr">
+              <a:buNone/>
+              <a:defRPr sz="1600"/>
+            </a:lvl7pPr>
+            <a:lvl8pPr marL="3200400" indent="0" algn="ctr">
+              <a:buNone/>
+              <a:defRPr sz="1600"/>
+            </a:lvl8pPr>
+            <a:lvl9pPr marL="3657600" indent="0" algn="ctr">
+              <a:buNone/>
+              <a:defRPr sz="1600"/>
+            </a:lvl9pPr>
+          </a:lstStyle>
+          <a:p>
+            <a:r>
+              <a:rPr lang="zh-CN" altLang="en-US" dirty="0"/>
+              <a:t>单击此处编辑副标题</a:t>
+            </a:r>
+          </a:p>
+        </p:txBody>
+      </p:sp>
+      <p:sp>
+        <p:nvSpPr>
+          <p:cNvPr id="16" name="日期占位符 15"/>
           <p:cNvSpPr>
             <a:spLocks noGrp="1"/>
           </p:cNvSpPr>
@@ -2259,7 +4089,7 @@
       </p:sp>
       <p:sp>
         <p:nvSpPr>
-          <p:cNvPr id="3" name="页脚占位符 2"/>
+          <p:cNvPr id="17" name="页脚占位符 16"/>
           <p:cNvSpPr>
             <a:spLocks noGrp="1"/>
           </p:cNvSpPr>
@@ -2272,13 +4102,1876 @@
           <a:bodyPr/>
           <a:lstStyle/>
           <a:p>
+            <a:endParaRPr lang="zh-CN" altLang="en-US" dirty="0"/>
+          </a:p>
+        </p:txBody>
+      </p:sp>
+      <p:sp>
+        <p:nvSpPr>
+          <p:cNvPr id="18" name="灯片编号占位符 17"/>
+          <p:cNvSpPr>
+            <a:spLocks noGrp="1"/>
+          </p:cNvSpPr>
+          <p:nvPr>
+            <p:ph type="sldNum" sz="quarter" idx="12"/>
+          </p:nvPr>
+        </p:nvSpPr>
+        <p:spPr/>
+        <p:txBody>
+          <a:bodyPr/>
+          <a:lstStyle/>
+          <a:p>
+            <a:fld id="{49AE70B2-8BF9-45C0-BB95-33D1B9D3A854}" type="slidenum">
+              <a:rPr lang="zh-CN" altLang="en-US" smtClean="0"/>
+              <a:t>‹#›</a:t>
+            </a:fld>
+            <a:endParaRPr lang="zh-CN" altLang="en-US" dirty="0"/>
+          </a:p>
+        </p:txBody>
+      </p:sp>
+    </p:spTree>
+  </p:cSld>
+  <p:clrMapOvr>
+    <a:masterClrMapping/>
+  </p:clrMapOvr>
+</p:sldLayout>
+</file>
+
+<file path=ppt/slideLayouts/slideLayout20.xml><?xml version="1.0" encoding="utf-8"?>
+<p:sldLayout xmlns:a="http://schemas.openxmlformats.org/drawingml/2006/main" xmlns:r="http://schemas.openxmlformats.org/officeDocument/2006/relationships" xmlns:p="http://schemas.openxmlformats.org/presentationml/2006/main" type="picTx" preserve="1">
+  <p:cSld name="图片与标题">
+    <p:spTree>
+      <p:nvGrpSpPr>
+        <p:cNvPr id="1" name=""/>
+        <p:cNvGrpSpPr/>
+        <p:nvPr/>
+      </p:nvGrpSpPr>
+      <p:grpSpPr>
+        <a:xfrm>
+          <a:off x="0" y="0"/>
+          <a:ext cx="0" cy="0"/>
+          <a:chOff x="0" y="0"/>
+          <a:chExt cx="0" cy="0"/>
+        </a:xfrm>
+      </p:grpSpPr>
+      <p:sp>
+        <p:nvSpPr>
+          <p:cNvPr id="2" name="标题 1">
+            <a:extLst>
+              <a:ext uri="{FF2B5EF4-FFF2-40B4-BE49-F238E27FC236}">
+                <a16:creationId xmlns:a16="http://schemas.microsoft.com/office/drawing/2014/main" id="{8F43FA89-6151-ABD2-83BE-6DC0084BDC52}"/>
+              </a:ext>
+            </a:extLst>
+          </p:cNvPr>
+          <p:cNvSpPr>
+            <a:spLocks noGrp="1"/>
+          </p:cNvSpPr>
+          <p:nvPr>
+            <p:ph type="title"/>
+          </p:nvPr>
+        </p:nvSpPr>
+        <p:spPr>
+          <a:xfrm>
+            <a:off x="839788" y="457200"/>
+            <a:ext cx="3932237" cy="1600200"/>
+          </a:xfrm>
+        </p:spPr>
+        <p:txBody>
+          <a:bodyPr anchor="b"/>
+          <a:lstStyle>
+            <a:lvl1pPr>
+              <a:defRPr sz="3200"/>
+            </a:lvl1pPr>
+          </a:lstStyle>
+          <a:p>
+            <a:r>
+              <a:rPr lang="zh-CN" altLang="en-US"/>
+              <a:t>单击此处编辑母版标题样式</a:t>
+            </a:r>
+          </a:p>
+        </p:txBody>
+      </p:sp>
+      <p:sp>
+        <p:nvSpPr>
+          <p:cNvPr id="3" name="图片占位符 2">
+            <a:extLst>
+              <a:ext uri="{FF2B5EF4-FFF2-40B4-BE49-F238E27FC236}">
+                <a16:creationId xmlns:a16="http://schemas.microsoft.com/office/drawing/2014/main" id="{AFAE7411-CD65-3672-F804-8882857F7A73}"/>
+              </a:ext>
+            </a:extLst>
+          </p:cNvPr>
+          <p:cNvSpPr>
+            <a:spLocks noGrp="1"/>
+          </p:cNvSpPr>
+          <p:nvPr>
+            <p:ph type="pic" idx="1"/>
+          </p:nvPr>
+        </p:nvSpPr>
+        <p:spPr>
+          <a:xfrm>
+            <a:off x="5183188" y="987425"/>
+            <a:ext cx="6172200" cy="4873625"/>
+          </a:xfrm>
+        </p:spPr>
+        <p:txBody>
+          <a:bodyPr/>
+          <a:lstStyle>
+            <a:lvl1pPr marL="0" indent="0">
+              <a:buNone/>
+              <a:defRPr sz="3200"/>
+            </a:lvl1pPr>
+            <a:lvl2pPr marL="457200" indent="0">
+              <a:buNone/>
+              <a:defRPr sz="2800"/>
+            </a:lvl2pPr>
+            <a:lvl3pPr marL="914400" indent="0">
+              <a:buNone/>
+              <a:defRPr sz="2400"/>
+            </a:lvl3pPr>
+            <a:lvl4pPr marL="1371600" indent="0">
+              <a:buNone/>
+              <a:defRPr sz="2000"/>
+            </a:lvl4pPr>
+            <a:lvl5pPr marL="1828800" indent="0">
+              <a:buNone/>
+              <a:defRPr sz="2000"/>
+            </a:lvl5pPr>
+            <a:lvl6pPr marL="2286000" indent="0">
+              <a:buNone/>
+              <a:defRPr sz="2000"/>
+            </a:lvl6pPr>
+            <a:lvl7pPr marL="2743200" indent="0">
+              <a:buNone/>
+              <a:defRPr sz="2000"/>
+            </a:lvl7pPr>
+            <a:lvl8pPr marL="3200400" indent="0">
+              <a:buNone/>
+              <a:defRPr sz="2000"/>
+            </a:lvl8pPr>
+            <a:lvl9pPr marL="3657600" indent="0">
+              <a:buNone/>
+              <a:defRPr sz="2000"/>
+            </a:lvl9pPr>
+          </a:lstStyle>
+          <a:p>
             <a:endParaRPr lang="zh-CN" altLang="en-US"/>
           </a:p>
         </p:txBody>
       </p:sp>
       <p:sp>
         <p:nvSpPr>
-          <p:cNvPr id="4" name="灯片编号占位符 3"/>
+          <p:cNvPr id="4" name="文本占位符 3">
+            <a:extLst>
+              <a:ext uri="{FF2B5EF4-FFF2-40B4-BE49-F238E27FC236}">
+                <a16:creationId xmlns:a16="http://schemas.microsoft.com/office/drawing/2014/main" id="{3F42DA0A-695C-85F6-5D1E-51FE6D41B0B3}"/>
+              </a:ext>
+            </a:extLst>
+          </p:cNvPr>
+          <p:cNvSpPr>
+            <a:spLocks noGrp="1"/>
+          </p:cNvSpPr>
+          <p:nvPr>
+            <p:ph type="body" sz="half" idx="2"/>
+          </p:nvPr>
+        </p:nvSpPr>
+        <p:spPr>
+          <a:xfrm>
+            <a:off x="839788" y="2057400"/>
+            <a:ext cx="3932237" cy="3811588"/>
+          </a:xfrm>
+        </p:spPr>
+        <p:txBody>
+          <a:bodyPr/>
+          <a:lstStyle>
+            <a:lvl1pPr marL="0" indent="0">
+              <a:buNone/>
+              <a:defRPr sz="1600"/>
+            </a:lvl1pPr>
+            <a:lvl2pPr marL="457200" indent="0">
+              <a:buNone/>
+              <a:defRPr sz="1400"/>
+            </a:lvl2pPr>
+            <a:lvl3pPr marL="914400" indent="0">
+              <a:buNone/>
+              <a:defRPr sz="1200"/>
+            </a:lvl3pPr>
+            <a:lvl4pPr marL="1371600" indent="0">
+              <a:buNone/>
+              <a:defRPr sz="1000"/>
+            </a:lvl4pPr>
+            <a:lvl5pPr marL="1828800" indent="0">
+              <a:buNone/>
+              <a:defRPr sz="1000"/>
+            </a:lvl5pPr>
+            <a:lvl6pPr marL="2286000" indent="0">
+              <a:buNone/>
+              <a:defRPr sz="1000"/>
+            </a:lvl6pPr>
+            <a:lvl7pPr marL="2743200" indent="0">
+              <a:buNone/>
+              <a:defRPr sz="1000"/>
+            </a:lvl7pPr>
+            <a:lvl8pPr marL="3200400" indent="0">
+              <a:buNone/>
+              <a:defRPr sz="1000"/>
+            </a:lvl8pPr>
+            <a:lvl9pPr marL="3657600" indent="0">
+              <a:buNone/>
+              <a:defRPr sz="1000"/>
+            </a:lvl9pPr>
+          </a:lstStyle>
+          <a:p>
+            <a:pPr lvl="0"/>
+            <a:r>
+              <a:rPr lang="zh-CN" altLang="en-US"/>
+              <a:t>单击此处编辑母版文本样式</a:t>
+            </a:r>
+          </a:p>
+        </p:txBody>
+      </p:sp>
+      <p:sp>
+        <p:nvSpPr>
+          <p:cNvPr id="5" name="日期占位符 4">
+            <a:extLst>
+              <a:ext uri="{FF2B5EF4-FFF2-40B4-BE49-F238E27FC236}">
+                <a16:creationId xmlns:a16="http://schemas.microsoft.com/office/drawing/2014/main" id="{469CF1C6-FC6D-7880-E693-7F40364D8D8B}"/>
+              </a:ext>
+            </a:extLst>
+          </p:cNvPr>
+          <p:cNvSpPr>
+            <a:spLocks noGrp="1"/>
+          </p:cNvSpPr>
+          <p:nvPr>
+            <p:ph type="dt" sz="half" idx="10"/>
+          </p:nvPr>
+        </p:nvSpPr>
+        <p:spPr/>
+        <p:txBody>
+          <a:bodyPr/>
+          <a:lstStyle/>
+          <a:p>
+            <a:fld id="{B1D5188F-F67D-41D8-B379-0AD3040A58D0}" type="datetimeFigureOut">
+              <a:rPr lang="zh-CN" altLang="en-US" smtClean="0"/>
+              <a:t>2025/12/13</a:t>
+            </a:fld>
+            <a:endParaRPr lang="zh-CN" altLang="en-US"/>
+          </a:p>
+        </p:txBody>
+      </p:sp>
+      <p:sp>
+        <p:nvSpPr>
+          <p:cNvPr id="6" name="页脚占位符 5">
+            <a:extLst>
+              <a:ext uri="{FF2B5EF4-FFF2-40B4-BE49-F238E27FC236}">
+                <a16:creationId xmlns:a16="http://schemas.microsoft.com/office/drawing/2014/main" id="{1367540E-5F8B-6914-470E-42B1FFAB29E0}"/>
+              </a:ext>
+            </a:extLst>
+          </p:cNvPr>
+          <p:cNvSpPr>
+            <a:spLocks noGrp="1"/>
+          </p:cNvSpPr>
+          <p:nvPr>
+            <p:ph type="ftr" sz="quarter" idx="11"/>
+          </p:nvPr>
+        </p:nvSpPr>
+        <p:spPr/>
+        <p:txBody>
+          <a:bodyPr/>
+          <a:lstStyle/>
+          <a:p>
+            <a:endParaRPr lang="zh-CN" altLang="en-US"/>
+          </a:p>
+        </p:txBody>
+      </p:sp>
+      <p:sp>
+        <p:nvSpPr>
+          <p:cNvPr id="7" name="灯片编号占位符 6">
+            <a:extLst>
+              <a:ext uri="{FF2B5EF4-FFF2-40B4-BE49-F238E27FC236}">
+                <a16:creationId xmlns:a16="http://schemas.microsoft.com/office/drawing/2014/main" id="{15FEC15A-D4FE-FFA6-AD90-DDE731449D2A}"/>
+              </a:ext>
+            </a:extLst>
+          </p:cNvPr>
+          <p:cNvSpPr>
+            <a:spLocks noGrp="1"/>
+          </p:cNvSpPr>
+          <p:nvPr>
+            <p:ph type="sldNum" sz="quarter" idx="12"/>
+          </p:nvPr>
+        </p:nvSpPr>
+        <p:spPr/>
+        <p:txBody>
+          <a:bodyPr/>
+          <a:lstStyle/>
+          <a:p>
+            <a:fld id="{1CEBDFF5-580F-46DD-91EF-5F95D7B67F18}" type="slidenum">
+              <a:rPr lang="zh-CN" altLang="en-US" smtClean="0"/>
+              <a:t>‹#›</a:t>
+            </a:fld>
+            <a:endParaRPr lang="zh-CN" altLang="en-US"/>
+          </a:p>
+        </p:txBody>
+      </p:sp>
+    </p:spTree>
+    <p:extLst>
+      <p:ext uri="{BB962C8B-B14F-4D97-AF65-F5344CB8AC3E}">
+        <p14:creationId xmlns:p14="http://schemas.microsoft.com/office/powerpoint/2010/main" val="1518509132"/>
+      </p:ext>
+    </p:extLst>
+  </p:cSld>
+  <p:clrMapOvr>
+    <a:masterClrMapping/>
+  </p:clrMapOvr>
+</p:sldLayout>
+</file>
+
+<file path=ppt/slideLayouts/slideLayout21.xml><?xml version="1.0" encoding="utf-8"?>
+<p:sldLayout xmlns:a="http://schemas.openxmlformats.org/drawingml/2006/main" xmlns:r="http://schemas.openxmlformats.org/officeDocument/2006/relationships" xmlns:p="http://schemas.openxmlformats.org/presentationml/2006/main" type="vertTx" preserve="1">
+  <p:cSld name="标题和竖排文字">
+    <p:spTree>
+      <p:nvGrpSpPr>
+        <p:cNvPr id="1" name=""/>
+        <p:cNvGrpSpPr/>
+        <p:nvPr/>
+      </p:nvGrpSpPr>
+      <p:grpSpPr>
+        <a:xfrm>
+          <a:off x="0" y="0"/>
+          <a:ext cx="0" cy="0"/>
+          <a:chOff x="0" y="0"/>
+          <a:chExt cx="0" cy="0"/>
+        </a:xfrm>
+      </p:grpSpPr>
+      <p:sp>
+        <p:nvSpPr>
+          <p:cNvPr id="2" name="标题 1">
+            <a:extLst>
+              <a:ext uri="{FF2B5EF4-FFF2-40B4-BE49-F238E27FC236}">
+                <a16:creationId xmlns:a16="http://schemas.microsoft.com/office/drawing/2014/main" id="{6EF710D4-7A2B-4217-9CE8-14FAB2C50C37}"/>
+              </a:ext>
+            </a:extLst>
+          </p:cNvPr>
+          <p:cNvSpPr>
+            <a:spLocks noGrp="1"/>
+          </p:cNvSpPr>
+          <p:nvPr>
+            <p:ph type="title"/>
+          </p:nvPr>
+        </p:nvSpPr>
+        <p:spPr/>
+        <p:txBody>
+          <a:bodyPr/>
+          <a:lstStyle/>
+          <a:p>
+            <a:r>
+              <a:rPr lang="zh-CN" altLang="en-US"/>
+              <a:t>单击此处编辑母版标题样式</a:t>
+            </a:r>
+          </a:p>
+        </p:txBody>
+      </p:sp>
+      <p:sp>
+        <p:nvSpPr>
+          <p:cNvPr id="3" name="竖排文字占位符 2">
+            <a:extLst>
+              <a:ext uri="{FF2B5EF4-FFF2-40B4-BE49-F238E27FC236}">
+                <a16:creationId xmlns:a16="http://schemas.microsoft.com/office/drawing/2014/main" id="{0B5F7D1D-3A3A-78E8-C22D-47A600D614B9}"/>
+              </a:ext>
+            </a:extLst>
+          </p:cNvPr>
+          <p:cNvSpPr>
+            <a:spLocks noGrp="1"/>
+          </p:cNvSpPr>
+          <p:nvPr>
+            <p:ph type="body" orient="vert" idx="1"/>
+          </p:nvPr>
+        </p:nvSpPr>
+        <p:spPr/>
+        <p:txBody>
+          <a:bodyPr vert="eaVert"/>
+          <a:lstStyle/>
+          <a:p>
+            <a:pPr lvl="0"/>
+            <a:r>
+              <a:rPr lang="zh-CN" altLang="en-US"/>
+              <a:t>单击此处编辑母版文本样式</a:t>
+            </a:r>
+          </a:p>
+          <a:p>
+            <a:pPr lvl="1"/>
+            <a:r>
+              <a:rPr lang="zh-CN" altLang="en-US"/>
+              <a:t>二级</a:t>
+            </a:r>
+          </a:p>
+          <a:p>
+            <a:pPr lvl="2"/>
+            <a:r>
+              <a:rPr lang="zh-CN" altLang="en-US"/>
+              <a:t>三级</a:t>
+            </a:r>
+          </a:p>
+          <a:p>
+            <a:pPr lvl="3"/>
+            <a:r>
+              <a:rPr lang="zh-CN" altLang="en-US"/>
+              <a:t>四级</a:t>
+            </a:r>
+          </a:p>
+          <a:p>
+            <a:pPr lvl="4"/>
+            <a:r>
+              <a:rPr lang="zh-CN" altLang="en-US"/>
+              <a:t>五级</a:t>
+            </a:r>
+          </a:p>
+        </p:txBody>
+      </p:sp>
+      <p:sp>
+        <p:nvSpPr>
+          <p:cNvPr id="4" name="日期占位符 3">
+            <a:extLst>
+              <a:ext uri="{FF2B5EF4-FFF2-40B4-BE49-F238E27FC236}">
+                <a16:creationId xmlns:a16="http://schemas.microsoft.com/office/drawing/2014/main" id="{5BC81929-1B85-983C-FA30-1B796F845C23}"/>
+              </a:ext>
+            </a:extLst>
+          </p:cNvPr>
+          <p:cNvSpPr>
+            <a:spLocks noGrp="1"/>
+          </p:cNvSpPr>
+          <p:nvPr>
+            <p:ph type="dt" sz="half" idx="10"/>
+          </p:nvPr>
+        </p:nvSpPr>
+        <p:spPr/>
+        <p:txBody>
+          <a:bodyPr/>
+          <a:lstStyle/>
+          <a:p>
+            <a:fld id="{B1D5188F-F67D-41D8-B379-0AD3040A58D0}" type="datetimeFigureOut">
+              <a:rPr lang="zh-CN" altLang="en-US" smtClean="0"/>
+              <a:t>2025/12/13</a:t>
+            </a:fld>
+            <a:endParaRPr lang="zh-CN" altLang="en-US"/>
+          </a:p>
+        </p:txBody>
+      </p:sp>
+      <p:sp>
+        <p:nvSpPr>
+          <p:cNvPr id="5" name="页脚占位符 4">
+            <a:extLst>
+              <a:ext uri="{FF2B5EF4-FFF2-40B4-BE49-F238E27FC236}">
+                <a16:creationId xmlns:a16="http://schemas.microsoft.com/office/drawing/2014/main" id="{7BB6E312-2EEB-1662-8707-697A5720CAE5}"/>
+              </a:ext>
+            </a:extLst>
+          </p:cNvPr>
+          <p:cNvSpPr>
+            <a:spLocks noGrp="1"/>
+          </p:cNvSpPr>
+          <p:nvPr>
+            <p:ph type="ftr" sz="quarter" idx="11"/>
+          </p:nvPr>
+        </p:nvSpPr>
+        <p:spPr/>
+        <p:txBody>
+          <a:bodyPr/>
+          <a:lstStyle/>
+          <a:p>
+            <a:endParaRPr lang="zh-CN" altLang="en-US"/>
+          </a:p>
+        </p:txBody>
+      </p:sp>
+      <p:sp>
+        <p:nvSpPr>
+          <p:cNvPr id="6" name="灯片编号占位符 5">
+            <a:extLst>
+              <a:ext uri="{FF2B5EF4-FFF2-40B4-BE49-F238E27FC236}">
+                <a16:creationId xmlns:a16="http://schemas.microsoft.com/office/drawing/2014/main" id="{687B8569-2808-5312-457A-D6966E8447AB}"/>
+              </a:ext>
+            </a:extLst>
+          </p:cNvPr>
+          <p:cNvSpPr>
+            <a:spLocks noGrp="1"/>
+          </p:cNvSpPr>
+          <p:nvPr>
+            <p:ph type="sldNum" sz="quarter" idx="12"/>
+          </p:nvPr>
+        </p:nvSpPr>
+        <p:spPr/>
+        <p:txBody>
+          <a:bodyPr/>
+          <a:lstStyle/>
+          <a:p>
+            <a:fld id="{1CEBDFF5-580F-46DD-91EF-5F95D7B67F18}" type="slidenum">
+              <a:rPr lang="zh-CN" altLang="en-US" smtClean="0"/>
+              <a:t>‹#›</a:t>
+            </a:fld>
+            <a:endParaRPr lang="zh-CN" altLang="en-US"/>
+          </a:p>
+        </p:txBody>
+      </p:sp>
+    </p:spTree>
+    <p:extLst>
+      <p:ext uri="{BB962C8B-B14F-4D97-AF65-F5344CB8AC3E}">
+        <p14:creationId xmlns:p14="http://schemas.microsoft.com/office/powerpoint/2010/main" val="3489353422"/>
+      </p:ext>
+    </p:extLst>
+  </p:cSld>
+  <p:clrMapOvr>
+    <a:masterClrMapping/>
+  </p:clrMapOvr>
+</p:sldLayout>
+</file>
+
+<file path=ppt/slideLayouts/slideLayout22.xml><?xml version="1.0" encoding="utf-8"?>
+<p:sldLayout xmlns:a="http://schemas.openxmlformats.org/drawingml/2006/main" xmlns:r="http://schemas.openxmlformats.org/officeDocument/2006/relationships" xmlns:p="http://schemas.openxmlformats.org/presentationml/2006/main" type="vertTitleAndTx" preserve="1">
+  <p:cSld name="竖排标题与文本">
+    <p:spTree>
+      <p:nvGrpSpPr>
+        <p:cNvPr id="1" name=""/>
+        <p:cNvGrpSpPr/>
+        <p:nvPr/>
+      </p:nvGrpSpPr>
+      <p:grpSpPr>
+        <a:xfrm>
+          <a:off x="0" y="0"/>
+          <a:ext cx="0" cy="0"/>
+          <a:chOff x="0" y="0"/>
+          <a:chExt cx="0" cy="0"/>
+        </a:xfrm>
+      </p:grpSpPr>
+      <p:sp>
+        <p:nvSpPr>
+          <p:cNvPr id="2" name="竖排标题 1">
+            <a:extLst>
+              <a:ext uri="{FF2B5EF4-FFF2-40B4-BE49-F238E27FC236}">
+                <a16:creationId xmlns:a16="http://schemas.microsoft.com/office/drawing/2014/main" id="{6EECAA96-75E3-0210-EC96-1CB489786B20}"/>
+              </a:ext>
+            </a:extLst>
+          </p:cNvPr>
+          <p:cNvSpPr>
+            <a:spLocks noGrp="1"/>
+          </p:cNvSpPr>
+          <p:nvPr>
+            <p:ph type="title" orient="vert"/>
+          </p:nvPr>
+        </p:nvSpPr>
+        <p:spPr>
+          <a:xfrm>
+            <a:off x="8724900" y="365125"/>
+            <a:ext cx="2628900" cy="5811838"/>
+          </a:xfrm>
+        </p:spPr>
+        <p:txBody>
+          <a:bodyPr vert="eaVert"/>
+          <a:lstStyle/>
+          <a:p>
+            <a:r>
+              <a:rPr lang="zh-CN" altLang="en-US"/>
+              <a:t>单击此处编辑母版标题样式</a:t>
+            </a:r>
+          </a:p>
+        </p:txBody>
+      </p:sp>
+      <p:sp>
+        <p:nvSpPr>
+          <p:cNvPr id="3" name="竖排文字占位符 2">
+            <a:extLst>
+              <a:ext uri="{FF2B5EF4-FFF2-40B4-BE49-F238E27FC236}">
+                <a16:creationId xmlns:a16="http://schemas.microsoft.com/office/drawing/2014/main" id="{58EB2742-3D3F-70ED-2CAF-DAAA9D2EBBD8}"/>
+              </a:ext>
+            </a:extLst>
+          </p:cNvPr>
+          <p:cNvSpPr>
+            <a:spLocks noGrp="1"/>
+          </p:cNvSpPr>
+          <p:nvPr>
+            <p:ph type="body" orient="vert" idx="1"/>
+          </p:nvPr>
+        </p:nvSpPr>
+        <p:spPr>
+          <a:xfrm>
+            <a:off x="838200" y="365125"/>
+            <a:ext cx="7734300" cy="5811838"/>
+          </a:xfrm>
+        </p:spPr>
+        <p:txBody>
+          <a:bodyPr vert="eaVert"/>
+          <a:lstStyle/>
+          <a:p>
+            <a:pPr lvl="0"/>
+            <a:r>
+              <a:rPr lang="zh-CN" altLang="en-US"/>
+              <a:t>单击此处编辑母版文本样式</a:t>
+            </a:r>
+          </a:p>
+          <a:p>
+            <a:pPr lvl="1"/>
+            <a:r>
+              <a:rPr lang="zh-CN" altLang="en-US"/>
+              <a:t>二级</a:t>
+            </a:r>
+          </a:p>
+          <a:p>
+            <a:pPr lvl="2"/>
+            <a:r>
+              <a:rPr lang="zh-CN" altLang="en-US"/>
+              <a:t>三级</a:t>
+            </a:r>
+          </a:p>
+          <a:p>
+            <a:pPr lvl="3"/>
+            <a:r>
+              <a:rPr lang="zh-CN" altLang="en-US"/>
+              <a:t>四级</a:t>
+            </a:r>
+          </a:p>
+          <a:p>
+            <a:pPr lvl="4"/>
+            <a:r>
+              <a:rPr lang="zh-CN" altLang="en-US"/>
+              <a:t>五级</a:t>
+            </a:r>
+          </a:p>
+        </p:txBody>
+      </p:sp>
+      <p:sp>
+        <p:nvSpPr>
+          <p:cNvPr id="4" name="日期占位符 3">
+            <a:extLst>
+              <a:ext uri="{FF2B5EF4-FFF2-40B4-BE49-F238E27FC236}">
+                <a16:creationId xmlns:a16="http://schemas.microsoft.com/office/drawing/2014/main" id="{5EB610C0-812C-95A1-95D7-C6C33E127AD2}"/>
+              </a:ext>
+            </a:extLst>
+          </p:cNvPr>
+          <p:cNvSpPr>
+            <a:spLocks noGrp="1"/>
+          </p:cNvSpPr>
+          <p:nvPr>
+            <p:ph type="dt" sz="half" idx="10"/>
+          </p:nvPr>
+        </p:nvSpPr>
+        <p:spPr/>
+        <p:txBody>
+          <a:bodyPr/>
+          <a:lstStyle/>
+          <a:p>
+            <a:fld id="{B1D5188F-F67D-41D8-B379-0AD3040A58D0}" type="datetimeFigureOut">
+              <a:rPr lang="zh-CN" altLang="en-US" smtClean="0"/>
+              <a:t>2025/12/13</a:t>
+            </a:fld>
+            <a:endParaRPr lang="zh-CN" altLang="en-US"/>
+          </a:p>
+        </p:txBody>
+      </p:sp>
+      <p:sp>
+        <p:nvSpPr>
+          <p:cNvPr id="5" name="页脚占位符 4">
+            <a:extLst>
+              <a:ext uri="{FF2B5EF4-FFF2-40B4-BE49-F238E27FC236}">
+                <a16:creationId xmlns:a16="http://schemas.microsoft.com/office/drawing/2014/main" id="{76CF34EF-9C22-C660-DDB2-78660B54C60A}"/>
+              </a:ext>
+            </a:extLst>
+          </p:cNvPr>
+          <p:cNvSpPr>
+            <a:spLocks noGrp="1"/>
+          </p:cNvSpPr>
+          <p:nvPr>
+            <p:ph type="ftr" sz="quarter" idx="11"/>
+          </p:nvPr>
+        </p:nvSpPr>
+        <p:spPr/>
+        <p:txBody>
+          <a:bodyPr/>
+          <a:lstStyle/>
+          <a:p>
+            <a:endParaRPr lang="zh-CN" altLang="en-US"/>
+          </a:p>
+        </p:txBody>
+      </p:sp>
+      <p:sp>
+        <p:nvSpPr>
+          <p:cNvPr id="6" name="灯片编号占位符 5">
+            <a:extLst>
+              <a:ext uri="{FF2B5EF4-FFF2-40B4-BE49-F238E27FC236}">
+                <a16:creationId xmlns:a16="http://schemas.microsoft.com/office/drawing/2014/main" id="{1C025E7A-FF2C-1510-D13F-A80AE79CB2D7}"/>
+              </a:ext>
+            </a:extLst>
+          </p:cNvPr>
+          <p:cNvSpPr>
+            <a:spLocks noGrp="1"/>
+          </p:cNvSpPr>
+          <p:nvPr>
+            <p:ph type="sldNum" sz="quarter" idx="12"/>
+          </p:nvPr>
+        </p:nvSpPr>
+        <p:spPr/>
+        <p:txBody>
+          <a:bodyPr/>
+          <a:lstStyle/>
+          <a:p>
+            <a:fld id="{1CEBDFF5-580F-46DD-91EF-5F95D7B67F18}" type="slidenum">
+              <a:rPr lang="zh-CN" altLang="en-US" smtClean="0"/>
+              <a:t>‹#›</a:t>
+            </a:fld>
+            <a:endParaRPr lang="zh-CN" altLang="en-US"/>
+          </a:p>
+        </p:txBody>
+      </p:sp>
+    </p:spTree>
+    <p:extLst>
+      <p:ext uri="{BB962C8B-B14F-4D97-AF65-F5344CB8AC3E}">
+        <p14:creationId xmlns:p14="http://schemas.microsoft.com/office/powerpoint/2010/main" val="174913421"/>
+      </p:ext>
+    </p:extLst>
+  </p:cSld>
+  <p:clrMapOvr>
+    <a:masterClrMapping/>
+  </p:clrMapOvr>
+</p:sldLayout>
+</file>
+
+<file path=ppt/slideLayouts/slideLayout3.xml><?xml version="1.0" encoding="utf-8"?>
+<p:sldLayout xmlns:a="http://schemas.openxmlformats.org/drawingml/2006/main" xmlns:r="http://schemas.openxmlformats.org/officeDocument/2006/relationships" xmlns:p="http://schemas.openxmlformats.org/presentationml/2006/main" type="obj" preserve="1">
+  <p:cSld name="标题和内容">
+    <p:spTree>
+      <p:nvGrpSpPr>
+        <p:cNvPr id="1" name=""/>
+        <p:cNvGrpSpPr/>
+        <p:nvPr/>
+      </p:nvGrpSpPr>
+      <p:grpSpPr>
+        <a:xfrm>
+          <a:off x="0" y="0"/>
+          <a:ext cx="0" cy="0"/>
+          <a:chOff x="0" y="0"/>
+          <a:chExt cx="0" cy="0"/>
+        </a:xfrm>
+      </p:grpSpPr>
+      <p:sp>
+        <p:nvSpPr>
+          <p:cNvPr id="2" name="标题 1"/>
+          <p:cNvSpPr>
+            <a:spLocks noGrp="1"/>
+          </p:cNvSpPr>
+          <p:nvPr>
+            <p:ph type="title"/>
+          </p:nvPr>
+        </p:nvSpPr>
+        <p:spPr>
+          <a:xfrm>
+            <a:off x="608400" y="608400"/>
+            <a:ext cx="10969200" cy="705600"/>
+          </a:xfrm>
+        </p:spPr>
+        <p:txBody>
+          <a:bodyPr vert="horz" lIns="90000" tIns="46800" rIns="90000" bIns="46800" rtlCol="0" anchor="ctr" anchorCtr="0">
+            <a:normAutofit/>
+          </a:bodyPr>
+          <a:lstStyle/>
+          <a:p>
+            <a:pPr lvl="0"/>
+            <a:r>
+              <a:rPr lang="zh-CN" altLang="en-US"/>
+              <a:t>单击此处编辑母版标题样式</a:t>
+            </a:r>
+          </a:p>
+        </p:txBody>
+      </p:sp>
+      <p:sp>
+        <p:nvSpPr>
+          <p:cNvPr id="3" name="内容占位符 2"/>
+          <p:cNvSpPr>
+            <a:spLocks noGrp="1"/>
+          </p:cNvSpPr>
+          <p:nvPr>
+            <p:ph idx="1"/>
+          </p:nvPr>
+        </p:nvSpPr>
+        <p:spPr>
+          <a:xfrm>
+            <a:off x="608400" y="1490400"/>
+            <a:ext cx="10969200" cy="4759200"/>
+          </a:xfrm>
+        </p:spPr>
+        <p:txBody>
+          <a:bodyPr vert="horz" lIns="90000" tIns="46800" rIns="90000" bIns="46800" rtlCol="0">
+            <a:normAutofit/>
+          </a:bodyPr>
+          <a:lstStyle/>
+          <a:p>
+            <a:pPr lvl="0"/>
+            <a:r>
+              <a:rPr lang="zh-CN" altLang="en-US"/>
+              <a:t>单击此处编辑母版文本样式</a:t>
+            </a:r>
+          </a:p>
+          <a:p>
+            <a:pPr lvl="1"/>
+            <a:r>
+              <a:rPr lang="zh-CN" altLang="en-US"/>
+              <a:t>第二级</a:t>
+            </a:r>
+          </a:p>
+          <a:p>
+            <a:pPr lvl="2"/>
+            <a:r>
+              <a:rPr lang="zh-CN" altLang="en-US"/>
+              <a:t>第三级</a:t>
+            </a:r>
+          </a:p>
+          <a:p>
+            <a:pPr lvl="3"/>
+            <a:r>
+              <a:rPr lang="zh-CN" altLang="en-US"/>
+              <a:t>第四级</a:t>
+            </a:r>
+          </a:p>
+          <a:p>
+            <a:pPr lvl="4"/>
+            <a:r>
+              <a:rPr lang="zh-CN" altLang="en-US"/>
+              <a:t>第五级</a:t>
+            </a:r>
+          </a:p>
+        </p:txBody>
+      </p:sp>
+      <p:sp>
+        <p:nvSpPr>
+          <p:cNvPr id="4" name="日期占位符 3"/>
+          <p:cNvSpPr>
+            <a:spLocks noGrp="1"/>
+          </p:cNvSpPr>
+          <p:nvPr>
+            <p:ph type="dt" sz="half" idx="10"/>
+          </p:nvPr>
+        </p:nvSpPr>
+        <p:spPr/>
+        <p:txBody>
+          <a:bodyPr/>
+          <a:lstStyle/>
+          <a:p>
+            <a:fld id="{760FBDFE-C587-4B4C-A407-44438C67B59E}" type="datetimeFigureOut">
+              <a:rPr lang="zh-CN" altLang="en-US" smtClean="0"/>
+              <a:t>2025/12/13</a:t>
+            </a:fld>
+            <a:endParaRPr lang="zh-CN" altLang="en-US"/>
+          </a:p>
+        </p:txBody>
+      </p:sp>
+      <p:sp>
+        <p:nvSpPr>
+          <p:cNvPr id="5" name="页脚占位符 4"/>
+          <p:cNvSpPr>
+            <a:spLocks noGrp="1"/>
+          </p:cNvSpPr>
+          <p:nvPr>
+            <p:ph type="ftr" sz="quarter" idx="11"/>
+          </p:nvPr>
+        </p:nvSpPr>
+        <p:spPr/>
+        <p:txBody>
+          <a:bodyPr/>
+          <a:lstStyle/>
+          <a:p>
+            <a:endParaRPr lang="zh-CN" altLang="en-US"/>
+          </a:p>
+        </p:txBody>
+      </p:sp>
+      <p:sp>
+        <p:nvSpPr>
+          <p:cNvPr id="6" name="灯片编号占位符 5"/>
+          <p:cNvSpPr>
+            <a:spLocks noGrp="1"/>
+          </p:cNvSpPr>
+          <p:nvPr>
+            <p:ph type="sldNum" sz="quarter" idx="12"/>
+          </p:nvPr>
+        </p:nvSpPr>
+        <p:spPr/>
+        <p:txBody>
+          <a:bodyPr/>
+          <a:lstStyle/>
+          <a:p>
+            <a:fld id="{49AE70B2-8BF9-45C0-BB95-33D1B9D3A854}" type="slidenum">
+              <a:rPr lang="zh-CN" altLang="en-US" smtClean="0"/>
+              <a:t>‹#›</a:t>
+            </a:fld>
+            <a:endParaRPr lang="zh-CN" altLang="en-US"/>
+          </a:p>
+        </p:txBody>
+      </p:sp>
+    </p:spTree>
+  </p:cSld>
+  <p:clrMapOvr>
+    <a:masterClrMapping/>
+  </p:clrMapOvr>
+</p:sldLayout>
+</file>
+
+<file path=ppt/slideLayouts/slideLayout4.xml><?xml version="1.0" encoding="utf-8"?>
+<p:sldLayout xmlns:a="http://schemas.openxmlformats.org/drawingml/2006/main" xmlns:r="http://schemas.openxmlformats.org/officeDocument/2006/relationships" xmlns:p="http://schemas.openxmlformats.org/presentationml/2006/main" type="secHead" preserve="1">
+  <p:cSld name="节标题">
+    <p:spTree>
+      <p:nvGrpSpPr>
+        <p:cNvPr id="1" name=""/>
+        <p:cNvGrpSpPr/>
+        <p:nvPr/>
+      </p:nvGrpSpPr>
+      <p:grpSpPr>
+        <a:xfrm>
+          <a:off x="0" y="0"/>
+          <a:ext cx="0" cy="0"/>
+          <a:chOff x="0" y="0"/>
+          <a:chExt cx="0" cy="0"/>
+        </a:xfrm>
+      </p:grpSpPr>
+      <p:sp>
+        <p:nvSpPr>
+          <p:cNvPr id="2" name="标题 1"/>
+          <p:cNvSpPr>
+            <a:spLocks noGrp="1"/>
+          </p:cNvSpPr>
+          <p:nvPr>
+            <p:ph type="title" hasCustomPrompt="1"/>
+          </p:nvPr>
+        </p:nvSpPr>
+        <p:spPr>
+          <a:xfrm>
+            <a:off x="1990800" y="3848400"/>
+            <a:ext cx="7768800" cy="766800"/>
+          </a:xfrm>
+        </p:spPr>
+        <p:txBody>
+          <a:bodyPr lIns="90000" tIns="46800" rIns="90000" bIns="46800" anchor="b" anchorCtr="0">
+            <a:normAutofit/>
+          </a:bodyPr>
+          <a:lstStyle>
+            <a:lvl1pPr>
+              <a:defRPr sz="4400"/>
+            </a:lvl1pPr>
+          </a:lstStyle>
+          <a:p>
+            <a:r>
+              <a:rPr lang="zh-CN" altLang="en-US" dirty="0"/>
+              <a:t>单击此处编辑标题</a:t>
+            </a:r>
+          </a:p>
+        </p:txBody>
+      </p:sp>
+      <p:sp>
+        <p:nvSpPr>
+          <p:cNvPr id="3" name="文本占位符 2"/>
+          <p:cNvSpPr>
+            <a:spLocks noGrp="1"/>
+          </p:cNvSpPr>
+          <p:nvPr>
+            <p:ph type="body" idx="1" hasCustomPrompt="1"/>
+          </p:nvPr>
+        </p:nvSpPr>
+        <p:spPr>
+          <a:xfrm>
+            <a:off x="1990800" y="4615200"/>
+            <a:ext cx="7768800" cy="867600"/>
+          </a:xfrm>
+        </p:spPr>
+        <p:txBody>
+          <a:bodyPr lIns="90000" tIns="46800" rIns="90000" bIns="46800">
+            <a:normAutofit/>
+          </a:bodyPr>
+          <a:lstStyle>
+            <a:lvl1pPr marL="0" indent="0">
+              <a:buNone/>
+              <a:defRPr sz="1800">
+                <a:solidFill>
+                  <a:schemeClr val="tx1">
+                    <a:lumMod val="65000"/>
+                    <a:lumOff val="35000"/>
+                  </a:schemeClr>
+                </a:solidFill>
+              </a:defRPr>
+            </a:lvl1pPr>
+            <a:lvl2pPr marL="457200" indent="0">
+              <a:buNone/>
+              <a:defRPr sz="1600">
+                <a:solidFill>
+                  <a:schemeClr val="tx1">
+                    <a:tint val="75000"/>
+                  </a:schemeClr>
+                </a:solidFill>
+              </a:defRPr>
+            </a:lvl2pPr>
+            <a:lvl3pPr marL="914400" indent="0">
+              <a:buNone/>
+              <a:defRPr sz="1600">
+                <a:solidFill>
+                  <a:schemeClr val="tx1">
+                    <a:tint val="75000"/>
+                  </a:schemeClr>
+                </a:solidFill>
+              </a:defRPr>
+            </a:lvl3pPr>
+            <a:lvl4pPr marL="1371600" indent="0">
+              <a:buNone/>
+              <a:defRPr sz="1600">
+                <a:solidFill>
+                  <a:schemeClr val="tx1">
+                    <a:tint val="75000"/>
+                  </a:schemeClr>
+                </a:solidFill>
+              </a:defRPr>
+            </a:lvl4pPr>
+            <a:lvl5pPr marL="1828800" indent="0">
+              <a:buNone/>
+              <a:defRPr sz="1600">
+                <a:solidFill>
+                  <a:schemeClr val="tx1">
+                    <a:tint val="75000"/>
+                  </a:schemeClr>
+                </a:solidFill>
+              </a:defRPr>
+            </a:lvl5pPr>
+            <a:lvl6pPr marL="2286000" indent="0">
+              <a:buNone/>
+              <a:defRPr sz="1600">
+                <a:solidFill>
+                  <a:schemeClr val="tx1">
+                    <a:tint val="75000"/>
+                  </a:schemeClr>
+                </a:solidFill>
+              </a:defRPr>
+            </a:lvl6pPr>
+            <a:lvl7pPr marL="2743200" indent="0">
+              <a:buNone/>
+              <a:defRPr sz="1600">
+                <a:solidFill>
+                  <a:schemeClr val="tx1">
+                    <a:tint val="75000"/>
+                  </a:schemeClr>
+                </a:solidFill>
+              </a:defRPr>
+            </a:lvl7pPr>
+            <a:lvl8pPr marL="3200400" indent="0">
+              <a:buNone/>
+              <a:defRPr sz="1600">
+                <a:solidFill>
+                  <a:schemeClr val="tx1">
+                    <a:tint val="75000"/>
+                  </a:schemeClr>
+                </a:solidFill>
+              </a:defRPr>
+            </a:lvl8pPr>
+            <a:lvl9pPr marL="3657600" indent="0">
+              <a:buNone/>
+              <a:defRPr sz="1600">
+                <a:solidFill>
+                  <a:schemeClr val="tx1">
+                    <a:tint val="75000"/>
+                  </a:schemeClr>
+                </a:solidFill>
+              </a:defRPr>
+            </a:lvl9pPr>
+          </a:lstStyle>
+          <a:p>
+            <a:pPr lvl="0"/>
+            <a:r>
+              <a:rPr lang="zh-CN" altLang="en-US" dirty="0"/>
+              <a:t>单击此处编辑文本</a:t>
+            </a:r>
+          </a:p>
+        </p:txBody>
+      </p:sp>
+      <p:sp>
+        <p:nvSpPr>
+          <p:cNvPr id="4" name="日期占位符 3"/>
+          <p:cNvSpPr>
+            <a:spLocks noGrp="1"/>
+          </p:cNvSpPr>
+          <p:nvPr>
+            <p:ph type="dt" sz="half" idx="10"/>
+          </p:nvPr>
+        </p:nvSpPr>
+        <p:spPr/>
+        <p:txBody>
+          <a:bodyPr/>
+          <a:lstStyle/>
+          <a:p>
+            <a:fld id="{760FBDFE-C587-4B4C-A407-44438C67B59E}" type="datetimeFigureOut">
+              <a:rPr lang="zh-CN" altLang="en-US" smtClean="0"/>
+              <a:t>2025/12/13</a:t>
+            </a:fld>
+            <a:endParaRPr lang="zh-CN" altLang="en-US"/>
+          </a:p>
+        </p:txBody>
+      </p:sp>
+      <p:sp>
+        <p:nvSpPr>
+          <p:cNvPr id="5" name="页脚占位符 4"/>
+          <p:cNvSpPr>
+            <a:spLocks noGrp="1"/>
+          </p:cNvSpPr>
+          <p:nvPr>
+            <p:ph type="ftr" sz="quarter" idx="11"/>
+          </p:nvPr>
+        </p:nvSpPr>
+        <p:spPr/>
+        <p:txBody>
+          <a:bodyPr/>
+          <a:lstStyle/>
+          <a:p>
+            <a:endParaRPr lang="zh-CN" altLang="en-US"/>
+          </a:p>
+        </p:txBody>
+      </p:sp>
+      <p:sp>
+        <p:nvSpPr>
+          <p:cNvPr id="6" name="灯片编号占位符 5"/>
+          <p:cNvSpPr>
+            <a:spLocks noGrp="1"/>
+          </p:cNvSpPr>
+          <p:nvPr>
+            <p:ph type="sldNum" sz="quarter" idx="12"/>
+          </p:nvPr>
+        </p:nvSpPr>
+        <p:spPr/>
+        <p:txBody>
+          <a:bodyPr/>
+          <a:lstStyle/>
+          <a:p>
+            <a:fld id="{49AE70B2-8BF9-45C0-BB95-33D1B9D3A854}" type="slidenum">
+              <a:rPr lang="zh-CN" altLang="en-US" smtClean="0"/>
+              <a:t>‹#›</a:t>
+            </a:fld>
+            <a:endParaRPr lang="zh-CN" altLang="en-US"/>
+          </a:p>
+        </p:txBody>
+      </p:sp>
+    </p:spTree>
+  </p:cSld>
+  <p:clrMapOvr>
+    <a:masterClrMapping/>
+  </p:clrMapOvr>
+</p:sldLayout>
+</file>
+
+<file path=ppt/slideLayouts/slideLayout5.xml><?xml version="1.0" encoding="utf-8"?>
+<p:sldLayout xmlns:a="http://schemas.openxmlformats.org/drawingml/2006/main" xmlns:r="http://schemas.openxmlformats.org/officeDocument/2006/relationships" xmlns:p="http://schemas.openxmlformats.org/presentationml/2006/main" type="twoObj" preserve="1">
+  <p:cSld name="两栏内容">
+    <p:spTree>
+      <p:nvGrpSpPr>
+        <p:cNvPr id="1" name=""/>
+        <p:cNvGrpSpPr/>
+        <p:nvPr/>
+      </p:nvGrpSpPr>
+      <p:grpSpPr>
+        <a:xfrm>
+          <a:off x="0" y="0"/>
+          <a:ext cx="0" cy="0"/>
+          <a:chOff x="0" y="0"/>
+          <a:chExt cx="0" cy="0"/>
+        </a:xfrm>
+      </p:grpSpPr>
+      <p:sp>
+        <p:nvSpPr>
+          <p:cNvPr id="2" name="标题 1"/>
+          <p:cNvSpPr>
+            <a:spLocks noGrp="1"/>
+          </p:cNvSpPr>
+          <p:nvPr>
+            <p:ph type="title"/>
+          </p:nvPr>
+        </p:nvSpPr>
+        <p:spPr>
+          <a:xfrm>
+            <a:off x="608400" y="608400"/>
+            <a:ext cx="10969200" cy="705600"/>
+          </a:xfrm>
+        </p:spPr>
+        <p:txBody>
+          <a:bodyPr vert="horz" lIns="90000" tIns="46800" rIns="90000" bIns="46800" rtlCol="0" anchor="ctr" anchorCtr="0">
+            <a:normAutofit/>
+          </a:bodyPr>
+          <a:lstStyle/>
+          <a:p>
+            <a:pPr lvl="0"/>
+            <a:r>
+              <a:rPr lang="zh-CN" altLang="en-US"/>
+              <a:t>单击此处编辑母版标题样式</a:t>
+            </a:r>
+          </a:p>
+        </p:txBody>
+      </p:sp>
+      <p:sp>
+        <p:nvSpPr>
+          <p:cNvPr id="3" name="内容占位符 2"/>
+          <p:cNvSpPr>
+            <a:spLocks noGrp="1"/>
+          </p:cNvSpPr>
+          <p:nvPr>
+            <p:ph sz="half" idx="1"/>
+          </p:nvPr>
+        </p:nvSpPr>
+        <p:spPr>
+          <a:xfrm>
+            <a:off x="608400" y="1501200"/>
+            <a:ext cx="5176800" cy="4748400"/>
+          </a:xfrm>
+        </p:spPr>
+        <p:txBody>
+          <a:bodyPr vert="horz" lIns="90000" tIns="46800" rIns="90000" bIns="46800" rtlCol="0">
+            <a:normAutofit/>
+          </a:bodyPr>
+          <a:lstStyle/>
+          <a:p>
+            <a:pPr lvl="0"/>
+            <a:r>
+              <a:rPr lang="zh-CN" altLang="en-US"/>
+              <a:t>单击此处编辑母版文本样式</a:t>
+            </a:r>
+          </a:p>
+          <a:p>
+            <a:pPr lvl="1"/>
+            <a:r>
+              <a:rPr lang="zh-CN" altLang="en-US"/>
+              <a:t>第二级</a:t>
+            </a:r>
+          </a:p>
+          <a:p>
+            <a:pPr lvl="2"/>
+            <a:r>
+              <a:rPr lang="zh-CN" altLang="en-US"/>
+              <a:t>第三级</a:t>
+            </a:r>
+          </a:p>
+          <a:p>
+            <a:pPr lvl="3"/>
+            <a:r>
+              <a:rPr lang="zh-CN" altLang="en-US"/>
+              <a:t>第四级</a:t>
+            </a:r>
+          </a:p>
+          <a:p>
+            <a:pPr lvl="4"/>
+            <a:r>
+              <a:rPr lang="zh-CN" altLang="en-US"/>
+              <a:t>第五级</a:t>
+            </a:r>
+          </a:p>
+        </p:txBody>
+      </p:sp>
+      <p:sp>
+        <p:nvSpPr>
+          <p:cNvPr id="4" name="内容占位符 3"/>
+          <p:cNvSpPr>
+            <a:spLocks noGrp="1"/>
+          </p:cNvSpPr>
+          <p:nvPr>
+            <p:ph sz="half" idx="2"/>
+          </p:nvPr>
+        </p:nvSpPr>
+        <p:spPr>
+          <a:xfrm>
+            <a:off x="6411600" y="1501200"/>
+            <a:ext cx="5176800" cy="4748400"/>
+          </a:xfrm>
+        </p:spPr>
+        <p:txBody>
+          <a:bodyPr lIns="90000" tIns="46800" rIns="90000" bIns="46800">
+            <a:normAutofit/>
+          </a:bodyPr>
+          <a:lstStyle/>
+          <a:p>
+            <a:pPr lvl="0"/>
+            <a:r>
+              <a:rPr lang="zh-CN" altLang="en-US" dirty="0"/>
+              <a:t>单击此处编辑母版文本样式</a:t>
+            </a:r>
+          </a:p>
+          <a:p>
+            <a:pPr lvl="1"/>
+            <a:r>
+              <a:rPr lang="zh-CN" altLang="en-US" dirty="0"/>
+              <a:t>第二级</a:t>
+            </a:r>
+          </a:p>
+          <a:p>
+            <a:pPr lvl="2"/>
+            <a:r>
+              <a:rPr lang="zh-CN" altLang="en-US" dirty="0"/>
+              <a:t>第三级</a:t>
+            </a:r>
+          </a:p>
+          <a:p>
+            <a:pPr lvl="3"/>
+            <a:r>
+              <a:rPr lang="zh-CN" altLang="en-US" dirty="0"/>
+              <a:t>第四级</a:t>
+            </a:r>
+          </a:p>
+          <a:p>
+            <a:pPr lvl="4"/>
+            <a:r>
+              <a:rPr lang="zh-CN" altLang="en-US" dirty="0"/>
+              <a:t>第五级</a:t>
+            </a:r>
+          </a:p>
+        </p:txBody>
+      </p:sp>
+      <p:sp>
+        <p:nvSpPr>
+          <p:cNvPr id="5" name="日期占位符 4"/>
+          <p:cNvSpPr>
+            <a:spLocks noGrp="1"/>
+          </p:cNvSpPr>
+          <p:nvPr>
+            <p:ph type="dt" sz="half" idx="10"/>
+          </p:nvPr>
+        </p:nvSpPr>
+        <p:spPr/>
+        <p:txBody>
+          <a:bodyPr/>
+          <a:lstStyle/>
+          <a:p>
+            <a:fld id="{760FBDFE-C587-4B4C-A407-44438C67B59E}" type="datetimeFigureOut">
+              <a:rPr lang="zh-CN" altLang="en-US" smtClean="0"/>
+              <a:t>2025/12/13</a:t>
+            </a:fld>
+            <a:endParaRPr lang="zh-CN" altLang="en-US"/>
+          </a:p>
+        </p:txBody>
+      </p:sp>
+      <p:sp>
+        <p:nvSpPr>
+          <p:cNvPr id="6" name="页脚占位符 5"/>
+          <p:cNvSpPr>
+            <a:spLocks noGrp="1"/>
+          </p:cNvSpPr>
+          <p:nvPr>
+            <p:ph type="ftr" sz="quarter" idx="11"/>
+          </p:nvPr>
+        </p:nvSpPr>
+        <p:spPr/>
+        <p:txBody>
+          <a:bodyPr/>
+          <a:lstStyle/>
+          <a:p>
+            <a:endParaRPr lang="zh-CN" altLang="en-US"/>
+          </a:p>
+        </p:txBody>
+      </p:sp>
+      <p:sp>
+        <p:nvSpPr>
+          <p:cNvPr id="7" name="灯片编号占位符 6"/>
+          <p:cNvSpPr>
+            <a:spLocks noGrp="1"/>
+          </p:cNvSpPr>
+          <p:nvPr>
+            <p:ph type="sldNum" sz="quarter" idx="12"/>
+          </p:nvPr>
+        </p:nvSpPr>
+        <p:spPr/>
+        <p:txBody>
+          <a:bodyPr/>
+          <a:lstStyle/>
+          <a:p>
+            <a:fld id="{49AE70B2-8BF9-45C0-BB95-33D1B9D3A854}" type="slidenum">
+              <a:rPr lang="zh-CN" altLang="en-US" smtClean="0"/>
+              <a:t>‹#›</a:t>
+            </a:fld>
+            <a:endParaRPr lang="zh-CN" altLang="en-US"/>
+          </a:p>
+        </p:txBody>
+      </p:sp>
+    </p:spTree>
+  </p:cSld>
+  <p:clrMapOvr>
+    <a:masterClrMapping/>
+  </p:clrMapOvr>
+</p:sldLayout>
+</file>
+
+<file path=ppt/slideLayouts/slideLayout6.xml><?xml version="1.0" encoding="utf-8"?>
+<p:sldLayout xmlns:a="http://schemas.openxmlformats.org/drawingml/2006/main" xmlns:r="http://schemas.openxmlformats.org/officeDocument/2006/relationships" xmlns:p="http://schemas.openxmlformats.org/presentationml/2006/main" type="twoTxTwoObj" preserve="1">
+  <p:cSld name="比较">
+    <p:spTree>
+      <p:nvGrpSpPr>
+        <p:cNvPr id="1" name=""/>
+        <p:cNvGrpSpPr/>
+        <p:nvPr/>
+      </p:nvGrpSpPr>
+      <p:grpSpPr>
+        <a:xfrm>
+          <a:off x="0" y="0"/>
+          <a:ext cx="0" cy="0"/>
+          <a:chOff x="0" y="0"/>
+          <a:chExt cx="0" cy="0"/>
+        </a:xfrm>
+      </p:grpSpPr>
+      <p:sp>
+        <p:nvSpPr>
+          <p:cNvPr id="2" name="标题 1"/>
+          <p:cNvSpPr>
+            <a:spLocks noGrp="1"/>
+          </p:cNvSpPr>
+          <p:nvPr>
+            <p:ph type="title"/>
+          </p:nvPr>
+        </p:nvSpPr>
+        <p:spPr>
+          <a:xfrm>
+            <a:off x="608400" y="608400"/>
+            <a:ext cx="10969200" cy="705600"/>
+          </a:xfrm>
+        </p:spPr>
+        <p:txBody>
+          <a:bodyPr vert="horz" lIns="90000" tIns="46800" rIns="90000" bIns="46800" rtlCol="0" anchor="ctr" anchorCtr="0">
+            <a:normAutofit/>
+          </a:bodyPr>
+          <a:lstStyle/>
+          <a:p>
+            <a:pPr lvl="0"/>
+            <a:r>
+              <a:rPr lang="zh-CN" altLang="en-US"/>
+              <a:t>单击此处编辑母版标题样式</a:t>
+            </a:r>
+          </a:p>
+        </p:txBody>
+      </p:sp>
+      <p:sp>
+        <p:nvSpPr>
+          <p:cNvPr id="3" name="文本占位符 2"/>
+          <p:cNvSpPr>
+            <a:spLocks noGrp="1"/>
+          </p:cNvSpPr>
+          <p:nvPr>
+            <p:ph type="body" idx="1" hasCustomPrompt="1"/>
+          </p:nvPr>
+        </p:nvSpPr>
+        <p:spPr>
+          <a:xfrm>
+            <a:off x="608400" y="1429200"/>
+            <a:ext cx="5342400" cy="381600"/>
+          </a:xfrm>
+        </p:spPr>
+        <p:txBody>
+          <a:bodyPr lIns="101600" tIns="38100" rIns="76200" bIns="38100" anchor="t" anchorCtr="0">
+            <a:normAutofit/>
+          </a:bodyPr>
+          <a:lstStyle>
+            <a:lvl1pPr marL="0" indent="0">
+              <a:lnSpc>
+                <a:spcPct val="100000"/>
+              </a:lnSpc>
+              <a:buNone/>
+              <a:defRPr sz="2000" b="1" spc="200">
+                <a:solidFill>
+                  <a:schemeClr val="tx1">
+                    <a:lumMod val="75000"/>
+                    <a:lumOff val="25000"/>
+                  </a:schemeClr>
+                </a:solidFill>
+              </a:defRPr>
+            </a:lvl1pPr>
+            <a:lvl2pPr marL="457200" indent="0">
+              <a:buNone/>
+              <a:defRPr sz="2000" b="1"/>
+            </a:lvl2pPr>
+            <a:lvl3pPr marL="914400" indent="0">
+              <a:buNone/>
+              <a:defRPr sz="1800" b="1"/>
+            </a:lvl3pPr>
+            <a:lvl4pPr marL="1371600" indent="0">
+              <a:buNone/>
+              <a:defRPr sz="1600" b="1"/>
+            </a:lvl4pPr>
+            <a:lvl5pPr marL="1828800" indent="0">
+              <a:buNone/>
+              <a:defRPr sz="1600" b="1"/>
+            </a:lvl5pPr>
+            <a:lvl6pPr marL="2286000" indent="0">
+              <a:buNone/>
+              <a:defRPr sz="1600" b="1"/>
+            </a:lvl6pPr>
+            <a:lvl7pPr marL="2743200" indent="0">
+              <a:buNone/>
+              <a:defRPr sz="1600" b="1"/>
+            </a:lvl7pPr>
+            <a:lvl8pPr marL="3200400" indent="0">
+              <a:buNone/>
+              <a:defRPr sz="1600" b="1"/>
+            </a:lvl8pPr>
+            <a:lvl9pPr marL="3657600" indent="0">
+              <a:buNone/>
+              <a:defRPr sz="1600" b="1"/>
+            </a:lvl9pPr>
+          </a:lstStyle>
+          <a:p>
+            <a:pPr lvl="0"/>
+            <a:r>
+              <a:rPr lang="zh-CN" altLang="en-US" dirty="0"/>
+              <a:t>单击此处编辑文本</a:t>
+            </a:r>
+          </a:p>
+        </p:txBody>
+      </p:sp>
+      <p:sp>
+        <p:nvSpPr>
+          <p:cNvPr id="4" name="内容占位符 3"/>
+          <p:cNvSpPr>
+            <a:spLocks noGrp="1"/>
+          </p:cNvSpPr>
+          <p:nvPr>
+            <p:ph sz="half" idx="2"/>
+          </p:nvPr>
+        </p:nvSpPr>
+        <p:spPr>
+          <a:xfrm>
+            <a:off x="608400" y="1854000"/>
+            <a:ext cx="5342400" cy="4395600"/>
+          </a:xfrm>
+        </p:spPr>
+        <p:txBody>
+          <a:bodyPr vert="horz" lIns="101600" tIns="0" rIns="82550" bIns="0" rtlCol="0">
+            <a:normAutofit/>
+          </a:bodyPr>
+          <a:lstStyle/>
+          <a:p>
+            <a:pPr lvl="0"/>
+            <a:r>
+              <a:rPr lang="zh-CN" altLang="en-US"/>
+              <a:t>单击此处编辑母版文本样式</a:t>
+            </a:r>
+          </a:p>
+          <a:p>
+            <a:pPr lvl="1"/>
+            <a:r>
+              <a:rPr lang="zh-CN" altLang="en-US"/>
+              <a:t>第二级</a:t>
+            </a:r>
+          </a:p>
+          <a:p>
+            <a:pPr lvl="2"/>
+            <a:r>
+              <a:rPr lang="zh-CN" altLang="en-US"/>
+              <a:t>第三级</a:t>
+            </a:r>
+          </a:p>
+          <a:p>
+            <a:pPr lvl="3"/>
+            <a:r>
+              <a:rPr lang="zh-CN" altLang="en-US"/>
+              <a:t>第四级</a:t>
+            </a:r>
+          </a:p>
+          <a:p>
+            <a:pPr lvl="4"/>
+            <a:r>
+              <a:rPr lang="zh-CN" altLang="en-US"/>
+              <a:t>第五级</a:t>
+            </a:r>
+          </a:p>
+        </p:txBody>
+      </p:sp>
+      <p:sp>
+        <p:nvSpPr>
+          <p:cNvPr id="5" name="文本占位符 4"/>
+          <p:cNvSpPr>
+            <a:spLocks noGrp="1"/>
+          </p:cNvSpPr>
+          <p:nvPr>
+            <p:ph type="body" sz="quarter" idx="3" hasCustomPrompt="1"/>
+          </p:nvPr>
+        </p:nvSpPr>
+        <p:spPr>
+          <a:xfrm>
+            <a:off x="6235750" y="1421729"/>
+            <a:ext cx="5342400" cy="381600"/>
+          </a:xfrm>
+        </p:spPr>
+        <p:txBody>
+          <a:bodyPr vert="horz" lIns="101600" tIns="38100" rIns="76200" bIns="38100" rtlCol="0" anchor="t" anchorCtr="0">
+            <a:normAutofit/>
+          </a:bodyPr>
+          <a:lstStyle>
+            <a:lvl1pPr marL="0" indent="0">
+              <a:lnSpc>
+                <a:spcPct val="100000"/>
+              </a:lnSpc>
+              <a:buNone/>
+              <a:defRPr sz="2000" b="1" spc="200">
+                <a:solidFill>
+                  <a:schemeClr val="tx1">
+                    <a:lumMod val="75000"/>
+                    <a:lumOff val="25000"/>
+                  </a:schemeClr>
+                </a:solidFill>
+              </a:defRPr>
+            </a:lvl1pPr>
+            <a:lvl2pPr marL="457200" indent="0">
+              <a:buNone/>
+              <a:defRPr sz="2000" b="1"/>
+            </a:lvl2pPr>
+            <a:lvl3pPr marL="914400" indent="0">
+              <a:buNone/>
+              <a:defRPr sz="1800" b="1"/>
+            </a:lvl3pPr>
+            <a:lvl4pPr marL="1371600" indent="0">
+              <a:buNone/>
+              <a:defRPr sz="1600" b="1"/>
+            </a:lvl4pPr>
+            <a:lvl5pPr marL="1828800" indent="0">
+              <a:buNone/>
+              <a:defRPr sz="1600" b="1"/>
+            </a:lvl5pPr>
+            <a:lvl6pPr marL="2286000" indent="0">
+              <a:buNone/>
+              <a:defRPr sz="1600" b="1"/>
+            </a:lvl6pPr>
+            <a:lvl7pPr marL="2743200" indent="0">
+              <a:buNone/>
+              <a:defRPr sz="1600" b="1"/>
+            </a:lvl7pPr>
+            <a:lvl8pPr marL="3200400" indent="0">
+              <a:buNone/>
+              <a:defRPr sz="1600" b="1"/>
+            </a:lvl8pPr>
+            <a:lvl9pPr marL="3657600" indent="0">
+              <a:buNone/>
+              <a:defRPr sz="1600" b="1"/>
+            </a:lvl9pPr>
+          </a:lstStyle>
+          <a:p>
+            <a:pPr lvl="0"/>
+            <a:r>
+              <a:rPr lang="zh-CN" altLang="en-US"/>
+              <a:t>单击此处编辑文本</a:t>
+            </a:r>
+          </a:p>
+        </p:txBody>
+      </p:sp>
+      <p:sp>
+        <p:nvSpPr>
+          <p:cNvPr id="6" name="内容占位符 5"/>
+          <p:cNvSpPr>
+            <a:spLocks noGrp="1"/>
+          </p:cNvSpPr>
+          <p:nvPr>
+            <p:ph sz="quarter" idx="4"/>
+          </p:nvPr>
+        </p:nvSpPr>
+        <p:spPr>
+          <a:xfrm>
+            <a:off x="6235750" y="1854000"/>
+            <a:ext cx="5342400" cy="4395600"/>
+          </a:xfrm>
+        </p:spPr>
+        <p:txBody>
+          <a:bodyPr vert="horz" lIns="101600" tIns="0" rIns="82550" bIns="0" rtlCol="0">
+            <a:normAutofit/>
+          </a:bodyPr>
+          <a:lstStyle/>
+          <a:p>
+            <a:pPr lvl="0"/>
+            <a:r>
+              <a:rPr lang="zh-CN" altLang="en-US"/>
+              <a:t>单击此处编辑母版文本样式</a:t>
+            </a:r>
+          </a:p>
+          <a:p>
+            <a:pPr lvl="1"/>
+            <a:r>
+              <a:rPr lang="zh-CN" altLang="en-US"/>
+              <a:t>第二级</a:t>
+            </a:r>
+          </a:p>
+          <a:p>
+            <a:pPr lvl="2"/>
+            <a:r>
+              <a:rPr lang="zh-CN" altLang="en-US"/>
+              <a:t>第三级</a:t>
+            </a:r>
+          </a:p>
+          <a:p>
+            <a:pPr lvl="3"/>
+            <a:r>
+              <a:rPr lang="zh-CN" altLang="en-US"/>
+              <a:t>第四级</a:t>
+            </a:r>
+          </a:p>
+          <a:p>
+            <a:pPr lvl="4"/>
+            <a:r>
+              <a:rPr lang="zh-CN" altLang="en-US"/>
+              <a:t>第五级</a:t>
+            </a:r>
+          </a:p>
+        </p:txBody>
+      </p:sp>
+      <p:sp>
+        <p:nvSpPr>
+          <p:cNvPr id="7" name="日期占位符 6"/>
+          <p:cNvSpPr>
+            <a:spLocks noGrp="1"/>
+          </p:cNvSpPr>
+          <p:nvPr>
+            <p:ph type="dt" sz="half" idx="10"/>
+          </p:nvPr>
+        </p:nvSpPr>
+        <p:spPr/>
+        <p:txBody>
+          <a:bodyPr/>
+          <a:lstStyle/>
+          <a:p>
+            <a:fld id="{760FBDFE-C587-4B4C-A407-44438C67B59E}" type="datetimeFigureOut">
+              <a:rPr lang="zh-CN" altLang="en-US" smtClean="0"/>
+              <a:t>2025/12/13</a:t>
+            </a:fld>
+            <a:endParaRPr lang="zh-CN" altLang="en-US"/>
+          </a:p>
+        </p:txBody>
+      </p:sp>
+      <p:sp>
+        <p:nvSpPr>
+          <p:cNvPr id="8" name="页脚占位符 7"/>
+          <p:cNvSpPr>
+            <a:spLocks noGrp="1"/>
+          </p:cNvSpPr>
+          <p:nvPr>
+            <p:ph type="ftr" sz="quarter" idx="11"/>
+          </p:nvPr>
+        </p:nvSpPr>
+        <p:spPr/>
+        <p:txBody>
+          <a:bodyPr/>
+          <a:lstStyle/>
+          <a:p>
+            <a:endParaRPr lang="zh-CN" altLang="en-US"/>
+          </a:p>
+        </p:txBody>
+      </p:sp>
+      <p:sp>
+        <p:nvSpPr>
+          <p:cNvPr id="9" name="灯片编号占位符 8"/>
+          <p:cNvSpPr>
+            <a:spLocks noGrp="1"/>
+          </p:cNvSpPr>
+          <p:nvPr>
+            <p:ph type="sldNum" sz="quarter" idx="12"/>
+          </p:nvPr>
+        </p:nvSpPr>
+        <p:spPr/>
+        <p:txBody>
+          <a:bodyPr/>
+          <a:lstStyle/>
+          <a:p>
+            <a:fld id="{49AE70B2-8BF9-45C0-BB95-33D1B9D3A854}" type="slidenum">
+              <a:rPr lang="zh-CN" altLang="en-US" smtClean="0"/>
+              <a:t>‹#›</a:t>
+            </a:fld>
+            <a:endParaRPr lang="zh-CN" altLang="en-US"/>
+          </a:p>
+        </p:txBody>
+      </p:sp>
+    </p:spTree>
+  </p:cSld>
+  <p:clrMapOvr>
+    <a:masterClrMapping/>
+  </p:clrMapOvr>
+</p:sldLayout>
+</file>
+
+<file path=ppt/slideLayouts/slideLayout7.xml><?xml version="1.0" encoding="utf-8"?>
+<p:sldLayout xmlns:a="http://schemas.openxmlformats.org/drawingml/2006/main" xmlns:r="http://schemas.openxmlformats.org/officeDocument/2006/relationships" xmlns:p="http://schemas.openxmlformats.org/presentationml/2006/main" type="titleOnly" preserve="1">
+  <p:cSld name="仅标题">
+    <p:spTree>
+      <p:nvGrpSpPr>
+        <p:cNvPr id="1" name=""/>
+        <p:cNvGrpSpPr/>
+        <p:nvPr/>
+      </p:nvGrpSpPr>
+      <p:grpSpPr>
+        <a:xfrm>
+          <a:off x="0" y="0"/>
+          <a:ext cx="0" cy="0"/>
+          <a:chOff x="0" y="0"/>
+          <a:chExt cx="0" cy="0"/>
+        </a:xfrm>
+      </p:grpSpPr>
+      <p:sp>
+        <p:nvSpPr>
+          <p:cNvPr id="2" name="标题 1"/>
+          <p:cNvSpPr>
+            <a:spLocks noGrp="1"/>
+          </p:cNvSpPr>
+          <p:nvPr>
+            <p:ph type="title"/>
+          </p:nvPr>
+        </p:nvSpPr>
+        <p:spPr>
+          <a:xfrm>
+            <a:off x="608400" y="608400"/>
+            <a:ext cx="10969200" cy="705600"/>
+          </a:xfrm>
+        </p:spPr>
+        <p:txBody>
+          <a:bodyPr vert="horz" lIns="90000" tIns="46800" rIns="90000" bIns="46800" rtlCol="0" anchor="ctr" anchorCtr="0">
+            <a:normAutofit/>
+          </a:bodyPr>
+          <a:lstStyle/>
+          <a:p>
+            <a:pPr lvl="0"/>
+            <a:r>
+              <a:rPr lang="zh-CN" altLang="en-US"/>
+              <a:t>单击此处编辑母版标题样式</a:t>
+            </a:r>
+          </a:p>
+        </p:txBody>
+      </p:sp>
+      <p:sp>
+        <p:nvSpPr>
+          <p:cNvPr id="3" name="日期占位符 2"/>
+          <p:cNvSpPr>
+            <a:spLocks noGrp="1"/>
+          </p:cNvSpPr>
+          <p:nvPr>
+            <p:ph type="dt" sz="half" idx="10"/>
+          </p:nvPr>
+        </p:nvSpPr>
+        <p:spPr/>
+        <p:txBody>
+          <a:bodyPr/>
+          <a:lstStyle/>
+          <a:p>
+            <a:fld id="{760FBDFE-C587-4B4C-A407-44438C67B59E}" type="datetimeFigureOut">
+              <a:rPr lang="zh-CN" altLang="en-US" smtClean="0"/>
+              <a:t>2025/12/13</a:t>
+            </a:fld>
+            <a:endParaRPr lang="zh-CN" altLang="en-US"/>
+          </a:p>
+        </p:txBody>
+      </p:sp>
+      <p:sp>
+        <p:nvSpPr>
+          <p:cNvPr id="4" name="页脚占位符 3"/>
+          <p:cNvSpPr>
+            <a:spLocks noGrp="1"/>
+          </p:cNvSpPr>
+          <p:nvPr>
+            <p:ph type="ftr" sz="quarter" idx="11"/>
+          </p:nvPr>
+        </p:nvSpPr>
+        <p:spPr/>
+        <p:txBody>
+          <a:bodyPr/>
+          <a:lstStyle/>
+          <a:p>
+            <a:endParaRPr lang="zh-CN" altLang="en-US"/>
+          </a:p>
+        </p:txBody>
+      </p:sp>
+      <p:sp>
+        <p:nvSpPr>
+          <p:cNvPr id="5" name="灯片编号占位符 4"/>
           <p:cNvSpPr>
             <a:spLocks noGrp="1"/>
           </p:cNvSpPr>
@@ -2930,13 +6623,13 @@
   </p:cSld>
   <p:clrMap bg1="lt1" tx1="dk1" bg2="lt2" tx2="dk2" accent1="accent1" accent2="accent2" accent3="accent3" accent4="accent4" accent5="accent5" accent6="accent6" hlink="hlink" folHlink="folHlink"/>
   <p:sldLayoutIdLst>
-    <p:sldLayoutId id="2147483649" r:id="rId1"/>
-    <p:sldLayoutId id="2147483650" r:id="rId2"/>
-    <p:sldLayoutId id="2147483651" r:id="rId3"/>
-    <p:sldLayoutId id="2147483652" r:id="rId4"/>
-    <p:sldLayoutId id="2147483653" r:id="rId5"/>
-    <p:sldLayoutId id="2147483654" r:id="rId6"/>
-    <p:sldLayoutId id="2147483655" r:id="rId7"/>
+    <p:sldLayoutId id="2147483655" r:id="rId1"/>
+    <p:sldLayoutId id="2147483649" r:id="rId2"/>
+    <p:sldLayoutId id="2147483650" r:id="rId3"/>
+    <p:sldLayoutId id="2147483651" r:id="rId4"/>
+    <p:sldLayoutId id="2147483652" r:id="rId5"/>
+    <p:sldLayoutId id="2147483653" r:id="rId6"/>
+    <p:sldLayoutId id="2147483654" r:id="rId7"/>
     <p:sldLayoutId id="2147483656" r:id="rId8"/>
     <p:sldLayoutId id="2147483657" r:id="rId9"/>
     <p:sldLayoutId id="2147483658" r:id="rId10"/>
@@ -3270,6 +6963,574 @@
 </p:sldMaster>
 </file>
 
+<file path=ppt/slideMasters/slideMaster2.xml><?xml version="1.0" encoding="utf-8"?>
+<p:sldMaster xmlns:a="http://schemas.openxmlformats.org/drawingml/2006/main" xmlns:r="http://schemas.openxmlformats.org/officeDocument/2006/relationships" xmlns:p="http://schemas.openxmlformats.org/presentationml/2006/main" preserve="1">
+  <p:cSld>
+    <p:bg>
+      <p:bgRef idx="1001">
+        <a:schemeClr val="bg1"/>
+      </p:bgRef>
+    </p:bg>
+    <p:spTree>
+      <p:nvGrpSpPr>
+        <p:cNvPr id="1" name=""/>
+        <p:cNvGrpSpPr/>
+        <p:nvPr/>
+      </p:nvGrpSpPr>
+      <p:grpSpPr>
+        <a:xfrm>
+          <a:off x="0" y="0"/>
+          <a:ext cx="0" cy="0"/>
+          <a:chOff x="0" y="0"/>
+          <a:chExt cx="0" cy="0"/>
+        </a:xfrm>
+      </p:grpSpPr>
+      <p:sp>
+        <p:nvSpPr>
+          <p:cNvPr id="2" name="标题占位符 1">
+            <a:extLst>
+              <a:ext uri="{FF2B5EF4-FFF2-40B4-BE49-F238E27FC236}">
+                <a16:creationId xmlns:a16="http://schemas.microsoft.com/office/drawing/2014/main" id="{0C4EDFE2-6908-41AE-6D35-419103179F5F}"/>
+              </a:ext>
+            </a:extLst>
+          </p:cNvPr>
+          <p:cNvSpPr>
+            <a:spLocks noGrp="1"/>
+          </p:cNvSpPr>
+          <p:nvPr>
+            <p:ph type="title"/>
+          </p:nvPr>
+        </p:nvSpPr>
+        <p:spPr>
+          <a:xfrm>
+            <a:off x="838200" y="365125"/>
+            <a:ext cx="10515600" cy="1325563"/>
+          </a:xfrm>
+          <a:prstGeom prst="rect">
+            <a:avLst/>
+          </a:prstGeom>
+        </p:spPr>
+        <p:txBody>
+          <a:bodyPr vert="horz" lIns="91440" tIns="45720" rIns="91440" bIns="45720" rtlCol="0" anchor="ctr">
+            <a:normAutofit/>
+          </a:bodyPr>
+          <a:lstStyle/>
+          <a:p>
+            <a:r>
+              <a:rPr lang="zh-CN" altLang="en-US"/>
+              <a:t>单击此处编辑母版标题样式</a:t>
+            </a:r>
+          </a:p>
+        </p:txBody>
+      </p:sp>
+      <p:sp>
+        <p:nvSpPr>
+          <p:cNvPr id="3" name="文本占位符 2">
+            <a:extLst>
+              <a:ext uri="{FF2B5EF4-FFF2-40B4-BE49-F238E27FC236}">
+                <a16:creationId xmlns:a16="http://schemas.microsoft.com/office/drawing/2014/main" id="{790B6133-36EC-7087-BF11-C1F656A66C80}"/>
+              </a:ext>
+            </a:extLst>
+          </p:cNvPr>
+          <p:cNvSpPr>
+            <a:spLocks noGrp="1"/>
+          </p:cNvSpPr>
+          <p:nvPr>
+            <p:ph type="body" idx="1"/>
+          </p:nvPr>
+        </p:nvSpPr>
+        <p:spPr>
+          <a:xfrm>
+            <a:off x="838200" y="1825625"/>
+            <a:ext cx="10515600" cy="4351338"/>
+          </a:xfrm>
+          <a:prstGeom prst="rect">
+            <a:avLst/>
+          </a:prstGeom>
+        </p:spPr>
+        <p:txBody>
+          <a:bodyPr vert="horz" lIns="91440" tIns="45720" rIns="91440" bIns="45720" rtlCol="0">
+            <a:normAutofit/>
+          </a:bodyPr>
+          <a:lstStyle/>
+          <a:p>
+            <a:pPr lvl="0"/>
+            <a:r>
+              <a:rPr lang="zh-CN" altLang="en-US"/>
+              <a:t>单击此处编辑母版文本样式</a:t>
+            </a:r>
+          </a:p>
+          <a:p>
+            <a:pPr lvl="1"/>
+            <a:r>
+              <a:rPr lang="zh-CN" altLang="en-US"/>
+              <a:t>二级</a:t>
+            </a:r>
+          </a:p>
+          <a:p>
+            <a:pPr lvl="2"/>
+            <a:r>
+              <a:rPr lang="zh-CN" altLang="en-US"/>
+              <a:t>三级</a:t>
+            </a:r>
+          </a:p>
+          <a:p>
+            <a:pPr lvl="3"/>
+            <a:r>
+              <a:rPr lang="zh-CN" altLang="en-US"/>
+              <a:t>四级</a:t>
+            </a:r>
+          </a:p>
+          <a:p>
+            <a:pPr lvl="4"/>
+            <a:r>
+              <a:rPr lang="zh-CN" altLang="en-US"/>
+              <a:t>五级</a:t>
+            </a:r>
+          </a:p>
+        </p:txBody>
+      </p:sp>
+      <p:sp>
+        <p:nvSpPr>
+          <p:cNvPr id="4" name="日期占位符 3">
+            <a:extLst>
+              <a:ext uri="{FF2B5EF4-FFF2-40B4-BE49-F238E27FC236}">
+                <a16:creationId xmlns:a16="http://schemas.microsoft.com/office/drawing/2014/main" id="{EC1AAC7C-FFFA-9124-0C4B-4C71CDCDD480}"/>
+              </a:ext>
+            </a:extLst>
+          </p:cNvPr>
+          <p:cNvSpPr>
+            <a:spLocks noGrp="1"/>
+          </p:cNvSpPr>
+          <p:nvPr>
+            <p:ph type="dt" sz="half" idx="2"/>
+          </p:nvPr>
+        </p:nvSpPr>
+        <p:spPr>
+          <a:xfrm>
+            <a:off x="838200" y="6356350"/>
+            <a:ext cx="2743200" cy="365125"/>
+          </a:xfrm>
+          <a:prstGeom prst="rect">
+            <a:avLst/>
+          </a:prstGeom>
+        </p:spPr>
+        <p:txBody>
+          <a:bodyPr vert="horz" lIns="91440" tIns="45720" rIns="91440" bIns="45720" rtlCol="0" anchor="ctr"/>
+          <a:lstStyle>
+            <a:lvl1pPr algn="l">
+              <a:defRPr sz="1200">
+                <a:solidFill>
+                  <a:schemeClr val="tx1">
+                    <a:tint val="82000"/>
+                  </a:schemeClr>
+                </a:solidFill>
+              </a:defRPr>
+            </a:lvl1pPr>
+          </a:lstStyle>
+          <a:p>
+            <a:fld id="{B1D5188F-F67D-41D8-B379-0AD3040A58D0}" type="datetimeFigureOut">
+              <a:rPr lang="zh-CN" altLang="en-US" smtClean="0"/>
+              <a:t>2025/12/13</a:t>
+            </a:fld>
+            <a:endParaRPr lang="zh-CN" altLang="en-US"/>
+          </a:p>
+        </p:txBody>
+      </p:sp>
+      <p:sp>
+        <p:nvSpPr>
+          <p:cNvPr id="5" name="页脚占位符 4">
+            <a:extLst>
+              <a:ext uri="{FF2B5EF4-FFF2-40B4-BE49-F238E27FC236}">
+                <a16:creationId xmlns:a16="http://schemas.microsoft.com/office/drawing/2014/main" id="{88674C35-67A3-A3E3-03E8-96E39A7B6888}"/>
+              </a:ext>
+            </a:extLst>
+          </p:cNvPr>
+          <p:cNvSpPr>
+            <a:spLocks noGrp="1"/>
+          </p:cNvSpPr>
+          <p:nvPr>
+            <p:ph type="ftr" sz="quarter" idx="3"/>
+          </p:nvPr>
+        </p:nvSpPr>
+        <p:spPr>
+          <a:xfrm>
+            <a:off x="4038600" y="6356350"/>
+            <a:ext cx="4114800" cy="365125"/>
+          </a:xfrm>
+          <a:prstGeom prst="rect">
+            <a:avLst/>
+          </a:prstGeom>
+        </p:spPr>
+        <p:txBody>
+          <a:bodyPr vert="horz" lIns="91440" tIns="45720" rIns="91440" bIns="45720" rtlCol="0" anchor="ctr"/>
+          <a:lstStyle>
+            <a:lvl1pPr algn="ctr">
+              <a:defRPr sz="1200">
+                <a:solidFill>
+                  <a:schemeClr val="tx1">
+                    <a:tint val="82000"/>
+                  </a:schemeClr>
+                </a:solidFill>
+              </a:defRPr>
+            </a:lvl1pPr>
+          </a:lstStyle>
+          <a:p>
+            <a:endParaRPr lang="zh-CN" altLang="en-US"/>
+          </a:p>
+        </p:txBody>
+      </p:sp>
+      <p:sp>
+        <p:nvSpPr>
+          <p:cNvPr id="6" name="灯片编号占位符 5">
+            <a:extLst>
+              <a:ext uri="{FF2B5EF4-FFF2-40B4-BE49-F238E27FC236}">
+                <a16:creationId xmlns:a16="http://schemas.microsoft.com/office/drawing/2014/main" id="{D2A630A7-8E1E-FA14-F921-8DCF1355B566}"/>
+              </a:ext>
+            </a:extLst>
+          </p:cNvPr>
+          <p:cNvSpPr>
+            <a:spLocks noGrp="1"/>
+          </p:cNvSpPr>
+          <p:nvPr>
+            <p:ph type="sldNum" sz="quarter" idx="4"/>
+          </p:nvPr>
+        </p:nvSpPr>
+        <p:spPr>
+          <a:xfrm>
+            <a:off x="8610600" y="6356350"/>
+            <a:ext cx="2743200" cy="365125"/>
+          </a:xfrm>
+          <a:prstGeom prst="rect">
+            <a:avLst/>
+          </a:prstGeom>
+        </p:spPr>
+        <p:txBody>
+          <a:bodyPr vert="horz" lIns="91440" tIns="45720" rIns="91440" bIns="45720" rtlCol="0" anchor="ctr"/>
+          <a:lstStyle>
+            <a:lvl1pPr algn="r">
+              <a:defRPr sz="1200">
+                <a:solidFill>
+                  <a:schemeClr val="tx1">
+                    <a:tint val="82000"/>
+                  </a:schemeClr>
+                </a:solidFill>
+              </a:defRPr>
+            </a:lvl1pPr>
+          </a:lstStyle>
+          <a:p>
+            <a:fld id="{1CEBDFF5-580F-46DD-91EF-5F95D7B67F18}" type="slidenum">
+              <a:rPr lang="zh-CN" altLang="en-US" smtClean="0"/>
+              <a:t>‹#›</a:t>
+            </a:fld>
+            <a:endParaRPr lang="zh-CN" altLang="en-US"/>
+          </a:p>
+        </p:txBody>
+      </p:sp>
+    </p:spTree>
+    <p:extLst>
+      <p:ext uri="{BB962C8B-B14F-4D97-AF65-F5344CB8AC3E}">
+        <p14:creationId xmlns:p14="http://schemas.microsoft.com/office/powerpoint/2010/main" val="1871499388"/>
+      </p:ext>
+    </p:extLst>
+  </p:cSld>
+  <p:clrMap bg1="lt1" tx1="dk1" bg2="lt2" tx2="dk2" accent1="accent1" accent2="accent2" accent3="accent3" accent4="accent4" accent5="accent5" accent6="accent6" hlink="hlink" folHlink="folHlink"/>
+  <p:sldLayoutIdLst>
+    <p:sldLayoutId id="2147483661" r:id="rId1"/>
+    <p:sldLayoutId id="2147483662" r:id="rId2"/>
+    <p:sldLayoutId id="2147483663" r:id="rId3"/>
+    <p:sldLayoutId id="2147483664" r:id="rId4"/>
+    <p:sldLayoutId id="2147483665" r:id="rId5"/>
+    <p:sldLayoutId id="2147483666" r:id="rId6"/>
+    <p:sldLayoutId id="2147483667" r:id="rId7"/>
+    <p:sldLayoutId id="2147483668" r:id="rId8"/>
+    <p:sldLayoutId id="2147483669" r:id="rId9"/>
+    <p:sldLayoutId id="2147483670" r:id="rId10"/>
+    <p:sldLayoutId id="2147483671" r:id="rId11"/>
+  </p:sldLayoutIdLst>
+  <p:txStyles>
+    <p:titleStyle>
+      <a:lvl1pPr algn="l" defTabSz="914400" rtl="0" eaLnBrk="1" latinLnBrk="0" hangingPunct="1">
+        <a:lnSpc>
+          <a:spcPct val="90000"/>
+        </a:lnSpc>
+        <a:spcBef>
+          <a:spcPct val="0"/>
+        </a:spcBef>
+        <a:buNone/>
+        <a:defRPr sz="4400" kern="1200">
+          <a:solidFill>
+            <a:schemeClr val="tx1"/>
+          </a:solidFill>
+          <a:latin typeface="+mj-lt"/>
+          <a:ea typeface="+mj-ea"/>
+          <a:cs typeface="+mj-cs"/>
+        </a:defRPr>
+      </a:lvl1pPr>
+    </p:titleStyle>
+    <p:bodyStyle>
+      <a:lvl1pPr marL="228600" indent="-228600" algn="l" defTabSz="914400" rtl="0" eaLnBrk="1" latinLnBrk="0" hangingPunct="1">
+        <a:lnSpc>
+          <a:spcPct val="90000"/>
+        </a:lnSpc>
+        <a:spcBef>
+          <a:spcPts val="1000"/>
+        </a:spcBef>
+        <a:buFont typeface="Arial" panose="020B0604020202020204" pitchFamily="34" charset="0"/>
+        <a:buChar char="•"/>
+        <a:defRPr sz="2800" kern="1200">
+          <a:solidFill>
+            <a:schemeClr val="tx1"/>
+          </a:solidFill>
+          <a:latin typeface="+mn-lt"/>
+          <a:ea typeface="+mn-ea"/>
+          <a:cs typeface="+mn-cs"/>
+        </a:defRPr>
+      </a:lvl1pPr>
+      <a:lvl2pPr marL="685800" indent="-228600" algn="l" defTabSz="914400" rtl="0" eaLnBrk="1" latinLnBrk="0" hangingPunct="1">
+        <a:lnSpc>
+          <a:spcPct val="90000"/>
+        </a:lnSpc>
+        <a:spcBef>
+          <a:spcPts val="500"/>
+        </a:spcBef>
+        <a:buFont typeface="Arial" panose="020B0604020202020204" pitchFamily="34" charset="0"/>
+        <a:buChar char="•"/>
+        <a:defRPr sz="2400" kern="1200">
+          <a:solidFill>
+            <a:schemeClr val="tx1"/>
+          </a:solidFill>
+          <a:latin typeface="+mn-lt"/>
+          <a:ea typeface="+mn-ea"/>
+          <a:cs typeface="+mn-cs"/>
+        </a:defRPr>
+      </a:lvl2pPr>
+      <a:lvl3pPr marL="1143000" indent="-228600" algn="l" defTabSz="914400" rtl="0" eaLnBrk="1" latinLnBrk="0" hangingPunct="1">
+        <a:lnSpc>
+          <a:spcPct val="90000"/>
+        </a:lnSpc>
+        <a:spcBef>
+          <a:spcPts val="500"/>
+        </a:spcBef>
+        <a:buFont typeface="Arial" panose="020B0604020202020204" pitchFamily="34" charset="0"/>
+        <a:buChar char="•"/>
+        <a:defRPr sz="2000" kern="1200">
+          <a:solidFill>
+            <a:schemeClr val="tx1"/>
+          </a:solidFill>
+          <a:latin typeface="+mn-lt"/>
+          <a:ea typeface="+mn-ea"/>
+          <a:cs typeface="+mn-cs"/>
+        </a:defRPr>
+      </a:lvl3pPr>
+      <a:lvl4pPr marL="1600200" indent="-228600" algn="l" defTabSz="914400" rtl="0" eaLnBrk="1" latinLnBrk="0" hangingPunct="1">
+        <a:lnSpc>
+          <a:spcPct val="90000"/>
+        </a:lnSpc>
+        <a:spcBef>
+          <a:spcPts val="500"/>
+        </a:spcBef>
+        <a:buFont typeface="Arial" panose="020B0604020202020204" pitchFamily="34" charset="0"/>
+        <a:buChar char="•"/>
+        <a:defRPr sz="1800" kern="1200">
+          <a:solidFill>
+            <a:schemeClr val="tx1"/>
+          </a:solidFill>
+          <a:latin typeface="+mn-lt"/>
+          <a:ea typeface="+mn-ea"/>
+          <a:cs typeface="+mn-cs"/>
+        </a:defRPr>
+      </a:lvl4pPr>
+      <a:lvl5pPr marL="2057400" indent="-228600" algn="l" defTabSz="914400" rtl="0" eaLnBrk="1" latinLnBrk="0" hangingPunct="1">
+        <a:lnSpc>
+          <a:spcPct val="90000"/>
+        </a:lnSpc>
+        <a:spcBef>
+          <a:spcPts val="500"/>
+        </a:spcBef>
+        <a:buFont typeface="Arial" panose="020B0604020202020204" pitchFamily="34" charset="0"/>
+        <a:buChar char="•"/>
+        <a:defRPr sz="1800" kern="1200">
+          <a:solidFill>
+            <a:schemeClr val="tx1"/>
+          </a:solidFill>
+          <a:latin typeface="+mn-lt"/>
+          <a:ea typeface="+mn-ea"/>
+          <a:cs typeface="+mn-cs"/>
+        </a:defRPr>
+      </a:lvl5pPr>
+      <a:lvl6pPr marL="2514600" indent="-228600" algn="l" defTabSz="914400" rtl="0" eaLnBrk="1" latinLnBrk="0" hangingPunct="1">
+        <a:lnSpc>
+          <a:spcPct val="90000"/>
+        </a:lnSpc>
+        <a:spcBef>
+          <a:spcPts val="500"/>
+        </a:spcBef>
+        <a:buFont typeface="Arial" panose="020B0604020202020204" pitchFamily="34" charset="0"/>
+        <a:buChar char="•"/>
+        <a:defRPr sz="1800" kern="1200">
+          <a:solidFill>
+            <a:schemeClr val="tx1"/>
+          </a:solidFill>
+          <a:latin typeface="+mn-lt"/>
+          <a:ea typeface="+mn-ea"/>
+          <a:cs typeface="+mn-cs"/>
+        </a:defRPr>
+      </a:lvl6pPr>
+      <a:lvl7pPr marL="2971800" indent="-228600" algn="l" defTabSz="914400" rtl="0" eaLnBrk="1" latinLnBrk="0" hangingPunct="1">
+        <a:lnSpc>
+          <a:spcPct val="90000"/>
+        </a:lnSpc>
+        <a:spcBef>
+          <a:spcPts val="500"/>
+        </a:spcBef>
+        <a:buFont typeface="Arial" panose="020B0604020202020204" pitchFamily="34" charset="0"/>
+        <a:buChar char="•"/>
+        <a:defRPr sz="1800" kern="1200">
+          <a:solidFill>
+            <a:schemeClr val="tx1"/>
+          </a:solidFill>
+          <a:latin typeface="+mn-lt"/>
+          <a:ea typeface="+mn-ea"/>
+          <a:cs typeface="+mn-cs"/>
+        </a:defRPr>
+      </a:lvl7pPr>
+      <a:lvl8pPr marL="3429000" indent="-228600" algn="l" defTabSz="914400" rtl="0" eaLnBrk="1" latinLnBrk="0" hangingPunct="1">
+        <a:lnSpc>
+          <a:spcPct val="90000"/>
+        </a:lnSpc>
+        <a:spcBef>
+          <a:spcPts val="500"/>
+        </a:spcBef>
+        <a:buFont typeface="Arial" panose="020B0604020202020204" pitchFamily="34" charset="0"/>
+        <a:buChar char="•"/>
+        <a:defRPr sz="1800" kern="1200">
+          <a:solidFill>
+            <a:schemeClr val="tx1"/>
+          </a:solidFill>
+          <a:latin typeface="+mn-lt"/>
+          <a:ea typeface="+mn-ea"/>
+          <a:cs typeface="+mn-cs"/>
+        </a:defRPr>
+      </a:lvl8pPr>
+      <a:lvl9pPr marL="3886200" indent="-228600" algn="l" defTabSz="914400" rtl="0" eaLnBrk="1" latinLnBrk="0" hangingPunct="1">
+        <a:lnSpc>
+          <a:spcPct val="90000"/>
+        </a:lnSpc>
+        <a:spcBef>
+          <a:spcPts val="500"/>
+        </a:spcBef>
+        <a:buFont typeface="Arial" panose="020B0604020202020204" pitchFamily="34" charset="0"/>
+        <a:buChar char="•"/>
+        <a:defRPr sz="1800" kern="1200">
+          <a:solidFill>
+            <a:schemeClr val="tx1"/>
+          </a:solidFill>
+          <a:latin typeface="+mn-lt"/>
+          <a:ea typeface="+mn-ea"/>
+          <a:cs typeface="+mn-cs"/>
+        </a:defRPr>
+      </a:lvl9pPr>
+    </p:bodyStyle>
+    <p:otherStyle>
+      <a:defPPr>
+        <a:defRPr lang="zh-CN"/>
+      </a:defPPr>
+      <a:lvl1pPr marL="0" algn="l" defTabSz="914400" rtl="0" eaLnBrk="1" latinLnBrk="0" hangingPunct="1">
+        <a:defRPr sz="1800" kern="1200">
+          <a:solidFill>
+            <a:schemeClr val="tx1"/>
+          </a:solidFill>
+          <a:latin typeface="+mn-lt"/>
+          <a:ea typeface="+mn-ea"/>
+          <a:cs typeface="+mn-cs"/>
+        </a:defRPr>
+      </a:lvl1pPr>
+      <a:lvl2pPr marL="457200" algn="l" defTabSz="914400" rtl="0" eaLnBrk="1" latinLnBrk="0" hangingPunct="1">
+        <a:defRPr sz="1800" kern="1200">
+          <a:solidFill>
+            <a:schemeClr val="tx1"/>
+          </a:solidFill>
+          <a:latin typeface="+mn-lt"/>
+          <a:ea typeface="+mn-ea"/>
+          <a:cs typeface="+mn-cs"/>
+        </a:defRPr>
+      </a:lvl2pPr>
+      <a:lvl3pPr marL="914400" algn="l" defTabSz="914400" rtl="0" eaLnBrk="1" latinLnBrk="0" hangingPunct="1">
+        <a:defRPr sz="1800" kern="1200">
+          <a:solidFill>
+            <a:schemeClr val="tx1"/>
+          </a:solidFill>
+          <a:latin typeface="+mn-lt"/>
+          <a:ea typeface="+mn-ea"/>
+          <a:cs typeface="+mn-cs"/>
+        </a:defRPr>
+      </a:lvl3pPr>
+      <a:lvl4pPr marL="1371600" algn="l" defTabSz="914400" rtl="0" eaLnBrk="1" latinLnBrk="0" hangingPunct="1">
+        <a:defRPr sz="1800" kern="1200">
+          <a:solidFill>
+            <a:schemeClr val="tx1"/>
+          </a:solidFill>
+          <a:latin typeface="+mn-lt"/>
+          <a:ea typeface="+mn-ea"/>
+          <a:cs typeface="+mn-cs"/>
+        </a:defRPr>
+      </a:lvl4pPr>
+      <a:lvl5pPr marL="1828800" algn="l" defTabSz="914400" rtl="0" eaLnBrk="1" latinLnBrk="0" hangingPunct="1">
+        <a:defRPr sz="1800" kern="1200">
+          <a:solidFill>
+            <a:schemeClr val="tx1"/>
+          </a:solidFill>
+          <a:latin typeface="+mn-lt"/>
+          <a:ea typeface="+mn-ea"/>
+          <a:cs typeface="+mn-cs"/>
+        </a:defRPr>
+      </a:lvl5pPr>
+      <a:lvl6pPr marL="2286000" algn="l" defTabSz="914400" rtl="0" eaLnBrk="1" latinLnBrk="0" hangingPunct="1">
+        <a:defRPr sz="1800" kern="1200">
+          <a:solidFill>
+            <a:schemeClr val="tx1"/>
+          </a:solidFill>
+          <a:latin typeface="+mn-lt"/>
+          <a:ea typeface="+mn-ea"/>
+          <a:cs typeface="+mn-cs"/>
+        </a:defRPr>
+      </a:lvl6pPr>
+      <a:lvl7pPr marL="2743200" algn="l" defTabSz="914400" rtl="0" eaLnBrk="1" latinLnBrk="0" hangingPunct="1">
+        <a:defRPr sz="1800" kern="1200">
+          <a:solidFill>
+            <a:schemeClr val="tx1"/>
+          </a:solidFill>
+          <a:latin typeface="+mn-lt"/>
+          <a:ea typeface="+mn-ea"/>
+          <a:cs typeface="+mn-cs"/>
+        </a:defRPr>
+      </a:lvl7pPr>
+      <a:lvl8pPr marL="3200400" algn="l" defTabSz="914400" rtl="0" eaLnBrk="1" latinLnBrk="0" hangingPunct="1">
+        <a:defRPr sz="1800" kern="1200">
+          <a:solidFill>
+            <a:schemeClr val="tx1"/>
+          </a:solidFill>
+          <a:latin typeface="+mn-lt"/>
+          <a:ea typeface="+mn-ea"/>
+          <a:cs typeface="+mn-cs"/>
+        </a:defRPr>
+      </a:lvl8pPr>
+      <a:lvl9pPr marL="3657600" algn="l" defTabSz="914400" rtl="0" eaLnBrk="1" latinLnBrk="0" hangingPunct="1">
+        <a:defRPr sz="1800" kern="1200">
+          <a:solidFill>
+            <a:schemeClr val="tx1"/>
+          </a:solidFill>
+          <a:latin typeface="+mn-lt"/>
+          <a:ea typeface="+mn-ea"/>
+          <a:cs typeface="+mn-cs"/>
+        </a:defRPr>
+      </a:lvl9pPr>
+    </p:otherStyle>
+  </p:txStyles>
+</p:sldMaster>
+</file>
+
 <file path=ppt/slides/slide1.xml><?xml version="1.0" encoding="utf-8"?>
 <p:sld xmlns:a="http://schemas.openxmlformats.org/drawingml/2006/main" xmlns:r="http://schemas.openxmlformats.org/officeDocument/2006/relationships" xmlns:p="http://schemas.openxmlformats.org/presentationml/2006/main">
   <p:cSld>
@@ -3289,118 +7550,13 @@
       </p:grpSpPr>
       <p:sp>
         <p:nvSpPr>
-          <p:cNvPr id="5" name="圆角矩形 4"/>
-          <p:cNvSpPr/>
-          <p:nvPr/>
-        </p:nvSpPr>
-        <p:spPr bwMode="auto">
-          <a:xfrm>
-            <a:off x="563245" y="2821940"/>
-            <a:ext cx="3771900" cy="3888105"/>
-          </a:xfrm>
-          <a:prstGeom prst="roundRect">
-            <a:avLst>
-              <a:gd name="adj" fmla="val 3492"/>
-            </a:avLst>
-          </a:prstGeom>
-          <a:noFill/>
-          <a:ln>
-            <a:solidFill>
-              <a:srgbClr val="C00000"/>
-            </a:solidFill>
-          </a:ln>
-        </p:spPr>
-        <p:style>
-          <a:lnRef idx="2">
-            <a:schemeClr val="accent1">
-              <a:shade val="50000"/>
-            </a:schemeClr>
-          </a:lnRef>
-          <a:fillRef idx="1">
-            <a:schemeClr val="accent1"/>
-          </a:fillRef>
-          <a:effectRef idx="0">
-            <a:schemeClr val="accent1"/>
-          </a:effectRef>
-          <a:fontRef idx="minor">
-            <a:schemeClr val="lt1"/>
-          </a:fontRef>
-        </p:style>
-        <p:txBody>
-          <a:bodyPr rtlCol="0" anchor="ctr"/>
-          <a:lstStyle/>
-          <a:p>
-            <a:pPr algn="ctr"/>
-            <a:endParaRPr lang="zh-CN" altLang="en-US">
-              <a:latin typeface="JingDongLangZhengTi Semilight" panose="02000500000000000000" pitchFamily="2" charset="-122"/>
-              <a:ea typeface="JingDongLangZhengTi Semilight" panose="02000500000000000000" pitchFamily="2" charset="-122"/>
-            </a:endParaRPr>
-          </a:p>
-        </p:txBody>
-      </p:sp>
-      <p:sp>
-        <p:nvSpPr>
-          <p:cNvPr id="6" name="圆角矩形 5"/>
-          <p:cNvSpPr/>
-          <p:nvPr/>
-        </p:nvSpPr>
-        <p:spPr bwMode="auto">
-          <a:xfrm>
-            <a:off x="163830" y="2796540"/>
-            <a:ext cx="348615" cy="3913505"/>
-          </a:xfrm>
-          <a:prstGeom prst="roundRect">
-            <a:avLst>
-              <a:gd name="adj" fmla="val 16667"/>
-            </a:avLst>
-          </a:prstGeom>
-          <a:solidFill>
-            <a:srgbClr val="C00000"/>
-          </a:solidFill>
-          <a:ln>
-            <a:noFill/>
-          </a:ln>
-        </p:spPr>
-        <p:style>
-          <a:lnRef idx="2">
-            <a:schemeClr val="accent1">
-              <a:shade val="50000"/>
-            </a:schemeClr>
-          </a:lnRef>
-          <a:fillRef idx="1">
-            <a:schemeClr val="accent1"/>
-          </a:fillRef>
-          <a:effectRef idx="0">
-            <a:schemeClr val="accent1"/>
-          </a:effectRef>
-          <a:fontRef idx="minor">
-            <a:schemeClr val="lt1"/>
-          </a:fontRef>
-        </p:style>
-        <p:txBody>
-          <a:bodyPr rtlCol="0" anchor="ctr"/>
-          <a:lstStyle/>
-          <a:p>
-            <a:pPr algn="ctr"/>
-            <a:r>
-              <a:rPr lang="zh-CN">
-                <a:latin typeface="JingDongLangZhengTi Semilight" panose="02000500000000000000" pitchFamily="2" charset="-122"/>
-                <a:ea typeface="JingDongLangZhengTi Semilight" panose="02000500000000000000" pitchFamily="2" charset="-122"/>
-              </a:rPr>
-              <a:t>核心卖点</a:t>
-            </a:r>
-          </a:p>
-        </p:txBody>
-      </p:sp>
-      <p:sp>
-        <p:nvSpPr>
           <p:cNvPr id="18" name="文本框 17"/>
           <p:cNvSpPr/>
           <p:nvPr/>
         </p:nvSpPr>
         <p:spPr bwMode="auto">
           <a:xfrm>
-            <a:off x="8377385" y="3114308"/>
+            <a:off x="8330606" y="3149095"/>
             <a:ext cx="3626316" cy="1563761"/>
           </a:xfrm>
           <a:prstGeom prst="rect">
@@ -3481,151 +7637,6 @@
       </p:sp>
       <p:sp>
         <p:nvSpPr>
-          <p:cNvPr id="3" name="圆角矩形 2"/>
-          <p:cNvSpPr/>
-          <p:nvPr/>
-        </p:nvSpPr>
-        <p:spPr bwMode="auto">
-          <a:xfrm>
-            <a:off x="202563" y="115888"/>
-            <a:ext cx="5890302" cy="2462212"/>
-          </a:xfrm>
-          <a:prstGeom prst="roundRect">
-            <a:avLst>
-              <a:gd name="adj" fmla="val 3492"/>
-            </a:avLst>
-          </a:prstGeom>
-          <a:noFill/>
-          <a:ln w="12700" cap="flat" cmpd="sng" algn="ctr">
-            <a:solidFill>
-              <a:srgbClr val="C00000"/>
-            </a:solidFill>
-            <a:prstDash val="solid"/>
-            <a:miter lim="800000"/>
-          </a:ln>
-        </p:spPr>
-        <p:style>
-          <a:lnRef idx="2">
-            <a:schemeClr val="accent1">
-              <a:shade val="50000"/>
-            </a:schemeClr>
-          </a:lnRef>
-          <a:fillRef idx="1">
-            <a:schemeClr val="accent1"/>
-          </a:fillRef>
-          <a:effectRef idx="0">
-            <a:schemeClr val="accent1"/>
-          </a:effectRef>
-          <a:fontRef idx="minor">
-            <a:schemeClr val="lt1"/>
-          </a:fontRef>
-        </p:style>
-        <p:txBody>
-          <a:bodyPr rtlCol="0" anchor="ctr"/>
-          <a:lstStyle/>
-          <a:p>
-            <a:pPr marL="0" marR="0" indent="0" algn="ctr" defTabSz="914400" rtl="0">
-              <a:lnSpc>
-                <a:spcPct val="100000"/>
-              </a:lnSpc>
-              <a:spcBef>
-                <a:spcPts val="0"/>
-              </a:spcBef>
-              <a:spcAft>
-                <a:spcPts val="0"/>
-              </a:spcAft>
-              <a:defRPr lang="zh-CN" sz="1800" b="0" i="0" u="none" strike="noStrike" cap="none" spc="0">
-                <a:solidFill>
-                  <a:srgbClr val="FFFFFF"/>
-                </a:solidFill>
-                <a:latin typeface="Arial" panose="020B0604020202020204"/>
-                <a:ea typeface="微软雅黑" panose="020B0503020204020204" charset="-122"/>
-                <a:cs typeface="Arial" panose="020B0604020202020204"/>
-              </a:defRPr>
-            </a:pPr>
-            <a:endParaRPr lang="zh-CN">
-              <a:latin typeface="JingDongLangZhengTi Semilight" panose="02000500000000000000" pitchFamily="2" charset="-122"/>
-              <a:ea typeface="JingDongLangZhengTi Semilight" panose="02000500000000000000" pitchFamily="2" charset="-122"/>
-            </a:endParaRPr>
-          </a:p>
-        </p:txBody>
-      </p:sp>
-      <p:sp>
-        <p:nvSpPr>
-          <p:cNvPr id="2" name="圆角矩形 1"/>
-          <p:cNvSpPr/>
-          <p:nvPr/>
-        </p:nvSpPr>
-        <p:spPr bwMode="auto">
-          <a:xfrm>
-            <a:off x="169544" y="111758"/>
-            <a:ext cx="348615" cy="2456817"/>
-          </a:xfrm>
-          <a:prstGeom prst="roundRect">
-            <a:avLst>
-              <a:gd name="adj" fmla="val 16667"/>
-            </a:avLst>
-          </a:prstGeom>
-          <a:solidFill>
-            <a:srgbClr val="C00000"/>
-          </a:solidFill>
-          <a:ln w="12700" cap="flat" cmpd="sng" algn="ctr">
-            <a:noFill/>
-            <a:prstDash val="solid"/>
-            <a:miter lim="800000"/>
-          </a:ln>
-        </p:spPr>
-        <p:style>
-          <a:lnRef idx="2">
-            <a:schemeClr val="accent1">
-              <a:shade val="50000"/>
-            </a:schemeClr>
-          </a:lnRef>
-          <a:fillRef idx="1">
-            <a:schemeClr val="accent1"/>
-          </a:fillRef>
-          <a:effectRef idx="0">
-            <a:schemeClr val="accent1"/>
-          </a:effectRef>
-          <a:fontRef idx="minor">
-            <a:schemeClr val="lt1"/>
-          </a:fontRef>
-        </p:style>
-        <p:txBody>
-          <a:bodyPr rtlCol="0" anchor="ctr"/>
-          <a:lstStyle/>
-          <a:p>
-            <a:pPr marL="0" marR="0" indent="0" algn="ctr" defTabSz="914400" rtl="0">
-              <a:lnSpc>
-                <a:spcPct val="100000"/>
-              </a:lnSpc>
-              <a:spcBef>
-                <a:spcPts val="0"/>
-              </a:spcBef>
-              <a:spcAft>
-                <a:spcPts val="0"/>
-              </a:spcAft>
-              <a:defRPr lang="zh-CN" sz="1800" b="0" i="0" u="none" strike="noStrike" cap="none" spc="0">
-                <a:solidFill>
-                  <a:srgbClr val="FFFFFF"/>
-                </a:solidFill>
-                <a:latin typeface="Arial" panose="020B0604020202020204"/>
-                <a:ea typeface="微软雅黑" panose="020B0503020204020204" charset="-122"/>
-                <a:cs typeface="Arial" panose="020B0604020202020204"/>
-              </a:defRPr>
-            </a:pPr>
-            <a:r>
-              <a:rPr lang="zh-CN">
-                <a:latin typeface="JingDongLangZhengTi Semilight" panose="02000500000000000000" pitchFamily="2" charset="-122"/>
-                <a:ea typeface="JingDongLangZhengTi Semilight" panose="02000500000000000000" pitchFamily="2" charset="-122"/>
-              </a:rPr>
-              <a:t>基础信息</a:t>
-            </a:r>
-          </a:p>
-        </p:txBody>
-      </p:sp>
-      <p:sp>
-        <p:nvSpPr>
           <p:cNvPr id="13" name="product_name"/>
           <p:cNvSpPr/>
           <p:nvPr/>
@@ -3686,57 +7697,6 @@
                 <a:sym typeface="+mn-ea"/>
               </a:rPr>
               <a:t>】</a:t>
-            </a:r>
-          </a:p>
-        </p:txBody>
-      </p:sp>
-      <p:sp>
-        <p:nvSpPr>
-          <p:cNvPr id="16" name="文本框 15"/>
-          <p:cNvSpPr/>
-          <p:nvPr/>
-        </p:nvSpPr>
-        <p:spPr bwMode="auto">
-          <a:xfrm>
-            <a:off x="507364" y="159384"/>
-            <a:ext cx="1107996" cy="369332"/>
-          </a:xfrm>
-          <a:prstGeom prst="rect">
-            <a:avLst/>
-          </a:prstGeom>
-          <a:noFill/>
-        </p:spPr>
-        <p:txBody>
-          <a:bodyPr wrap="none" rtlCol="0">
-            <a:spAutoFit/>
-          </a:bodyPr>
-          <a:lstStyle/>
-          <a:p>
-            <a:pPr marL="0" marR="0" indent="0" algn="l" defTabSz="914400" rtl="0">
-              <a:lnSpc>
-                <a:spcPct val="100000"/>
-              </a:lnSpc>
-              <a:spcBef>
-                <a:spcPts val="0"/>
-              </a:spcBef>
-              <a:spcAft>
-                <a:spcPts val="0"/>
-              </a:spcAft>
-              <a:defRPr lang="zh-CN" sz="1800" b="0" i="0" u="none" strike="noStrike" cap="none" spc="0">
-                <a:solidFill>
-                  <a:srgbClr val="000000"/>
-                </a:solidFill>
-                <a:latin typeface="Arial" panose="020B0604020202020204"/>
-                <a:ea typeface="微软雅黑" panose="020B0503020204020204" charset="-122"/>
-                <a:cs typeface="Arial" panose="020B0604020202020204"/>
-              </a:defRPr>
-            </a:pPr>
-            <a:r>
-              <a:rPr lang="zh-CN">
-                <a:latin typeface="JingDongLangZhengTi Semilight" panose="02000500000000000000" pitchFamily="2" charset="-122"/>
-                <a:ea typeface="JingDongLangZhengTi Semilight" panose="02000500000000000000" pitchFamily="2" charset="-122"/>
-              </a:rPr>
-              <a:t>商品图片</a:t>
             </a:r>
           </a:p>
         </p:txBody>
@@ -3850,151 +7810,6 @@
       </p:sp>
       <p:sp>
         <p:nvSpPr>
-          <p:cNvPr id="165" name="圆角矩形 4"/>
-          <p:cNvSpPr/>
-          <p:nvPr/>
-        </p:nvSpPr>
-        <p:spPr bwMode="auto">
-          <a:xfrm>
-            <a:off x="6290903" y="115888"/>
-            <a:ext cx="5735997" cy="2462212"/>
-          </a:xfrm>
-          <a:prstGeom prst="roundRect">
-            <a:avLst>
-              <a:gd name="adj" fmla="val 3492"/>
-            </a:avLst>
-          </a:prstGeom>
-          <a:noFill/>
-          <a:ln w="12700" cap="flat" cmpd="sng" algn="ctr">
-            <a:solidFill>
-              <a:srgbClr val="C00000"/>
-            </a:solidFill>
-            <a:prstDash val="solid"/>
-            <a:miter lim="800000"/>
-          </a:ln>
-        </p:spPr>
-        <p:style>
-          <a:lnRef idx="2">
-            <a:schemeClr val="accent1">
-              <a:shade val="50000"/>
-            </a:schemeClr>
-          </a:lnRef>
-          <a:fillRef idx="1">
-            <a:schemeClr val="accent1"/>
-          </a:fillRef>
-          <a:effectRef idx="0">
-            <a:schemeClr val="accent1"/>
-          </a:effectRef>
-          <a:fontRef idx="minor">
-            <a:schemeClr val="lt1"/>
-          </a:fontRef>
-        </p:style>
-        <p:txBody>
-          <a:bodyPr rtlCol="0" anchor="ctr"/>
-          <a:lstStyle/>
-          <a:p>
-            <a:pPr marL="0" marR="0" indent="0" algn="ctr" defTabSz="914400" rtl="0">
-              <a:lnSpc>
-                <a:spcPct val="100000"/>
-              </a:lnSpc>
-              <a:spcBef>
-                <a:spcPts val="0"/>
-              </a:spcBef>
-              <a:spcAft>
-                <a:spcPts val="0"/>
-              </a:spcAft>
-              <a:defRPr lang="zh-CN" sz="1800" b="0" i="0" u="none" strike="noStrike" cap="none" spc="0">
-                <a:solidFill>
-                  <a:srgbClr val="FFFFFF"/>
-                </a:solidFill>
-                <a:latin typeface="Arial" panose="020B0604020202020204"/>
-                <a:ea typeface="微软雅黑" panose="020B0503020204020204" charset="-122"/>
-                <a:cs typeface="Arial" panose="020B0604020202020204"/>
-              </a:defRPr>
-            </a:pPr>
-            <a:endParaRPr lang="zh-CN">
-              <a:latin typeface="JingDongLangZhengTi Semilight"/>
-              <a:ea typeface="JingDongLangZhengTi Semilight"/>
-            </a:endParaRPr>
-          </a:p>
-        </p:txBody>
-      </p:sp>
-      <p:sp>
-        <p:nvSpPr>
-          <p:cNvPr id="166" name="圆角矩形 5"/>
-          <p:cNvSpPr/>
-          <p:nvPr/>
-        </p:nvSpPr>
-        <p:spPr bwMode="auto">
-          <a:xfrm>
-            <a:off x="6295983" y="115888"/>
-            <a:ext cx="348615" cy="2462212"/>
-          </a:xfrm>
-          <a:prstGeom prst="roundRect">
-            <a:avLst>
-              <a:gd name="adj" fmla="val 16667"/>
-            </a:avLst>
-          </a:prstGeom>
-          <a:solidFill>
-            <a:srgbClr val="C00000"/>
-          </a:solidFill>
-          <a:ln w="12700" cap="flat" cmpd="sng" algn="ctr">
-            <a:noFill/>
-            <a:prstDash val="solid"/>
-            <a:miter lim="800000"/>
-          </a:ln>
-        </p:spPr>
-        <p:style>
-          <a:lnRef idx="2">
-            <a:schemeClr val="accent1">
-              <a:shade val="50000"/>
-            </a:schemeClr>
-          </a:lnRef>
-          <a:fillRef idx="1">
-            <a:schemeClr val="accent1"/>
-          </a:fillRef>
-          <a:effectRef idx="0">
-            <a:schemeClr val="accent1"/>
-          </a:effectRef>
-          <a:fontRef idx="minor">
-            <a:schemeClr val="lt1"/>
-          </a:fontRef>
-        </p:style>
-        <p:txBody>
-          <a:bodyPr rtlCol="0" anchor="ctr"/>
-          <a:lstStyle/>
-          <a:p>
-            <a:pPr marL="0" marR="0" indent="0" algn="ctr" defTabSz="914400" rtl="0">
-              <a:lnSpc>
-                <a:spcPct val="100000"/>
-              </a:lnSpc>
-              <a:spcBef>
-                <a:spcPts val="0"/>
-              </a:spcBef>
-              <a:spcAft>
-                <a:spcPts val="0"/>
-              </a:spcAft>
-              <a:defRPr lang="zh-CN" sz="1800" b="0" i="0" u="none" strike="noStrike" cap="none" spc="0">
-                <a:solidFill>
-                  <a:srgbClr val="FFFFFF"/>
-                </a:solidFill>
-                <a:latin typeface="Arial" panose="020B0604020202020204"/>
-                <a:ea typeface="微软雅黑" panose="020B0503020204020204" charset="-122"/>
-                <a:cs typeface="Arial" panose="020B0604020202020204"/>
-              </a:defRPr>
-            </a:pPr>
-            <a:r>
-              <a:rPr lang="zh-CN">
-                <a:latin typeface="JingDongLangZhengTi Semilight"/>
-                <a:ea typeface="JingDongLangZhengTi Semilight"/>
-              </a:rPr>
-              <a:t>到手价</a:t>
-            </a:r>
-          </a:p>
-        </p:txBody>
-      </p:sp>
-      <p:sp>
-        <p:nvSpPr>
           <p:cNvPr id="167" name="price_live"/>
           <p:cNvSpPr/>
           <p:nvPr/>
@@ -4088,193 +7903,13 @@
       </p:sp>
       <p:sp>
         <p:nvSpPr>
-          <p:cNvPr id="22" name="圆角矩形 5"/>
-          <p:cNvSpPr/>
-          <p:nvPr/>
-        </p:nvSpPr>
-        <p:spPr bwMode="auto">
-          <a:xfrm>
-            <a:off x="8246702" y="2823434"/>
-            <a:ext cx="1194987" cy="293595"/>
-          </a:xfrm>
-          <a:prstGeom prst="roundRect">
-            <a:avLst>
-              <a:gd name="adj" fmla="val 16667"/>
-            </a:avLst>
-          </a:prstGeom>
-          <a:solidFill>
-            <a:srgbClr val="C00000"/>
-          </a:solidFill>
-          <a:ln w="12700" cap="flat" cmpd="sng" algn="ctr">
-            <a:noFill/>
-            <a:prstDash val="solid"/>
-            <a:miter lim="800000"/>
-          </a:ln>
-        </p:spPr>
-        <p:style>
-          <a:lnRef idx="2">
-            <a:schemeClr val="accent1">
-              <a:shade val="50000"/>
-            </a:schemeClr>
-          </a:lnRef>
-          <a:fillRef idx="1">
-            <a:schemeClr val="accent1"/>
-          </a:fillRef>
-          <a:effectRef idx="0">
-            <a:schemeClr val="accent1"/>
-          </a:effectRef>
-          <a:fontRef idx="minor">
-            <a:schemeClr val="lt1"/>
-          </a:fontRef>
-        </p:style>
-        <p:txBody>
-          <a:bodyPr rtlCol="0" anchor="ctr"/>
-          <a:lstStyle/>
-          <a:p>
-            <a:pPr marL="0" marR="0" indent="0" algn="ctr" defTabSz="914400" rtl="0">
-              <a:lnSpc>
-                <a:spcPct val="100000"/>
-              </a:lnSpc>
-              <a:spcBef>
-                <a:spcPts val="0"/>
-              </a:spcBef>
-              <a:spcAft>
-                <a:spcPts val="0"/>
-              </a:spcAft>
-              <a:defRPr lang="zh-CN" sz="1800" b="0" i="0" u="none" strike="noStrike" cap="none" spc="0">
-                <a:solidFill>
-                  <a:srgbClr val="FFFFFF"/>
-                </a:solidFill>
-                <a:latin typeface="Arial" panose="020B0604020202020204"/>
-                <a:ea typeface="微软雅黑" panose="020B0503020204020204" charset="-122"/>
-                <a:cs typeface="Arial" panose="020B0604020202020204"/>
-              </a:defRPr>
-            </a:pPr>
-            <a:r>
-              <a:rPr lang="zh-CN" altLang="en-US" sz="1600" dirty="0">
-                <a:latin typeface="JingDongLangZhengTi Semilight" panose="02000500000000000000" pitchFamily="2" charset="-122"/>
-                <a:ea typeface="JingDongLangZhengTi Semilight" panose="02000500000000000000" pitchFamily="2" charset="-122"/>
-              </a:rPr>
-              <a:t>服务卖点</a:t>
-            </a:r>
-            <a:endParaRPr lang="zh-CN" sz="1600" dirty="0">
-              <a:latin typeface="JingDongLangZhengTi Semilight" panose="02000500000000000000" pitchFamily="2" charset="-122"/>
-              <a:ea typeface="JingDongLangZhengTi Semilight" panose="02000500000000000000" pitchFamily="2" charset="-122"/>
-            </a:endParaRPr>
-          </a:p>
-        </p:txBody>
-      </p:sp>
-      <p:sp>
-        <p:nvSpPr>
-          <p:cNvPr id="23" name="圆角矩形 22"/>
-          <p:cNvSpPr/>
-          <p:nvPr/>
-        </p:nvSpPr>
-        <p:spPr bwMode="auto">
-          <a:xfrm>
-            <a:off x="4411345" y="2834640"/>
-            <a:ext cx="3759200" cy="3875405"/>
-          </a:xfrm>
-          <a:prstGeom prst="roundRect">
-            <a:avLst>
-              <a:gd name="adj" fmla="val 3492"/>
-            </a:avLst>
-          </a:prstGeom>
-          <a:noFill/>
-          <a:ln>
-            <a:solidFill>
-              <a:srgbClr val="C00000"/>
-            </a:solidFill>
-          </a:ln>
-        </p:spPr>
-        <p:style>
-          <a:lnRef idx="2">
-            <a:schemeClr val="accent1">
-              <a:shade val="50000"/>
-            </a:schemeClr>
-          </a:lnRef>
-          <a:fillRef idx="1">
-            <a:schemeClr val="accent1"/>
-          </a:fillRef>
-          <a:effectRef idx="0">
-            <a:schemeClr val="accent1"/>
-          </a:effectRef>
-          <a:fontRef idx="minor">
-            <a:schemeClr val="lt1"/>
-          </a:fontRef>
-        </p:style>
-        <p:txBody>
-          <a:bodyPr rtlCol="0" anchor="ctr"/>
-          <a:lstStyle/>
-          <a:p>
-            <a:pPr algn="ctr"/>
-            <a:endParaRPr lang="zh-CN" altLang="en-US">
-              <a:latin typeface="JingDongLangZhengTi Semilight" panose="02000500000000000000" pitchFamily="2" charset="-122"/>
-              <a:ea typeface="JingDongLangZhengTi Semilight" panose="02000500000000000000" pitchFamily="2" charset="-122"/>
-            </a:endParaRPr>
-          </a:p>
-        </p:txBody>
-      </p:sp>
-      <p:sp>
-        <p:nvSpPr>
-          <p:cNvPr id="24" name="圆角矩形 23"/>
-          <p:cNvSpPr/>
-          <p:nvPr/>
-        </p:nvSpPr>
-        <p:spPr bwMode="auto">
-          <a:xfrm>
-            <a:off x="8246702" y="2820713"/>
-            <a:ext cx="3794125" cy="3889332"/>
-          </a:xfrm>
-          <a:prstGeom prst="roundRect">
-            <a:avLst>
-              <a:gd name="adj" fmla="val 3492"/>
-            </a:avLst>
-          </a:prstGeom>
-          <a:noFill/>
-          <a:ln>
-            <a:solidFill>
-              <a:srgbClr val="C00000"/>
-            </a:solidFill>
-          </a:ln>
-        </p:spPr>
-        <p:style>
-          <a:lnRef idx="2">
-            <a:schemeClr val="accent1">
-              <a:shade val="50000"/>
-            </a:schemeClr>
-          </a:lnRef>
-          <a:fillRef idx="1">
-            <a:schemeClr val="accent1"/>
-          </a:fillRef>
-          <a:effectRef idx="0">
-            <a:schemeClr val="accent1"/>
-          </a:effectRef>
-          <a:fontRef idx="minor">
-            <a:schemeClr val="lt1"/>
-          </a:fontRef>
-        </p:style>
-        <p:txBody>
-          <a:bodyPr rtlCol="0" anchor="ctr"/>
-          <a:lstStyle/>
-          <a:p>
-            <a:pPr algn="ctr"/>
-            <a:endParaRPr lang="zh-CN">
-              <a:latin typeface="JingDongLangZhengTi Semilight"/>
-              <a:ea typeface="JingDongLangZhengTi Semilight"/>
-            </a:endParaRPr>
-          </a:p>
-        </p:txBody>
-      </p:sp>
-      <p:sp>
-        <p:nvSpPr>
           <p:cNvPr id="26" name="selling_point_3"/>
           <p:cNvSpPr/>
           <p:nvPr/>
         </p:nvSpPr>
         <p:spPr bwMode="auto">
           <a:xfrm>
-            <a:off x="4361561" y="2771619"/>
+            <a:off x="4361561" y="2768724"/>
             <a:ext cx="3576465" cy="567474"/>
           </a:xfrm>
           <a:prstGeom prst="rect">
@@ -4320,41 +7955,6 @@
               </a:rPr>
               <a:t>：</a:t>
             </a:r>
-          </a:p>
-        </p:txBody>
-      </p:sp>
-      <p:sp>
-        <p:nvSpPr>
-          <p:cNvPr id="8" name="AutoShape 4"/>
-          <p:cNvSpPr>
-            <a:spLocks noChangeAspect="1" noChangeArrowheads="1"/>
-          </p:cNvSpPr>
-          <p:nvPr/>
-        </p:nvSpPr>
-        <p:spPr bwMode="auto">
-          <a:xfrm>
-            <a:off x="5943600" y="1719682"/>
-            <a:ext cx="1861718" cy="1861718"/>
-          </a:xfrm>
-          <a:prstGeom prst="rect">
-            <a:avLst/>
-          </a:prstGeom>
-          <a:noFill/>
-          <a:extLst>
-            <a:ext uri="{909E8E84-426E-40DD-AFC4-6F175D3DCCD1}">
-              <a14:hiddenFill xmlns:a14="http://schemas.microsoft.com/office/drawing/2010/main">
-                <a:solidFill>
-                  <a:srgbClr val="FFFFFF"/>
-                </a:solidFill>
-              </a14:hiddenFill>
-            </a:ext>
-          </a:extLst>
-        </p:spPr>
-        <p:txBody>
-          <a:bodyPr vert="horz" wrap="square" lIns="91440" tIns="45720" rIns="91440" bIns="45720" numCol="1" anchor="t" anchorCtr="0" compatLnSpc="1"/>
-          <a:lstStyle/>
-          <a:p>
-            <a:endParaRPr lang="zh-CN" altLang="en-US"/>
           </a:p>
         </p:txBody>
       </p:sp>
@@ -4372,7 +7972,7 @@
         </p:nvSpPr>
         <p:spPr>
           <a:xfrm>
-            <a:off x="551161" y="2891859"/>
+            <a:off x="561186" y="2820459"/>
             <a:ext cx="3629467" cy="369332"/>
           </a:xfrm>
           <a:prstGeom prst="rect">
@@ -4428,7 +8028,7 @@
         </p:blipFill>
         <p:spPr>
           <a:xfrm>
-            <a:off x="598453" y="549398"/>
+            <a:off x="548643" y="522729"/>
             <a:ext cx="1868059" cy="1868059"/>
           </a:xfrm>
           <a:prstGeom prst="rect">
@@ -4450,7 +8050,7 @@
         </p:nvSpPr>
         <p:spPr>
           <a:xfrm>
-            <a:off x="500868" y="5000206"/>
+            <a:off x="505729" y="5015917"/>
             <a:ext cx="3614160" cy="338554"/>
           </a:xfrm>
           <a:prstGeom prst="rect">
@@ -4475,53 +8075,6 @@
             <a:r>
               <a:rPr lang="zh-CN" altLang="en-US" sz="1600" dirty="0"/>
               <a:t>：</a:t>
-            </a:r>
-          </a:p>
-        </p:txBody>
-      </p:sp>
-      <p:sp>
-        <p:nvSpPr>
-          <p:cNvPr id="11" name="文本框 10">
-            <a:extLst>
-              <a:ext uri="{FF2B5EF4-FFF2-40B4-BE49-F238E27FC236}">
-                <a16:creationId xmlns:a16="http://schemas.microsoft.com/office/drawing/2014/main" id="{6BFFD0E7-A070-A149-CFF6-22CDE57CBC9B}"/>
-              </a:ext>
-            </a:extLst>
-          </p:cNvPr>
-          <p:cNvSpPr txBox="1"/>
-          <p:nvPr/>
-        </p:nvSpPr>
-        <p:spPr>
-          <a:xfrm>
-            <a:off x="6713843" y="1143963"/>
-            <a:ext cx="3327084" cy="369332"/>
-          </a:xfrm>
-          <a:prstGeom prst="rect">
-            <a:avLst/>
-          </a:prstGeom>
-          <a:noFill/>
-        </p:spPr>
-        <p:txBody>
-          <a:bodyPr wrap="square" rtlCol="0">
-            <a:spAutoFit/>
-          </a:bodyPr>
-          <a:lstStyle/>
-          <a:p>
-            <a:r>
-              <a:rPr lang="en-US" altLang="zh-CN" dirty="0"/>
-              <a:t>【</a:t>
-            </a:r>
-            <a:r>
-              <a:rPr lang="zh-CN" altLang="en-US" dirty="0"/>
-              <a:t>是否包邮</a:t>
-            </a:r>
-            <a:r>
-              <a:rPr lang="en-US" altLang="zh-CN" dirty="0"/>
-              <a:t>】</a:t>
-            </a:r>
-            <a:r>
-              <a:rPr lang="zh-CN" altLang="en-US" dirty="0"/>
-              <a:t>是</a:t>
             </a:r>
           </a:p>
         </p:txBody>
@@ -4600,94 +8153,6 @@
       </p:sp>
       <p:sp>
         <p:nvSpPr>
-          <p:cNvPr id="12" name="price_live">
-            <a:extLst>
-              <a:ext uri="{FF2B5EF4-FFF2-40B4-BE49-F238E27FC236}">
-                <a16:creationId xmlns:a16="http://schemas.microsoft.com/office/drawing/2014/main" id="{C61B68C0-5DE4-76B5-475E-F8FA4FD576AE}"/>
-              </a:ext>
-            </a:extLst>
-          </p:cNvPr>
-          <p:cNvSpPr/>
-          <p:nvPr/>
-        </p:nvSpPr>
-        <p:spPr bwMode="auto">
-          <a:xfrm>
-            <a:off x="6710002" y="1493022"/>
-            <a:ext cx="5460999" cy="446982"/>
-          </a:xfrm>
-          <a:prstGeom prst="rect">
-            <a:avLst/>
-          </a:prstGeom>
-          <a:noFill/>
-        </p:spPr>
-        <p:txBody>
-          <a:bodyPr wrap="square" rtlCol="0" anchor="t">
-            <a:spAutoFit/>
-          </a:bodyPr>
-          <a:lstStyle/>
-          <a:p>
-            <a:pPr>
-              <a:lnSpc>
-                <a:spcPct val="150000"/>
-              </a:lnSpc>
-              <a:defRPr lang="zh-CN" sz="1800" b="0" i="0" u="none" strike="noStrike" cap="none" spc="0">
-                <a:solidFill>
-                  <a:srgbClr val="000000"/>
-                </a:solidFill>
-                <a:latin typeface="Arial" panose="020B0604020202020204"/>
-                <a:ea typeface="微软雅黑" panose="020B0503020204020204" charset="-122"/>
-                <a:cs typeface="Arial" panose="020B0604020202020204"/>
-              </a:defRPr>
-            </a:pPr>
-            <a:r>
-              <a:rPr lang="zh-CN" u="none" strike="noStrike" cap="none" spc="0" dirty="0">
-                <a:solidFill>
-                  <a:srgbClr val="000000"/>
-                </a:solidFill>
-                <a:latin typeface="JingDongLangZhengTi Semilight"/>
-                <a:ea typeface="JingDongLangZhengTi Semilight"/>
-                <a:cs typeface="Arial" panose="020B0604020202020204"/>
-              </a:rPr>
-              <a:t>【</a:t>
-            </a:r>
-            <a:r>
-              <a:rPr lang="zh-CN" altLang="en-US" dirty="0">
-                <a:solidFill>
-                  <a:srgbClr val="000000"/>
-                </a:solidFill>
-                <a:latin typeface="JingDongLangZhengTi Semilight"/>
-                <a:ea typeface="JingDongLangZhengTi Semilight"/>
-                <a:cs typeface="Arial" panose="020B0604020202020204"/>
-              </a:rPr>
-              <a:t>直播价</a:t>
-            </a:r>
-            <a:r>
-              <a:rPr lang="zh-CN" u="none" strike="noStrike" cap="none" spc="0" dirty="0">
-                <a:solidFill>
-                  <a:srgbClr val="000000"/>
-                </a:solidFill>
-                <a:latin typeface="JingDongLangZhengTi Semilight"/>
-                <a:ea typeface="JingDongLangZhengTi Semilight"/>
-                <a:cs typeface="Arial" panose="020B0604020202020204"/>
-              </a:rPr>
-              <a:t>】</a:t>
-            </a:r>
-            <a:endParaRPr lang="en-US" altLang="zh-CN" b="1" u="none" strike="noStrike" cap="none" spc="0" dirty="0">
-              <a:solidFill>
-                <a:srgbClr val="000000"/>
-              </a:solidFill>
-              <a:highlight>
-                <a:srgbClr val="FFFF00"/>
-              </a:highlight>
-              <a:latin typeface="JingDongLangZhengTi Semilight"/>
-              <a:ea typeface="JingDongLangZhengTi Semilight"/>
-              <a:cs typeface="Arial" panose="020B0604020202020204"/>
-            </a:endParaRPr>
-          </a:p>
-        </p:txBody>
-      </p:sp>
-      <p:sp>
-        <p:nvSpPr>
           <p:cNvPr id="14" name="selling_point_4">
             <a:extLst>
               <a:ext uri="{FF2B5EF4-FFF2-40B4-BE49-F238E27FC236}">
@@ -4851,156 +8316,6 @@
           </a:p>
         </p:txBody>
       </p:sp>
-      <p:pic>
-        <p:nvPicPr>
-          <p:cNvPr id="19" name="图片 18">
-            <a:extLst>
-              <a:ext uri="{FF2B5EF4-FFF2-40B4-BE49-F238E27FC236}">
-                <a16:creationId xmlns:a16="http://schemas.microsoft.com/office/drawing/2014/main" id="{0E429291-7902-089D-85BB-6F500B51B926}"/>
-              </a:ext>
-            </a:extLst>
-          </p:cNvPr>
-          <p:cNvPicPr>
-            <a:picLocks noChangeAspect="1"/>
-          </p:cNvPicPr>
-          <p:nvPr/>
-        </p:nvPicPr>
-        <p:blipFill>
-          <a:blip r:embed="rId4"/>
-          <a:stretch>
-            <a:fillRect/>
-          </a:stretch>
-        </p:blipFill>
-        <p:spPr>
-          <a:xfrm>
-            <a:off x="2376336" y="186310"/>
-            <a:ext cx="3450635" cy="518205"/>
-          </a:xfrm>
-          <a:prstGeom prst="rect">
-            <a:avLst/>
-          </a:prstGeom>
-        </p:spPr>
-      </p:pic>
-      <p:pic>
-        <p:nvPicPr>
-          <p:cNvPr id="20" name="图片 19">
-            <a:extLst>
-              <a:ext uri="{FF2B5EF4-FFF2-40B4-BE49-F238E27FC236}">
-                <a16:creationId xmlns:a16="http://schemas.microsoft.com/office/drawing/2014/main" id="{1BA4CCA2-ABE7-91A6-18B6-1A8458D643FB}"/>
-              </a:ext>
-            </a:extLst>
-          </p:cNvPr>
-          <p:cNvPicPr>
-            <a:picLocks noChangeAspect="1"/>
-          </p:cNvPicPr>
-          <p:nvPr/>
-        </p:nvPicPr>
-        <p:blipFill>
-          <a:blip r:embed="rId5"/>
-          <a:stretch>
-            <a:fillRect/>
-          </a:stretch>
-        </p:blipFill>
-        <p:spPr>
-          <a:xfrm>
-            <a:off x="6518336" y="140546"/>
-            <a:ext cx="3456732" cy="518205"/>
-          </a:xfrm>
-          <a:prstGeom prst="rect">
-            <a:avLst/>
-          </a:prstGeom>
-        </p:spPr>
-      </p:pic>
-      <p:pic>
-        <p:nvPicPr>
-          <p:cNvPr id="25" name="图片 24">
-            <a:extLst>
-              <a:ext uri="{FF2B5EF4-FFF2-40B4-BE49-F238E27FC236}">
-                <a16:creationId xmlns:a16="http://schemas.microsoft.com/office/drawing/2014/main" id="{8626539A-F386-C474-5BA1-B3A54FFC7A3B}"/>
-              </a:ext>
-            </a:extLst>
-          </p:cNvPr>
-          <p:cNvPicPr>
-            <a:picLocks noChangeAspect="1"/>
-          </p:cNvPicPr>
-          <p:nvPr/>
-        </p:nvPicPr>
-        <p:blipFill>
-          <a:blip r:embed="rId6"/>
-          <a:stretch>
-            <a:fillRect/>
-          </a:stretch>
-        </p:blipFill>
-        <p:spPr>
-          <a:xfrm>
-            <a:off x="508350" y="2546455"/>
-            <a:ext cx="3682303" cy="493819"/>
-          </a:xfrm>
-          <a:prstGeom prst="rect">
-            <a:avLst/>
-          </a:prstGeom>
-        </p:spPr>
-      </p:pic>
-      <p:pic>
-        <p:nvPicPr>
-          <p:cNvPr id="27" name="图片 26">
-            <a:extLst>
-              <a:ext uri="{FF2B5EF4-FFF2-40B4-BE49-F238E27FC236}">
-                <a16:creationId xmlns:a16="http://schemas.microsoft.com/office/drawing/2014/main" id="{BD6EDF12-D39B-A5F7-BBE2-183E31A28AFF}"/>
-              </a:ext>
-            </a:extLst>
-          </p:cNvPr>
-          <p:cNvPicPr>
-            <a:picLocks noChangeAspect="1"/>
-          </p:cNvPicPr>
-          <p:nvPr/>
-        </p:nvPicPr>
-        <p:blipFill>
-          <a:blip r:embed="rId7"/>
-          <a:stretch>
-            <a:fillRect/>
-          </a:stretch>
-        </p:blipFill>
-        <p:spPr>
-          <a:xfrm>
-            <a:off x="457510" y="4727742"/>
-            <a:ext cx="3664014" cy="493819"/>
-          </a:xfrm>
-          <a:prstGeom prst="rect">
-            <a:avLst/>
-          </a:prstGeom>
-        </p:spPr>
-      </p:pic>
-      <p:pic>
-        <p:nvPicPr>
-          <p:cNvPr id="28" name="图片 27">
-            <a:extLst>
-              <a:ext uri="{FF2B5EF4-FFF2-40B4-BE49-F238E27FC236}">
-                <a16:creationId xmlns:a16="http://schemas.microsoft.com/office/drawing/2014/main" id="{997D6475-104E-B4E2-4E96-1F442A18254B}"/>
-              </a:ext>
-            </a:extLst>
-          </p:cNvPr>
-          <p:cNvPicPr>
-            <a:picLocks noChangeAspect="1"/>
-          </p:cNvPicPr>
-          <p:nvPr/>
-        </p:nvPicPr>
-        <p:blipFill>
-          <a:blip r:embed="rId8"/>
-          <a:stretch>
-            <a:fillRect/>
-          </a:stretch>
-        </p:blipFill>
-        <p:spPr>
-          <a:xfrm>
-            <a:off x="4263813" y="2435127"/>
-            <a:ext cx="3627434" cy="821882"/>
-          </a:xfrm>
-          <a:prstGeom prst="rect">
-            <a:avLst/>
-          </a:prstGeom>
-        </p:spPr>
-      </p:pic>
       <p:pic>
         <p:nvPicPr>
           <p:cNvPr id="29" name="图片 28">
@@ -5016,7 +8331,7 @@
           <p:nvPr/>
         </p:nvPicPr>
         <p:blipFill>
-          <a:blip r:embed="rId9"/>
+          <a:blip r:embed="rId4"/>
           <a:stretch>
             <a:fillRect/>
           </a:stretch>
@@ -5232,6 +8547,321 @@
 </file>
 
 <file path=ppt/theme/theme2.xml><?xml version="1.0" encoding="utf-8"?>
+<a:theme xmlns:a="http://schemas.openxmlformats.org/drawingml/2006/main" name="自定义设计方案">
+  <a:themeElements>
+    <a:clrScheme name="Office">
+      <a:dk1>
+        <a:sysClr val="windowText" lastClr="000000"/>
+      </a:dk1>
+      <a:lt1>
+        <a:sysClr val="window" lastClr="FFFFFF"/>
+      </a:lt1>
+      <a:dk2>
+        <a:srgbClr val="0E2841"/>
+      </a:dk2>
+      <a:lt2>
+        <a:srgbClr val="E8E8E8"/>
+      </a:lt2>
+      <a:accent1>
+        <a:srgbClr val="156082"/>
+      </a:accent1>
+      <a:accent2>
+        <a:srgbClr val="E97132"/>
+      </a:accent2>
+      <a:accent3>
+        <a:srgbClr val="196B24"/>
+      </a:accent3>
+      <a:accent4>
+        <a:srgbClr val="0F9ED5"/>
+      </a:accent4>
+      <a:accent5>
+        <a:srgbClr val="A02B93"/>
+      </a:accent5>
+      <a:accent6>
+        <a:srgbClr val="4EA72E"/>
+      </a:accent6>
+      <a:hlink>
+        <a:srgbClr val="467886"/>
+      </a:hlink>
+      <a:folHlink>
+        <a:srgbClr val="96607D"/>
+      </a:folHlink>
+    </a:clrScheme>
+    <a:fontScheme name="Office">
+      <a:majorFont>
+        <a:latin typeface="等线 Light" panose="02110004020202020204"/>
+        <a:ea typeface=""/>
+        <a:cs typeface=""/>
+        <a:font script="Jpan" typeface="游ゴシック Light"/>
+        <a:font script="Hang" typeface="맑은 고딕"/>
+        <a:font script="Hans" typeface="等线 Light"/>
+        <a:font script="Hant" typeface="新細明體"/>
+        <a:font script="Arab" typeface="Times New Roman"/>
+        <a:font script="Hebr" typeface="Times New Roman"/>
+        <a:font script="Thai" typeface="Angsana New"/>
+        <a:font script="Ethi" typeface="Nyala"/>
+        <a:font script="Beng" typeface="Vrinda"/>
+        <a:font script="Gujr" typeface="Shruti"/>
+        <a:font script="Khmr" typeface="MoolBoran"/>
+        <a:font script="Knda" typeface="Tunga"/>
+        <a:font script="Guru" typeface="Raavi"/>
+        <a:font script="Cans" typeface="Euphemia"/>
+        <a:font script="Cher" typeface="Plantagenet Cherokee"/>
+        <a:font script="Yiii" typeface="Microsoft Yi Baiti"/>
+        <a:font script="Tibt" typeface="Microsoft Himalaya"/>
+        <a:font script="Thaa" typeface="MV Boli"/>
+        <a:font script="Deva" typeface="Mangal"/>
+        <a:font script="Telu" typeface="Gautami"/>
+        <a:font script="Taml" typeface="Latha"/>
+        <a:font script="Syrc" typeface="Estrangelo Edessa"/>
+        <a:font script="Orya" typeface="Kalinga"/>
+        <a:font script="Mlym" typeface="Kartika"/>
+        <a:font script="Laoo" typeface="DokChampa"/>
+        <a:font script="Sinh" typeface="Iskoola Pota"/>
+        <a:font script="Mong" typeface="Mongolian Baiti"/>
+        <a:font script="Viet" typeface="Times New Roman"/>
+        <a:font script="Uigh" typeface="Microsoft Uighur"/>
+        <a:font script="Geor" typeface="Sylfaen"/>
+        <a:font script="Armn" typeface="Arial"/>
+        <a:font script="Bugi" typeface="Leelawadee UI"/>
+        <a:font script="Bopo" typeface="Microsoft JhengHei"/>
+        <a:font script="Java" typeface="Javanese Text"/>
+        <a:font script="Lisu" typeface="Segoe UI"/>
+        <a:font script="Mymr" typeface="Myanmar Text"/>
+        <a:font script="Nkoo" typeface="Ebrima"/>
+        <a:font script="Olck" typeface="Nirmala UI"/>
+        <a:font script="Osma" typeface="Ebrima"/>
+        <a:font script="Phag" typeface="Phagspa"/>
+        <a:font script="Syrn" typeface="Estrangelo Edessa"/>
+        <a:font script="Syrj" typeface="Estrangelo Edessa"/>
+        <a:font script="Syre" typeface="Estrangelo Edessa"/>
+        <a:font script="Sora" typeface="Nirmala UI"/>
+        <a:font script="Tale" typeface="Microsoft Tai Le"/>
+        <a:font script="Talu" typeface="Microsoft New Tai Lue"/>
+        <a:font script="Tfng" typeface="Ebrima"/>
+      </a:majorFont>
+      <a:minorFont>
+        <a:latin typeface="等线" panose="02110004020202020204"/>
+        <a:ea typeface=""/>
+        <a:cs typeface=""/>
+        <a:font script="Jpan" typeface="游ゴシック"/>
+        <a:font script="Hang" typeface="맑은 고딕"/>
+        <a:font script="Hans" typeface="等线"/>
+        <a:font script="Hant" typeface="新細明體"/>
+        <a:font script="Arab" typeface="Arial"/>
+        <a:font script="Hebr" typeface="Arial"/>
+        <a:font script="Thai" typeface="Cordia New"/>
+        <a:font script="Ethi" typeface="Nyala"/>
+        <a:font script="Beng" typeface="Vrinda"/>
+        <a:font script="Gujr" typeface="Shruti"/>
+        <a:font script="Khmr" typeface="DaunPenh"/>
+        <a:font script="Knda" typeface="Tunga"/>
+        <a:font script="Guru" typeface="Raavi"/>
+        <a:font script="Cans" typeface="Euphemia"/>
+        <a:font script="Cher" typeface="Plantagenet Cherokee"/>
+        <a:font script="Yiii" typeface="Microsoft Yi Baiti"/>
+        <a:font script="Tibt" typeface="Microsoft Himalaya"/>
+        <a:font script="Thaa" typeface="MV Boli"/>
+        <a:font script="Deva" typeface="Mangal"/>
+        <a:font script="Telu" typeface="Gautami"/>
+        <a:font script="Taml" typeface="Latha"/>
+        <a:font script="Syrc" typeface="Estrangelo Edessa"/>
+        <a:font script="Orya" typeface="Kalinga"/>
+        <a:font script="Mlym" typeface="Kartika"/>
+        <a:font script="Laoo" typeface="DokChampa"/>
+        <a:font script="Sinh" typeface="Iskoola Pota"/>
+        <a:font script="Mong" typeface="Mongolian Baiti"/>
+        <a:font script="Viet" typeface="Arial"/>
+        <a:font script="Uigh" typeface="Microsoft Uighur"/>
+        <a:font script="Geor" typeface="Sylfaen"/>
+        <a:font script="Armn" typeface="Arial"/>
+        <a:font script="Bugi" typeface="Leelawadee UI"/>
+        <a:font script="Bopo" typeface="Microsoft JhengHei"/>
+        <a:font script="Java" typeface="Javanese Text"/>
+        <a:font script="Lisu" typeface="Segoe UI"/>
+        <a:font script="Mymr" typeface="Myanmar Text"/>
+        <a:font script="Nkoo" typeface="Ebrima"/>
+        <a:font script="Olck" typeface="Nirmala UI"/>
+        <a:font script="Osma" typeface="Ebrima"/>
+        <a:font script="Phag" typeface="Phagspa"/>
+        <a:font script="Syrn" typeface="Estrangelo Edessa"/>
+        <a:font script="Syrj" typeface="Estrangelo Edessa"/>
+        <a:font script="Syre" typeface="Estrangelo Edessa"/>
+        <a:font script="Sora" typeface="Nirmala UI"/>
+        <a:font script="Tale" typeface="Microsoft Tai Le"/>
+        <a:font script="Talu" typeface="Microsoft New Tai Lue"/>
+        <a:font script="Tfng" typeface="Ebrima"/>
+      </a:minorFont>
+    </a:fontScheme>
+    <a:fmtScheme name="Office">
+      <a:fillStyleLst>
+        <a:solidFill>
+          <a:schemeClr val="phClr"/>
+        </a:solidFill>
+        <a:gradFill rotWithShape="1">
+          <a:gsLst>
+            <a:gs pos="0">
+              <a:schemeClr val="phClr">
+                <a:lumMod val="110000"/>
+                <a:satMod val="105000"/>
+                <a:tint val="67000"/>
+              </a:schemeClr>
+            </a:gs>
+            <a:gs pos="50000">
+              <a:schemeClr val="phClr">
+                <a:lumMod val="105000"/>
+                <a:satMod val="103000"/>
+                <a:tint val="73000"/>
+              </a:schemeClr>
+            </a:gs>
+            <a:gs pos="100000">
+              <a:schemeClr val="phClr">
+                <a:lumMod val="105000"/>
+                <a:satMod val="109000"/>
+                <a:tint val="81000"/>
+              </a:schemeClr>
+            </a:gs>
+          </a:gsLst>
+          <a:lin ang="5400000" scaled="0"/>
+        </a:gradFill>
+        <a:gradFill rotWithShape="1">
+          <a:gsLst>
+            <a:gs pos="0">
+              <a:schemeClr val="phClr">
+                <a:satMod val="103000"/>
+                <a:lumMod val="102000"/>
+                <a:tint val="94000"/>
+              </a:schemeClr>
+            </a:gs>
+            <a:gs pos="50000">
+              <a:schemeClr val="phClr">
+                <a:satMod val="110000"/>
+                <a:lumMod val="100000"/>
+                <a:shade val="100000"/>
+              </a:schemeClr>
+            </a:gs>
+            <a:gs pos="100000">
+              <a:schemeClr val="phClr">
+                <a:lumMod val="99000"/>
+                <a:satMod val="120000"/>
+                <a:shade val="78000"/>
+              </a:schemeClr>
+            </a:gs>
+          </a:gsLst>
+          <a:lin ang="5400000" scaled="0"/>
+        </a:gradFill>
+      </a:fillStyleLst>
+      <a:lnStyleLst>
+        <a:ln w="12700" cap="flat" cmpd="sng" algn="ctr">
+          <a:solidFill>
+            <a:schemeClr val="phClr"/>
+          </a:solidFill>
+          <a:prstDash val="solid"/>
+          <a:miter lim="800000"/>
+        </a:ln>
+        <a:ln w="19050" cap="flat" cmpd="sng" algn="ctr">
+          <a:solidFill>
+            <a:schemeClr val="phClr"/>
+          </a:solidFill>
+          <a:prstDash val="solid"/>
+          <a:miter lim="800000"/>
+        </a:ln>
+        <a:ln w="25400" cap="flat" cmpd="sng" algn="ctr">
+          <a:solidFill>
+            <a:schemeClr val="phClr"/>
+          </a:solidFill>
+          <a:prstDash val="solid"/>
+          <a:miter lim="800000"/>
+        </a:ln>
+      </a:lnStyleLst>
+      <a:effectStyleLst>
+        <a:effectStyle>
+          <a:effectLst/>
+        </a:effectStyle>
+        <a:effectStyle>
+          <a:effectLst/>
+        </a:effectStyle>
+        <a:effectStyle>
+          <a:effectLst>
+            <a:outerShdw blurRad="57150" dist="19050" dir="5400000" algn="ctr" rotWithShape="0">
+              <a:srgbClr val="000000">
+                <a:alpha val="63000"/>
+              </a:srgbClr>
+            </a:outerShdw>
+          </a:effectLst>
+        </a:effectStyle>
+      </a:effectStyleLst>
+      <a:bgFillStyleLst>
+        <a:solidFill>
+          <a:schemeClr val="phClr"/>
+        </a:solidFill>
+        <a:solidFill>
+          <a:schemeClr val="phClr">
+            <a:tint val="95000"/>
+            <a:satMod val="170000"/>
+          </a:schemeClr>
+        </a:solidFill>
+        <a:gradFill rotWithShape="1">
+          <a:gsLst>
+            <a:gs pos="0">
+              <a:schemeClr val="phClr">
+                <a:tint val="93000"/>
+                <a:satMod val="150000"/>
+                <a:shade val="98000"/>
+                <a:lumMod val="102000"/>
+              </a:schemeClr>
+            </a:gs>
+            <a:gs pos="50000">
+              <a:schemeClr val="phClr">
+                <a:tint val="98000"/>
+                <a:satMod val="130000"/>
+                <a:shade val="90000"/>
+                <a:lumMod val="103000"/>
+              </a:schemeClr>
+            </a:gs>
+            <a:gs pos="100000">
+              <a:schemeClr val="phClr">
+                <a:shade val="63000"/>
+                <a:satMod val="120000"/>
+              </a:schemeClr>
+            </a:gs>
+          </a:gsLst>
+          <a:lin ang="5400000" scaled="0"/>
+        </a:gradFill>
+      </a:bgFillStyleLst>
+    </a:fmtScheme>
+  </a:themeElements>
+  <a:objectDefaults>
+    <a:lnDef>
+      <a:spPr/>
+      <a:bodyPr/>
+      <a:lstStyle/>
+      <a:style>
+        <a:lnRef idx="2">
+          <a:schemeClr val="accent1"/>
+        </a:lnRef>
+        <a:fillRef idx="0">
+          <a:schemeClr val="accent1"/>
+        </a:fillRef>
+        <a:effectRef idx="1">
+          <a:schemeClr val="accent1"/>
+        </a:effectRef>
+        <a:fontRef idx="minor">
+          <a:schemeClr val="tx1"/>
+        </a:fontRef>
+      </a:style>
+    </a:lnDef>
+  </a:objectDefaults>
+  <a:extraClrSchemeLst/>
+  <a:extLst>
+    <a:ext uri="{05A4C25C-085E-4340-85A3-A5531E510DB2}">
+      <thm15:themeFamily xmlns:thm15="http://schemas.microsoft.com/office/thememl/2012/main" name="Office Theme" id="{2E142A2C-CD16-42D6-873A-C26D2A0506FA}" vid="{1BDDFF52-6CD6-40A5-AB3C-68EB2F1E4D0A}"/>
+    </a:ext>
+  </a:extLst>
+</a:theme>
+</file>
+
+<file path=ppt/theme/theme3.xml><?xml version="1.0" encoding="utf-8"?>
 <a:theme xmlns:a="http://schemas.openxmlformats.org/drawingml/2006/main" name="Office 主题​​">
   <a:themeElements>
     <a:clrScheme name="Office">

--- a/template.pptx
+++ b/template.pptx
@@ -114,6 +114,9 @@
   <p:extLst>
     <p:ext uri="{EFAFB233-063F-42B5-8137-9DF3F51BA10A}">
       <p15:sldGuideLst xmlns:p15="http://schemas.microsoft.com/office/powerpoint/2012/main"/>
+    </p:ext>
+    <p:ext uri="{2D200454-40CA-4A62-9FC3-DE9A4176ACB9}">
+      <p15:notesGuideLst xmlns:p15="http://schemas.microsoft.com/office/powerpoint/2012/main"/>
     </p:ext>
   </p:extLst>
 </p:presentation>
@@ -1689,6 +1692,36 @@
               <a:ea typeface="JingDongLangZhengTi Semilight"/>
               <a:cs typeface="Arial" panose="020B0604020202020204"/>
             </a:endParaRPr>
+          </a:p>
+        </p:txBody>
+      </p:sp>
+      <p:sp>
+        <p:nvSpPr>
+          <p:cNvPr id="17" name="图片占位符 16">
+            <a:extLst>
+              <a:ext uri="{FF2B5EF4-FFF2-40B4-BE49-F238E27FC236}">
+                <a16:creationId xmlns:a16="http://schemas.microsoft.com/office/drawing/2014/main" id="{79000E65-BAB8-443B-0798-ED8537C77F45}"/>
+              </a:ext>
+            </a:extLst>
+          </p:cNvPr>
+          <p:cNvSpPr>
+            <a:spLocks noGrp="1"/>
+          </p:cNvSpPr>
+          <p:nvPr>
+            <p:ph type="pic" sz="quarter" idx="13"/>
+          </p:nvPr>
+        </p:nvSpPr>
+        <p:spPr>
+          <a:xfrm>
+            <a:off x="612000" y="525144"/>
+            <a:ext cx="1804702" cy="1900509"/>
+          </a:xfrm>
+        </p:spPr>
+        <p:txBody>
+          <a:bodyPr/>
+          <a:lstStyle/>
+          <a:p>
+            <a:endParaRPr lang="zh-CN" altLang="en-US"/>
           </a:p>
         </p:txBody>
       </p:sp>
@@ -7909,8 +7942,8 @@
         </p:nvSpPr>
         <p:spPr bwMode="auto">
           <a:xfrm>
-            <a:off x="4361561" y="2768724"/>
-            <a:ext cx="3576465" cy="567474"/>
+            <a:off x="4361561" y="2746089"/>
+            <a:ext cx="3509161" cy="567474"/>
           </a:xfrm>
           <a:prstGeom prst="rect">
             <a:avLst/>
@@ -8001,41 +8034,6 @@
           </a:p>
         </p:txBody>
       </p:sp>
-      <p:pic>
-        <p:nvPicPr>
-          <p:cNvPr id="9" name="product_image">
-            <a:extLst>
-              <a:ext uri="{FF2B5EF4-FFF2-40B4-BE49-F238E27FC236}">
-                <a16:creationId xmlns:a16="http://schemas.microsoft.com/office/drawing/2014/main" id="{634CBC97-8FFF-4153-0363-5A33BA2226AB}"/>
-              </a:ext>
-            </a:extLst>
-          </p:cNvPr>
-          <p:cNvPicPr>
-            <a:picLocks noChangeAspect="1"/>
-          </p:cNvPicPr>
-          <p:nvPr/>
-        </p:nvPicPr>
-        <p:blipFill>
-          <a:blip r:embed="rId3" cstate="print">
-            <a:extLst>
-              <a:ext uri="{28A0092B-C50C-407E-A947-70E740481C1C}">
-                <a14:useLocalDpi xmlns:a14="http://schemas.microsoft.com/office/drawing/2010/main" val="0"/>
-              </a:ext>
-            </a:extLst>
-          </a:blip>
-          <a:srcRect/>
-          <a:stretch/>
-        </p:blipFill>
-        <p:spPr>
-          <a:xfrm>
-            <a:off x="548643" y="522729"/>
-            <a:ext cx="1868059" cy="1868059"/>
-          </a:xfrm>
-          <a:prstGeom prst="rect">
-            <a:avLst/>
-          </a:prstGeom>
-        </p:spPr>
-      </p:pic>
       <p:sp>
         <p:nvSpPr>
           <p:cNvPr id="10" name="selling_point_2">
@@ -8316,36 +8314,6 @@
           </a:p>
         </p:txBody>
       </p:sp>
-      <p:pic>
-        <p:nvPicPr>
-          <p:cNvPr id="29" name="图片 28">
-            <a:extLst>
-              <a:ext uri="{FF2B5EF4-FFF2-40B4-BE49-F238E27FC236}">
-                <a16:creationId xmlns:a16="http://schemas.microsoft.com/office/drawing/2014/main" id="{681D2BD6-78C5-E733-40A9-7C513FA5C432}"/>
-              </a:ext>
-            </a:extLst>
-          </p:cNvPr>
-          <p:cNvPicPr>
-            <a:picLocks noChangeAspect="1"/>
-          </p:cNvPicPr>
-          <p:nvPr/>
-        </p:nvPicPr>
-        <p:blipFill>
-          <a:blip r:embed="rId4"/>
-          <a:stretch>
-            <a:fillRect/>
-          </a:stretch>
-        </p:blipFill>
-        <p:spPr>
-          <a:xfrm>
-            <a:off x="4304495" y="4612120"/>
-            <a:ext cx="3633531" cy="573074"/>
-          </a:xfrm>
-          <a:prstGeom prst="rect">
-            <a:avLst/>
-          </a:prstGeom>
-        </p:spPr>
-      </p:pic>
     </p:spTree>
     <p:extLst>
       <p:ext uri="{BB962C8B-B14F-4D97-AF65-F5344CB8AC3E}">

--- a/template.pptx
+++ b/template.pptx
@@ -204,7 +204,7 @@
           <a:p>
             <a:fld id="{C17944FE-0438-41E2-8D35-39AEC793BE2A}" type="datetimeFigureOut">
               <a:rPr lang="zh-CN" altLang="en-US" smtClean="0"/>
-              <a:t>2025/12/13</a:t>
+              <a:t>2025/12/19</a:t>
             </a:fld>
             <a:endParaRPr lang="zh-CN" altLang="en-US"/>
           </a:p>
@@ -584,7 +584,7 @@
           <a:p>
             <a:fld id="{760FBDFE-C587-4B4C-A407-44438C67B59E}" type="datetimeFigureOut">
               <a:rPr lang="zh-CN" altLang="en-US" smtClean="0"/>
-              <a:t>2025/12/13</a:t>
+              <a:t>2025/12/19</a:t>
             </a:fld>
             <a:endParaRPr lang="zh-CN" altLang="en-US" dirty="0"/>
           </a:p>
@@ -1767,7 +1767,7 @@
           <a:p>
             <a:fld id="{760FBDFE-C587-4B4C-A407-44438C67B59E}" type="datetimeFigureOut">
               <a:rPr lang="zh-CN" altLang="en-US" smtClean="0"/>
-              <a:t>2025/12/13</a:t>
+              <a:t>2025/12/19</a:t>
             </a:fld>
             <a:endParaRPr lang="zh-CN" altLang="en-US"/>
           </a:p>
@@ -1913,7 +1913,7 @@
           <a:p>
             <a:fld id="{760FBDFE-C587-4B4C-A407-44438C67B59E}" type="datetimeFigureOut">
               <a:rPr lang="zh-CN" altLang="en-US" smtClean="0"/>
-              <a:t>2025/12/13</a:t>
+              <a:t>2025/12/19</a:t>
             </a:fld>
             <a:endParaRPr lang="zh-CN" altLang="en-US"/>
           </a:p>
@@ -2188,7 +2188,7 @@
           <a:p>
             <a:fld id="{B1D5188F-F67D-41D8-B379-0AD3040A58D0}" type="datetimeFigureOut">
               <a:rPr lang="zh-CN" altLang="en-US" smtClean="0"/>
-              <a:t>2025/12/13</a:t>
+              <a:t>2025/12/19</a:t>
             </a:fld>
             <a:endParaRPr lang="zh-CN" altLang="en-US"/>
           </a:p>
@@ -2386,7 +2386,7 @@
           <a:p>
             <a:fld id="{B1D5188F-F67D-41D8-B379-0AD3040A58D0}" type="datetimeFigureOut">
               <a:rPr lang="zh-CN" altLang="en-US" smtClean="0"/>
-              <a:t>2025/12/13</a:t>
+              <a:t>2025/12/19</a:t>
             </a:fld>
             <a:endParaRPr lang="zh-CN" altLang="en-US"/>
           </a:p>
@@ -2661,7 +2661,7 @@
           <a:p>
             <a:fld id="{B1D5188F-F67D-41D8-B379-0AD3040A58D0}" type="datetimeFigureOut">
               <a:rPr lang="zh-CN" altLang="en-US" smtClean="0"/>
-              <a:t>2025/12/13</a:t>
+              <a:t>2025/12/19</a:t>
             </a:fld>
             <a:endParaRPr lang="zh-CN" altLang="en-US"/>
           </a:p>
@@ -2926,7 +2926,7 @@
           <a:p>
             <a:fld id="{B1D5188F-F67D-41D8-B379-0AD3040A58D0}" type="datetimeFigureOut">
               <a:rPr lang="zh-CN" altLang="en-US" smtClean="0"/>
-              <a:t>2025/12/13</a:t>
+              <a:t>2025/12/19</a:t>
             </a:fld>
             <a:endParaRPr lang="zh-CN" altLang="en-US"/>
           </a:p>
@@ -3338,7 +3338,7 @@
           <a:p>
             <a:fld id="{B1D5188F-F67D-41D8-B379-0AD3040A58D0}" type="datetimeFigureOut">
               <a:rPr lang="zh-CN" altLang="en-US" smtClean="0"/>
-              <a:t>2025/12/13</a:t>
+              <a:t>2025/12/19</a:t>
             </a:fld>
             <a:endParaRPr lang="zh-CN" altLang="en-US"/>
           </a:p>
@@ -3479,7 +3479,7 @@
           <a:p>
             <a:fld id="{B1D5188F-F67D-41D8-B379-0AD3040A58D0}" type="datetimeFigureOut">
               <a:rPr lang="zh-CN" altLang="en-US" smtClean="0"/>
-              <a:t>2025/12/13</a:t>
+              <a:t>2025/12/19</a:t>
             </a:fld>
             <a:endParaRPr lang="zh-CN" altLang="en-US"/>
           </a:p>
@@ -3592,7 +3592,7 @@
           <a:p>
             <a:fld id="{B1D5188F-F67D-41D8-B379-0AD3040A58D0}" type="datetimeFigureOut">
               <a:rPr lang="zh-CN" altLang="en-US" smtClean="0"/>
-              <a:t>2025/12/13</a:t>
+              <a:t>2025/12/19</a:t>
             </a:fld>
             <a:endParaRPr lang="zh-CN" altLang="en-US"/>
           </a:p>
@@ -3903,7 +3903,7 @@
           <a:p>
             <a:fld id="{B1D5188F-F67D-41D8-B379-0AD3040A58D0}" type="datetimeFigureOut">
               <a:rPr lang="zh-CN" altLang="en-US" smtClean="0"/>
-              <a:t>2025/12/13</a:t>
+              <a:t>2025/12/19</a:t>
             </a:fld>
             <a:endParaRPr lang="zh-CN" altLang="en-US"/>
           </a:p>
@@ -4114,7 +4114,7 @@
           <a:p>
             <a:fld id="{760FBDFE-C587-4B4C-A407-44438C67B59E}" type="datetimeFigureOut">
               <a:rPr lang="zh-CN" altLang="en-US" smtClean="0"/>
-              <a:t>2025/12/13</a:t>
+              <a:t>2025/12/19</a:t>
             </a:fld>
             <a:endParaRPr lang="zh-CN" altLang="en-US"/>
           </a:p>
@@ -4385,7 +4385,7 @@
           <a:p>
             <a:fld id="{B1D5188F-F67D-41D8-B379-0AD3040A58D0}" type="datetimeFigureOut">
               <a:rPr lang="zh-CN" altLang="en-US" smtClean="0"/>
-              <a:t>2025/12/13</a:t>
+              <a:t>2025/12/19</a:t>
             </a:fld>
             <a:endParaRPr lang="zh-CN" altLang="en-US"/>
           </a:p>
@@ -4583,7 +4583,7 @@
           <a:p>
             <a:fld id="{B1D5188F-F67D-41D8-B379-0AD3040A58D0}" type="datetimeFigureOut">
               <a:rPr lang="zh-CN" altLang="en-US" smtClean="0"/>
-              <a:t>2025/12/13</a:t>
+              <a:t>2025/12/19</a:t>
             </a:fld>
             <a:endParaRPr lang="zh-CN" altLang="en-US"/>
           </a:p>
@@ -4791,7 +4791,7 @@
           <a:p>
             <a:fld id="{B1D5188F-F67D-41D8-B379-0AD3040A58D0}" type="datetimeFigureOut">
               <a:rPr lang="zh-CN" altLang="en-US" smtClean="0"/>
-              <a:t>2025/12/13</a:t>
+              <a:t>2025/12/19</a:t>
             </a:fld>
             <a:endParaRPr lang="zh-CN" altLang="en-US"/>
           </a:p>
@@ -4986,7 +4986,7 @@
           <a:p>
             <a:fld id="{760FBDFE-C587-4B4C-A407-44438C67B59E}" type="datetimeFigureOut">
               <a:rPr lang="zh-CN" altLang="en-US" smtClean="0"/>
-              <a:t>2025/12/13</a:t>
+              <a:t>2025/12/19</a:t>
             </a:fld>
             <a:endParaRPr lang="zh-CN" altLang="en-US"/>
           </a:p>
@@ -5231,7 +5231,7 @@
           <a:p>
             <a:fld id="{760FBDFE-C587-4B4C-A407-44438C67B59E}" type="datetimeFigureOut">
               <a:rPr lang="zh-CN" altLang="en-US" smtClean="0"/>
-              <a:t>2025/12/13</a:t>
+              <a:t>2025/12/19</a:t>
             </a:fld>
             <a:endParaRPr lang="zh-CN" altLang="en-US"/>
           </a:p>
@@ -5467,7 +5467,7 @@
           <a:p>
             <a:fld id="{760FBDFE-C587-4B4C-A407-44438C67B59E}" type="datetimeFigureOut">
               <a:rPr lang="zh-CN" altLang="en-US" smtClean="0"/>
-              <a:t>2025/12/13</a:t>
+              <a:t>2025/12/19</a:t>
             </a:fld>
             <a:endParaRPr lang="zh-CN" altLang="en-US"/>
           </a:p>
@@ -5857,7 +5857,7 @@
           <a:p>
             <a:fld id="{760FBDFE-C587-4B4C-A407-44438C67B59E}" type="datetimeFigureOut">
               <a:rPr lang="zh-CN" altLang="en-US" smtClean="0"/>
-              <a:t>2025/12/13</a:t>
+              <a:t>2025/12/19</a:t>
             </a:fld>
             <a:endParaRPr lang="zh-CN" altLang="en-US"/>
           </a:p>
@@ -5977,7 +5977,7 @@
           <a:p>
             <a:fld id="{760FBDFE-C587-4B4C-A407-44438C67B59E}" type="datetimeFigureOut">
               <a:rPr lang="zh-CN" altLang="en-US" smtClean="0"/>
-              <a:t>2025/12/13</a:t>
+              <a:t>2025/12/19</a:t>
             </a:fld>
             <a:endParaRPr lang="zh-CN" altLang="en-US"/>
           </a:p>
@@ -6134,7 +6134,7 @@
           <a:p>
             <a:fld id="{9EFD9D74-47D9-4702-A33C-335B63B48DBF}" type="datetimeFigureOut">
               <a:rPr lang="zh-CN" altLang="en-US" smtClean="0"/>
-              <a:t>2025/12/13</a:t>
+              <a:t>2025/12/19</a:t>
             </a:fld>
             <a:endParaRPr lang="zh-CN" altLang="en-US" dirty="0"/>
           </a:p>
@@ -6356,7 +6356,7 @@
           <a:p>
             <a:fld id="{760FBDFE-C587-4B4C-A407-44438C67B59E}" type="datetimeFigureOut">
               <a:rPr lang="zh-CN" altLang="en-US" smtClean="0"/>
-              <a:t>2025/12/13</a:t>
+              <a:t>2025/12/19</a:t>
             </a:fld>
             <a:endParaRPr lang="zh-CN" altLang="en-US"/>
           </a:p>
@@ -6564,7 +6564,7 @@
           <a:p>
             <a:fld id="{760FBDFE-C587-4B4C-A407-44438C67B59E}" type="datetimeFigureOut">
               <a:rPr lang="zh-CN" altLang="en-US" smtClean="0"/>
-              <a:t>2025/12/13</a:t>
+              <a:t>2025/12/19</a:t>
             </a:fld>
             <a:endParaRPr lang="zh-CN" altLang="en-US"/>
           </a:p>
@@ -7164,7 +7164,7 @@
           <a:p>
             <a:fld id="{B1D5188F-F67D-41D8-B379-0AD3040A58D0}" type="datetimeFigureOut">
               <a:rPr lang="zh-CN" altLang="en-US" smtClean="0"/>
-              <a:t>2025/12/13</a:t>
+              <a:t>2025/12/19</a:t>
             </a:fld>
             <a:endParaRPr lang="zh-CN" altLang="en-US"/>
           </a:p>
@@ -7774,7 +7774,7 @@
       </p:cxnSp>
       <p:sp>
         <p:nvSpPr>
-          <p:cNvPr id="92" name="矩形 91"/>
+          <p:cNvPr id="92" name="product_image"/>
           <p:cNvSpPr/>
           <p:nvPr/>
         </p:nvSpPr>
